--- a/Présentation.pptx
+++ b/Présentation.pptx
@@ -15139,8 +15139,35 @@
                 <a:latin typeface="Inter Light" panose="020B0604020202020204" charset="0"/>
                 <a:ea typeface="Inter Light" panose="020B0604020202020204" charset="0"/>
               </a:rPr>
-              <a:t> Guyard à Sunny Tech</a:t>
+              <a:t> Guyard à </a:t>
             </a:r>
+            <a:r>
+              <a:rPr lang="fr-FR" sz="1400" dirty="0" err="1">
+                <a:solidFill>
+                  <a:srgbClr val="000000"/>
+                </a:solidFill>
+                <a:latin typeface="Inter Light" panose="020B0604020202020204" charset="0"/>
+                <a:ea typeface="Inter Light" panose="020B0604020202020204" charset="0"/>
+              </a:rPr>
+              <a:t>VoxxedDays</a:t>
+            </a:r>
+            <a:r>
+              <a:rPr lang="fr-FR" sz="1400">
+                <a:solidFill>
+                  <a:srgbClr val="000000"/>
+                </a:solidFill>
+                <a:latin typeface="Inter Light" panose="020B0604020202020204" charset="0"/>
+                <a:ea typeface="Inter Light" panose="020B0604020202020204" charset="0"/>
+              </a:rPr>
+              <a:t> Paris</a:t>
+            </a:r>
+            <a:endParaRPr lang="fr-FR" sz="1400" dirty="0">
+              <a:solidFill>
+                <a:srgbClr val="000000"/>
+              </a:solidFill>
+              <a:latin typeface="Inter Light" panose="020B0604020202020204" charset="0"/>
+              <a:ea typeface="Inter Light" panose="020B0604020202020204" charset="0"/>
+            </a:endParaRPr>
           </a:p>
           <a:p>
             <a:pPr marL="285750" lvl="0" indent="-285750" algn="l" rtl="0">

--- a/Présentation.pptx
+++ b/Présentation.pptx
@@ -6,68 +6,73 @@
     <p:sldMasterId id="2147483673" r:id="rId2"/>
   </p:sldMasterIdLst>
   <p:notesMasterIdLst>
-    <p:notesMasterId r:id="rId22"/>
+    <p:notesMasterId r:id="rId24"/>
   </p:notesMasterIdLst>
   <p:sldIdLst>
     <p:sldId id="256" r:id="rId3"/>
     <p:sldId id="317" r:id="rId4"/>
-    <p:sldId id="299" r:id="rId5"/>
-    <p:sldId id="298" r:id="rId6"/>
-    <p:sldId id="302" r:id="rId7"/>
-    <p:sldId id="303" r:id="rId8"/>
-    <p:sldId id="304" r:id="rId9"/>
-    <p:sldId id="305" r:id="rId10"/>
-    <p:sldId id="307" r:id="rId11"/>
-    <p:sldId id="306" r:id="rId12"/>
-    <p:sldId id="308" r:id="rId13"/>
-    <p:sldId id="309" r:id="rId14"/>
-    <p:sldId id="301" r:id="rId15"/>
-    <p:sldId id="300" r:id="rId16"/>
-    <p:sldId id="310" r:id="rId17"/>
-    <p:sldId id="314" r:id="rId18"/>
-    <p:sldId id="312" r:id="rId19"/>
-    <p:sldId id="313" r:id="rId20"/>
-    <p:sldId id="282" r:id="rId21"/>
+    <p:sldId id="318" r:id="rId5"/>
+    <p:sldId id="299" r:id="rId6"/>
+    <p:sldId id="298" r:id="rId7"/>
+    <p:sldId id="302" r:id="rId8"/>
+    <p:sldId id="303" r:id="rId9"/>
+    <p:sldId id="304" r:id="rId10"/>
+    <p:sldId id="305" r:id="rId11"/>
+    <p:sldId id="307" r:id="rId12"/>
+    <p:sldId id="306" r:id="rId13"/>
+    <p:sldId id="308" r:id="rId14"/>
+    <p:sldId id="309" r:id="rId15"/>
+    <p:sldId id="301" r:id="rId16"/>
+    <p:sldId id="300" r:id="rId17"/>
+    <p:sldId id="310" r:id="rId18"/>
+    <p:sldId id="314" r:id="rId19"/>
+    <p:sldId id="312" r:id="rId20"/>
+    <p:sldId id="319" r:id="rId21"/>
+    <p:sldId id="313" r:id="rId22"/>
+    <p:sldId id="282" r:id="rId23"/>
   </p:sldIdLst>
   <p:sldSz cx="9144000" cy="5143500" type="screen16x9"/>
   <p:notesSz cx="6858000" cy="9144000"/>
   <p:embeddedFontLst>
     <p:embeddedFont>
       <p:font typeface="Inter" panose="020B0604020202020204" charset="0"/>
-      <p:regular r:id="rId23"/>
-      <p:bold r:id="rId24"/>
-      <p:italic r:id="rId25"/>
-      <p:boldItalic r:id="rId26"/>
+      <p:regular r:id="rId25"/>
+      <p:bold r:id="rId26"/>
+      <p:italic r:id="rId27"/>
+      <p:boldItalic r:id="rId28"/>
     </p:embeddedFont>
     <p:embeddedFont>
       <p:font typeface="Inter Light" panose="020B0604020202020204" charset="0"/>
-      <p:regular r:id="rId27"/>
-      <p:bold r:id="rId28"/>
-      <p:italic r:id="rId29"/>
-      <p:boldItalic r:id="rId30"/>
+      <p:regular r:id="rId29"/>
+      <p:bold r:id="rId30"/>
+      <p:italic r:id="rId31"/>
+      <p:boldItalic r:id="rId32"/>
     </p:embeddedFont>
     <p:embeddedFont>
       <p:font typeface="Poppins" panose="00000500000000000000" pitchFamily="2" charset="0"/>
-      <p:regular r:id="rId31"/>
-      <p:bold r:id="rId32"/>
-      <p:italic r:id="rId33"/>
-      <p:boldItalic r:id="rId34"/>
+      <p:regular r:id="rId33"/>
+      <p:bold r:id="rId34"/>
+      <p:italic r:id="rId35"/>
+      <p:boldItalic r:id="rId36"/>
     </p:embeddedFont>
     <p:embeddedFont>
       <p:font typeface="Poppins Light" panose="00000400000000000000" pitchFamily="2" charset="0"/>
-      <p:regular r:id="rId35"/>
-      <p:bold r:id="rId36"/>
-      <p:italic r:id="rId37"/>
-      <p:boldItalic r:id="rId38"/>
+      <p:regular r:id="rId37"/>
+      <p:bold r:id="rId38"/>
+      <p:italic r:id="rId39"/>
+      <p:boldItalic r:id="rId40"/>
     </p:embeddedFont>
     <p:embeddedFont>
       <p:font typeface="Spectral" panose="020B0604020202020204" charset="0"/>
-      <p:regular r:id="rId39"/>
-      <p:bold r:id="rId40"/>
-      <p:italic r:id="rId41"/>
-      <p:boldItalic r:id="rId42"/>
+      <p:regular r:id="rId41"/>
+      <p:bold r:id="rId42"/>
+      <p:italic r:id="rId43"/>
+      <p:boldItalic r:id="rId44"/>
     </p:embeddedFont>
   </p:embeddedFontLst>
+  <p:custDataLst>
+    <p:tags r:id="rId45"/>
+  </p:custDataLst>
   <p:defaultTextStyle>
     <a:defPPr marR="0" lvl="0" algn="l" rtl="0">
       <a:lnSpc>
@@ -12295,6 +12300,696 @@
   <p:cSld>
     <p:spTree>
       <p:nvGrpSpPr>
+        <p:cNvPr id="1" name="Shape 270"/>
+        <p:cNvGrpSpPr/>
+        <p:nvPr/>
+      </p:nvGrpSpPr>
+      <p:grpSpPr>
+        <a:xfrm>
+          <a:off x="0" y="0"/>
+          <a:ext cx="0" cy="0"/>
+          <a:chOff x="0" y="0"/>
+          <a:chExt cx="0" cy="0"/>
+        </a:xfrm>
+      </p:grpSpPr>
+      <p:grpSp>
+        <p:nvGrpSpPr>
+          <p:cNvPr id="278" name="Google Shape;278;p44">
+            <a:extLst>
+              <a:ext uri="{C183D7F6-B498-43B3-948B-1728B52AA6E4}">
+                <adec:decorative xmlns:adec="http://schemas.microsoft.com/office/drawing/2017/decorative" val="1"/>
+              </a:ext>
+            </a:extLst>
+          </p:cNvPr>
+          <p:cNvGrpSpPr/>
+          <p:nvPr/>
+        </p:nvGrpSpPr>
+        <p:grpSpPr>
+          <a:xfrm>
+            <a:off x="1315674" y="987477"/>
+            <a:ext cx="435600" cy="435600"/>
+            <a:chOff x="1756363" y="1443138"/>
+            <a:chExt cx="435600" cy="435600"/>
+          </a:xfrm>
+        </p:grpSpPr>
+        <p:sp>
+          <p:nvSpPr>
+            <p:cNvPr id="279" name="Google Shape;279;p44"/>
+            <p:cNvSpPr/>
+            <p:nvPr/>
+          </p:nvSpPr>
+          <p:spPr>
+            <a:xfrm>
+              <a:off x="1756363" y="1443138"/>
+              <a:ext cx="435600" cy="435600"/>
+            </a:xfrm>
+            <a:prstGeom prst="ellipse">
+              <a:avLst/>
+            </a:prstGeom>
+            <a:solidFill>
+              <a:schemeClr val="accent1"/>
+            </a:solidFill>
+            <a:ln>
+              <a:noFill/>
+            </a:ln>
+          </p:spPr>
+          <p:txBody>
+            <a:bodyPr spcFirstLastPara="1" wrap="square" lIns="91425" tIns="91425" rIns="91425" bIns="91425" anchor="ctr" anchorCtr="0">
+              <a:noAutofit/>
+            </a:bodyPr>
+            <a:lstStyle/>
+            <a:p>
+              <a:pPr marL="0" lvl="0" indent="0" algn="ctr" rtl="0">
+                <a:spcBef>
+                  <a:spcPts val="0"/>
+                </a:spcBef>
+                <a:spcAft>
+                  <a:spcPts val="0"/>
+                </a:spcAft>
+                <a:buNone/>
+              </a:pPr>
+              <a:endParaRPr>
+                <a:latin typeface="Poppins Light"/>
+                <a:ea typeface="Poppins Light"/>
+                <a:cs typeface="Poppins Light"/>
+                <a:sym typeface="Poppins Light"/>
+              </a:endParaRPr>
+            </a:p>
+          </p:txBody>
+        </p:sp>
+        <p:pic>
+          <p:nvPicPr>
+            <p:cNvPr id="280" name="Google Shape;280;p44"/>
+            <p:cNvPicPr preferRelativeResize="0"/>
+            <p:nvPr/>
+          </p:nvPicPr>
+          <p:blipFill>
+            <a:blip r:embed="rId3">
+              <a:alphaModFix/>
+            </a:blip>
+            <a:stretch>
+              <a:fillRect/>
+            </a:stretch>
+          </p:blipFill>
+          <p:spPr>
+            <a:xfrm>
+              <a:off x="1869400" y="1551413"/>
+              <a:ext cx="209550" cy="219075"/>
+            </a:xfrm>
+            <a:prstGeom prst="rect">
+              <a:avLst/>
+            </a:prstGeom>
+            <a:noFill/>
+            <a:ln>
+              <a:noFill/>
+            </a:ln>
+          </p:spPr>
+        </p:pic>
+      </p:grpSp>
+      <p:sp>
+        <p:nvSpPr>
+          <p:cNvPr id="271" name="Google Shape;271;p44"/>
+          <p:cNvSpPr txBox="1">
+            <a:spLocks noGrp="1"/>
+          </p:cNvSpPr>
+          <p:nvPr>
+            <p:ph type="ctrTitle" idx="4294967295"/>
+          </p:nvPr>
+        </p:nvSpPr>
+        <p:spPr>
+          <a:xfrm>
+            <a:off x="1995986" y="681614"/>
+            <a:ext cx="4365000" cy="894900"/>
+          </a:xfrm>
+          <a:prstGeom prst="rect">
+            <a:avLst/>
+          </a:prstGeom>
+        </p:spPr>
+        <p:txBody>
+          <a:bodyPr spcFirstLastPara="1" wrap="square" lIns="91425" tIns="91425" rIns="91425" bIns="91425" anchor="b" anchorCtr="0">
+            <a:noAutofit/>
+          </a:bodyPr>
+          <a:lstStyle/>
+          <a:p>
+            <a:pPr marL="0" lvl="0" indent="0" algn="l" rtl="0">
+              <a:spcBef>
+                <a:spcPts val="0"/>
+              </a:spcBef>
+              <a:spcAft>
+                <a:spcPts val="0"/>
+              </a:spcAft>
+              <a:buNone/>
+            </a:pPr>
+            <a:r>
+              <a:rPr lang="fr" sz="4200" dirty="0">
+                <a:latin typeface="Spectral"/>
+                <a:ea typeface="Spectral"/>
+                <a:cs typeface="Spectral"/>
+                <a:sym typeface="Spectral"/>
+              </a:rPr>
+              <a:t>12 millions</a:t>
+            </a:r>
+            <a:endParaRPr sz="4200" dirty="0">
+              <a:latin typeface="Spectral"/>
+              <a:ea typeface="Spectral"/>
+              <a:cs typeface="Spectral"/>
+              <a:sym typeface="Spectral"/>
+            </a:endParaRPr>
+          </a:p>
+        </p:txBody>
+      </p:sp>
+      <p:sp>
+        <p:nvSpPr>
+          <p:cNvPr id="272" name="Google Shape;272;p44"/>
+          <p:cNvSpPr txBox="1">
+            <a:spLocks noGrp="1"/>
+          </p:cNvSpPr>
+          <p:nvPr>
+            <p:ph type="subTitle" idx="4294967295"/>
+          </p:nvPr>
+        </p:nvSpPr>
+        <p:spPr>
+          <a:xfrm>
+            <a:off x="1995986" y="1292522"/>
+            <a:ext cx="4365000" cy="463200"/>
+          </a:xfrm>
+          <a:prstGeom prst="rect">
+            <a:avLst/>
+          </a:prstGeom>
+        </p:spPr>
+        <p:txBody>
+          <a:bodyPr spcFirstLastPara="1" wrap="square" lIns="91425" tIns="91425" rIns="91425" bIns="91425" anchor="t" anchorCtr="0">
+            <a:noAutofit/>
+          </a:bodyPr>
+          <a:lstStyle/>
+          <a:p>
+            <a:pPr marL="0" lvl="0" indent="0" algn="l" rtl="0">
+              <a:spcBef>
+                <a:spcPts val="600"/>
+              </a:spcBef>
+              <a:spcAft>
+                <a:spcPts val="0"/>
+              </a:spcAft>
+              <a:buNone/>
+            </a:pPr>
+            <a:r>
+              <a:rPr lang="fr-FR" sz="1400" dirty="0">
+                <a:latin typeface="Inter Light"/>
+                <a:ea typeface="Inter Light"/>
+                <a:cs typeface="Inter Light"/>
+                <a:sym typeface="Inter Light"/>
+              </a:rPr>
+              <a:t>d</a:t>
+            </a:r>
+            <a:r>
+              <a:rPr lang="fr" sz="1400" dirty="0">
+                <a:latin typeface="Inter Light"/>
+                <a:ea typeface="Inter Light"/>
+                <a:cs typeface="Inter Light"/>
+                <a:sym typeface="Inter Light"/>
+              </a:rPr>
+              <a:t>e personnes handicapées en France</a:t>
+            </a:r>
+            <a:endParaRPr sz="1400" dirty="0">
+              <a:latin typeface="Inter Light"/>
+              <a:ea typeface="Inter Light"/>
+              <a:cs typeface="Inter Light"/>
+              <a:sym typeface="Inter Light"/>
+            </a:endParaRPr>
+          </a:p>
+        </p:txBody>
+      </p:sp>
+      <p:grpSp>
+        <p:nvGrpSpPr>
+          <p:cNvPr id="281" name="Google Shape;281;p44">
+            <a:extLst>
+              <a:ext uri="{C183D7F6-B498-43B3-948B-1728B52AA6E4}">
+                <adec:decorative xmlns:adec="http://schemas.microsoft.com/office/drawing/2017/decorative" val="1"/>
+              </a:ext>
+            </a:extLst>
+          </p:cNvPr>
+          <p:cNvGrpSpPr/>
+          <p:nvPr/>
+        </p:nvGrpSpPr>
+        <p:grpSpPr>
+          <a:xfrm>
+            <a:off x="1315674" y="2315302"/>
+            <a:ext cx="435600" cy="435600"/>
+            <a:chOff x="1756363" y="1443138"/>
+            <a:chExt cx="435600" cy="435600"/>
+          </a:xfrm>
+        </p:grpSpPr>
+        <p:sp>
+          <p:nvSpPr>
+            <p:cNvPr id="282" name="Google Shape;282;p44"/>
+            <p:cNvSpPr/>
+            <p:nvPr/>
+          </p:nvSpPr>
+          <p:spPr>
+            <a:xfrm>
+              <a:off x="1756363" y="1443138"/>
+              <a:ext cx="435600" cy="435600"/>
+            </a:xfrm>
+            <a:prstGeom prst="ellipse">
+              <a:avLst/>
+            </a:prstGeom>
+            <a:solidFill>
+              <a:schemeClr val="accent1"/>
+            </a:solidFill>
+            <a:ln>
+              <a:noFill/>
+            </a:ln>
+          </p:spPr>
+          <p:txBody>
+            <a:bodyPr spcFirstLastPara="1" wrap="square" lIns="91425" tIns="91425" rIns="91425" bIns="91425" anchor="ctr" anchorCtr="0">
+              <a:noAutofit/>
+            </a:bodyPr>
+            <a:lstStyle/>
+            <a:p>
+              <a:pPr marL="0" lvl="0" indent="0" algn="ctr" rtl="0">
+                <a:spcBef>
+                  <a:spcPts val="0"/>
+                </a:spcBef>
+                <a:spcAft>
+                  <a:spcPts val="0"/>
+                </a:spcAft>
+                <a:buNone/>
+              </a:pPr>
+              <a:endParaRPr>
+                <a:latin typeface="Poppins Light"/>
+                <a:ea typeface="Poppins Light"/>
+                <a:cs typeface="Poppins Light"/>
+                <a:sym typeface="Poppins Light"/>
+              </a:endParaRPr>
+            </a:p>
+          </p:txBody>
+        </p:sp>
+        <p:pic>
+          <p:nvPicPr>
+            <p:cNvPr id="283" name="Google Shape;283;p44"/>
+            <p:cNvPicPr preferRelativeResize="0"/>
+            <p:nvPr/>
+          </p:nvPicPr>
+          <p:blipFill>
+            <a:blip r:embed="rId3">
+              <a:alphaModFix/>
+            </a:blip>
+            <a:stretch>
+              <a:fillRect/>
+            </a:stretch>
+          </p:blipFill>
+          <p:spPr>
+            <a:xfrm>
+              <a:off x="1869400" y="1551413"/>
+              <a:ext cx="209550" cy="219075"/>
+            </a:xfrm>
+            <a:prstGeom prst="rect">
+              <a:avLst/>
+            </a:prstGeom>
+            <a:noFill/>
+            <a:ln>
+              <a:noFill/>
+            </a:ln>
+          </p:spPr>
+        </p:pic>
+      </p:grpSp>
+      <p:sp>
+        <p:nvSpPr>
+          <p:cNvPr id="275" name="Google Shape;275;p44"/>
+          <p:cNvSpPr txBox="1">
+            <a:spLocks noGrp="1"/>
+          </p:cNvSpPr>
+          <p:nvPr>
+            <p:ph type="ctrTitle" idx="4294967295"/>
+          </p:nvPr>
+        </p:nvSpPr>
+        <p:spPr>
+          <a:xfrm>
+            <a:off x="1995986" y="1996061"/>
+            <a:ext cx="5769978" cy="894900"/>
+          </a:xfrm>
+          <a:prstGeom prst="rect">
+            <a:avLst/>
+          </a:prstGeom>
+        </p:spPr>
+        <p:txBody>
+          <a:bodyPr spcFirstLastPara="1" wrap="square" lIns="91425" tIns="91425" rIns="91425" bIns="91425" anchor="b" anchorCtr="0">
+            <a:noAutofit/>
+          </a:bodyPr>
+          <a:lstStyle/>
+          <a:p>
+            <a:pPr marL="0" lvl="0" indent="0" algn="l" rtl="0">
+              <a:spcBef>
+                <a:spcPts val="0"/>
+              </a:spcBef>
+              <a:spcAft>
+                <a:spcPts val="0"/>
+              </a:spcAft>
+              <a:buNone/>
+            </a:pPr>
+            <a:r>
+              <a:rPr lang="fr" sz="4200" dirty="0">
+                <a:latin typeface="Spectral"/>
+                <a:ea typeface="Spectral"/>
+                <a:cs typeface="Spectral"/>
+                <a:sym typeface="Spectral"/>
+              </a:rPr>
+              <a:t>5 familles de handicap</a:t>
+            </a:r>
+            <a:endParaRPr sz="4200" dirty="0">
+              <a:latin typeface="Spectral"/>
+              <a:ea typeface="Spectral"/>
+              <a:cs typeface="Spectral"/>
+              <a:sym typeface="Spectral"/>
+            </a:endParaRPr>
+          </a:p>
+        </p:txBody>
+      </p:sp>
+      <p:sp>
+        <p:nvSpPr>
+          <p:cNvPr id="276" name="Google Shape;276;p44"/>
+          <p:cNvSpPr txBox="1">
+            <a:spLocks noGrp="1"/>
+          </p:cNvSpPr>
+          <p:nvPr>
+            <p:ph type="subTitle" idx="4294967295"/>
+          </p:nvPr>
+        </p:nvSpPr>
+        <p:spPr>
+          <a:xfrm>
+            <a:off x="1995986" y="2606968"/>
+            <a:ext cx="4365000" cy="463200"/>
+          </a:xfrm>
+          <a:prstGeom prst="rect">
+            <a:avLst/>
+          </a:prstGeom>
+        </p:spPr>
+        <p:txBody>
+          <a:bodyPr spcFirstLastPara="1" wrap="square" lIns="91425" tIns="91425" rIns="91425" bIns="91425" anchor="t" anchorCtr="0">
+            <a:noAutofit/>
+          </a:bodyPr>
+          <a:lstStyle/>
+          <a:p>
+            <a:pPr marL="0" lvl="0" indent="0" algn="l" rtl="0">
+              <a:spcBef>
+                <a:spcPts val="600"/>
+              </a:spcBef>
+              <a:spcAft>
+                <a:spcPts val="0"/>
+              </a:spcAft>
+              <a:buNone/>
+            </a:pPr>
+            <a:r>
+              <a:rPr lang="fr-FR" sz="1400" dirty="0">
+                <a:latin typeface="Inter Light"/>
+                <a:ea typeface="Inter Light"/>
+                <a:cs typeface="Inter Light"/>
+                <a:sym typeface="Inter Light"/>
+              </a:rPr>
+              <a:t>Cognitif, mental, moteur, psychique et sensoriel</a:t>
+            </a:r>
+            <a:endParaRPr sz="1400" dirty="0">
+              <a:latin typeface="Inter Light"/>
+              <a:ea typeface="Inter Light"/>
+              <a:cs typeface="Inter Light"/>
+              <a:sym typeface="Inter Light"/>
+            </a:endParaRPr>
+          </a:p>
+        </p:txBody>
+      </p:sp>
+      <p:grpSp>
+        <p:nvGrpSpPr>
+          <p:cNvPr id="284" name="Google Shape;284;p44">
+            <a:extLst>
+              <a:ext uri="{C183D7F6-B498-43B3-948B-1728B52AA6E4}">
+                <adec:decorative xmlns:adec="http://schemas.microsoft.com/office/drawing/2017/decorative" val="1"/>
+              </a:ext>
+            </a:extLst>
+          </p:cNvPr>
+          <p:cNvGrpSpPr/>
+          <p:nvPr/>
+        </p:nvGrpSpPr>
+        <p:grpSpPr>
+          <a:xfrm>
+            <a:off x="1315674" y="3643127"/>
+            <a:ext cx="435600" cy="435600"/>
+            <a:chOff x="1756363" y="1443138"/>
+            <a:chExt cx="435600" cy="435600"/>
+          </a:xfrm>
+        </p:grpSpPr>
+        <p:sp>
+          <p:nvSpPr>
+            <p:cNvPr id="285" name="Google Shape;285;p44"/>
+            <p:cNvSpPr/>
+            <p:nvPr/>
+          </p:nvSpPr>
+          <p:spPr>
+            <a:xfrm>
+              <a:off x="1756363" y="1443138"/>
+              <a:ext cx="435600" cy="435600"/>
+            </a:xfrm>
+            <a:prstGeom prst="ellipse">
+              <a:avLst/>
+            </a:prstGeom>
+            <a:solidFill>
+              <a:schemeClr val="accent1"/>
+            </a:solidFill>
+            <a:ln>
+              <a:noFill/>
+            </a:ln>
+          </p:spPr>
+          <p:txBody>
+            <a:bodyPr spcFirstLastPara="1" wrap="square" lIns="91425" tIns="91425" rIns="91425" bIns="91425" anchor="ctr" anchorCtr="0">
+              <a:noAutofit/>
+            </a:bodyPr>
+            <a:lstStyle/>
+            <a:p>
+              <a:pPr marL="0" lvl="0" indent="0" algn="ctr" rtl="0">
+                <a:spcBef>
+                  <a:spcPts val="0"/>
+                </a:spcBef>
+                <a:spcAft>
+                  <a:spcPts val="0"/>
+                </a:spcAft>
+                <a:buNone/>
+              </a:pPr>
+              <a:endParaRPr>
+                <a:latin typeface="Poppins Light"/>
+                <a:ea typeface="Poppins Light"/>
+                <a:cs typeface="Poppins Light"/>
+                <a:sym typeface="Poppins Light"/>
+              </a:endParaRPr>
+            </a:p>
+          </p:txBody>
+        </p:sp>
+        <p:pic>
+          <p:nvPicPr>
+            <p:cNvPr id="286" name="Google Shape;286;p44"/>
+            <p:cNvPicPr preferRelativeResize="0"/>
+            <p:nvPr/>
+          </p:nvPicPr>
+          <p:blipFill>
+            <a:blip r:embed="rId3">
+              <a:alphaModFix/>
+            </a:blip>
+            <a:stretch>
+              <a:fillRect/>
+            </a:stretch>
+          </p:blipFill>
+          <p:spPr>
+            <a:xfrm>
+              <a:off x="1869400" y="1551413"/>
+              <a:ext cx="209550" cy="219075"/>
+            </a:xfrm>
+            <a:prstGeom prst="rect">
+              <a:avLst/>
+            </a:prstGeom>
+            <a:noFill/>
+            <a:ln>
+              <a:noFill/>
+            </a:ln>
+          </p:spPr>
+        </p:pic>
+      </p:grpSp>
+      <p:sp>
+        <p:nvSpPr>
+          <p:cNvPr id="273" name="Google Shape;273;p44"/>
+          <p:cNvSpPr txBox="1">
+            <a:spLocks noGrp="1"/>
+          </p:cNvSpPr>
+          <p:nvPr>
+            <p:ph type="ctrTitle" idx="4294967295"/>
+          </p:nvPr>
+        </p:nvSpPr>
+        <p:spPr>
+          <a:xfrm>
+            <a:off x="1995986" y="3310507"/>
+            <a:ext cx="5995358" cy="894900"/>
+          </a:xfrm>
+          <a:prstGeom prst="rect">
+            <a:avLst/>
+          </a:prstGeom>
+        </p:spPr>
+        <p:txBody>
+          <a:bodyPr spcFirstLastPara="1" wrap="square" lIns="91425" tIns="91425" rIns="91425" bIns="91425" anchor="b" anchorCtr="0">
+            <a:noAutofit/>
+          </a:bodyPr>
+          <a:lstStyle/>
+          <a:p>
+            <a:pPr marL="0" lvl="0" indent="0" algn="l" rtl="0">
+              <a:spcBef>
+                <a:spcPts val="0"/>
+              </a:spcBef>
+              <a:spcAft>
+                <a:spcPts val="0"/>
+              </a:spcAft>
+              <a:buNone/>
+            </a:pPr>
+            <a:r>
+              <a:rPr lang="fr-FR" sz="4200" dirty="0">
+                <a:latin typeface="Spectral"/>
+                <a:ea typeface="Spectral"/>
+                <a:cs typeface="Spectral"/>
+                <a:sym typeface="Spectral"/>
+              </a:rPr>
+              <a:t>95,9%</a:t>
+            </a:r>
+            <a:endParaRPr sz="4200" dirty="0">
+              <a:latin typeface="Spectral"/>
+              <a:ea typeface="Spectral"/>
+              <a:cs typeface="Spectral"/>
+              <a:sym typeface="Spectral"/>
+            </a:endParaRPr>
+          </a:p>
+        </p:txBody>
+      </p:sp>
+      <p:sp>
+        <p:nvSpPr>
+          <p:cNvPr id="274" name="Google Shape;274;p44"/>
+          <p:cNvSpPr txBox="1">
+            <a:spLocks noGrp="1"/>
+          </p:cNvSpPr>
+          <p:nvPr>
+            <p:ph type="subTitle" idx="4294967295"/>
+          </p:nvPr>
+        </p:nvSpPr>
+        <p:spPr>
+          <a:xfrm>
+            <a:off x="1995986" y="3921414"/>
+            <a:ext cx="5995358" cy="463200"/>
+          </a:xfrm>
+          <a:prstGeom prst="rect">
+            <a:avLst/>
+          </a:prstGeom>
+        </p:spPr>
+        <p:txBody>
+          <a:bodyPr spcFirstLastPara="1" wrap="square" lIns="91425" tIns="91425" rIns="91425" bIns="91425" anchor="t" anchorCtr="0">
+            <a:noAutofit/>
+          </a:bodyPr>
+          <a:lstStyle/>
+          <a:p>
+            <a:pPr marL="0" lvl="0" indent="0" algn="l" rtl="0">
+              <a:spcBef>
+                <a:spcPts val="600"/>
+              </a:spcBef>
+              <a:spcAft>
+                <a:spcPts val="0"/>
+              </a:spcAft>
+              <a:buNone/>
+            </a:pPr>
+            <a:r>
+              <a:rPr lang="fr-FR" sz="1400" dirty="0">
+                <a:latin typeface="Inter Light"/>
+                <a:ea typeface="Inter Light"/>
+                <a:cs typeface="Inter Light"/>
+                <a:sym typeface="Inter Light"/>
+              </a:rPr>
+              <a:t>D</a:t>
+            </a:r>
+            <a:r>
+              <a:rPr lang="fr" sz="1400" dirty="0">
+                <a:latin typeface="Inter Light"/>
+                <a:ea typeface="Inter Light"/>
+                <a:cs typeface="Inter Light"/>
+                <a:sym typeface="Inter Light"/>
+              </a:rPr>
+              <a:t>es sites webs sont inaccessibles selon le rapport WebAIM en 2023</a:t>
+            </a:r>
+            <a:endParaRPr sz="1400" dirty="0">
+              <a:latin typeface="Inter Light"/>
+              <a:ea typeface="Inter Light"/>
+              <a:cs typeface="Inter Light"/>
+              <a:sym typeface="Inter Light"/>
+            </a:endParaRPr>
+          </a:p>
+        </p:txBody>
+      </p:sp>
+      <p:sp>
+        <p:nvSpPr>
+          <p:cNvPr id="277" name="Google Shape;277;p44">
+            <a:extLst>
+              <a:ext uri="{C183D7F6-B498-43B3-948B-1728B52AA6E4}">
+                <adec:decorative xmlns:adec="http://schemas.microsoft.com/office/drawing/2017/decorative" val="1"/>
+              </a:ext>
+            </a:extLst>
+          </p:cNvPr>
+          <p:cNvSpPr txBox="1">
+            <a:spLocks noGrp="1"/>
+          </p:cNvSpPr>
+          <p:nvPr>
+            <p:ph type="sldNum" idx="12"/>
+          </p:nvPr>
+        </p:nvSpPr>
+        <p:spPr>
+          <a:xfrm>
+            <a:off x="8555875" y="4576450"/>
+            <a:ext cx="435600" cy="435600"/>
+          </a:xfrm>
+          <a:prstGeom prst="rect">
+            <a:avLst/>
+          </a:prstGeom>
+        </p:spPr>
+        <p:txBody>
+          <a:bodyPr spcFirstLastPara="1" wrap="square" lIns="91425" tIns="91425" rIns="91425" bIns="91425" anchor="ctr" anchorCtr="0">
+            <a:noAutofit/>
+          </a:bodyPr>
+          <a:lstStyle/>
+          <a:p>
+            <a:pPr marL="0" lvl="0" indent="0" algn="ctr" rtl="0">
+              <a:spcBef>
+                <a:spcPts val="0"/>
+              </a:spcBef>
+              <a:spcAft>
+                <a:spcPts val="0"/>
+              </a:spcAft>
+              <a:buNone/>
+            </a:pPr>
+            <a:fld id="{00000000-1234-1234-1234-123412341234}" type="slidenum">
+              <a:rPr lang="fr"/>
+              <a:t>10</a:t>
+            </a:fld>
+            <a:endParaRPr/>
+          </a:p>
+        </p:txBody>
+      </p:sp>
+    </p:spTree>
+    <p:extLst>
+      <p:ext uri="{BB962C8B-B14F-4D97-AF65-F5344CB8AC3E}">
+        <p14:creationId xmlns:p14="http://schemas.microsoft.com/office/powerpoint/2010/main" val="1664587476"/>
+      </p:ext>
+    </p:extLst>
+  </p:cSld>
+  <p:clrMapOvr>
+    <a:masterClrMapping/>
+  </p:clrMapOvr>
+</p:sld>
+</file>
+
+<file path=ppt/slides/slide11.xml><?xml version="1.0" encoding="utf-8"?>
+<p:sld xmlns:a="http://schemas.openxmlformats.org/drawingml/2006/main" xmlns:r="http://schemas.openxmlformats.org/officeDocument/2006/relationships" xmlns:p="http://schemas.openxmlformats.org/presentationml/2006/main">
+  <p:cSld>
+    <p:spTree>
+      <p:nvGrpSpPr>
         <p:cNvPr id="1" name="Shape 179"/>
         <p:cNvGrpSpPr/>
         <p:nvPr/>
@@ -12391,7 +13086,7 @@
             </a:pPr>
             <a:fld id="{00000000-1234-1234-1234-123412341234}" type="slidenum">
               <a:rPr lang="fr"/>
-              <a:t>10</a:t>
+              <a:t>11</a:t>
             </a:fld>
             <a:endParaRPr/>
           </a:p>
@@ -12410,7 +13105,7 @@
 </p:sld>
 </file>
 
-<file path=ppt/slides/slide11.xml><?xml version="1.0" encoding="utf-8"?>
+<file path=ppt/slides/slide12.xml><?xml version="1.0" encoding="utf-8"?>
 <p:sld xmlns:a="http://schemas.openxmlformats.org/drawingml/2006/main" xmlns:r="http://schemas.openxmlformats.org/officeDocument/2006/relationships" xmlns:p="http://schemas.openxmlformats.org/presentationml/2006/main">
   <p:cSld>
     <p:spTree>
@@ -12586,7 +13281,7 @@
             </a:pPr>
             <a:fld id="{00000000-1234-1234-1234-123412341234}" type="slidenum">
               <a:rPr lang="fr"/>
-              <a:t>11</a:t>
+              <a:t>12</a:t>
             </a:fld>
             <a:endParaRPr/>
           </a:p>
@@ -12596,192 +13291,6 @@
     <p:extLst>
       <p:ext uri="{BB962C8B-B14F-4D97-AF65-F5344CB8AC3E}">
         <p14:creationId xmlns:p14="http://schemas.microsoft.com/office/powerpoint/2010/main" val="3200439599"/>
-      </p:ext>
-    </p:extLst>
-  </p:cSld>
-  <p:clrMapOvr>
-    <a:masterClrMapping/>
-  </p:clrMapOvr>
-</p:sld>
-</file>
-
-<file path=ppt/slides/slide12.xml><?xml version="1.0" encoding="utf-8"?>
-<p:sld xmlns:a="http://schemas.openxmlformats.org/drawingml/2006/main" xmlns:r="http://schemas.openxmlformats.org/officeDocument/2006/relationships" xmlns:p="http://schemas.openxmlformats.org/presentationml/2006/main">
-  <p:cSld>
-    <p:spTree>
-      <p:nvGrpSpPr>
-        <p:cNvPr id="1" name="Shape 140"/>
-        <p:cNvGrpSpPr/>
-        <p:nvPr/>
-      </p:nvGrpSpPr>
-      <p:grpSpPr>
-        <a:xfrm>
-          <a:off x="0" y="0"/>
-          <a:ext cx="0" cy="0"/>
-          <a:chOff x="0" y="0"/>
-          <a:chExt cx="0" cy="0"/>
-        </a:xfrm>
-      </p:grpSpPr>
-      <p:sp>
-        <p:nvSpPr>
-          <p:cNvPr id="143" name="Google Shape;143;p30">
-            <a:extLst>
-              <a:ext uri="{C183D7F6-B498-43B3-948B-1728B52AA6E4}">
-                <adec:decorative xmlns:adec="http://schemas.microsoft.com/office/drawing/2017/decorative" val="1"/>
-              </a:ext>
-            </a:extLst>
-          </p:cNvPr>
-          <p:cNvSpPr/>
-          <p:nvPr/>
-        </p:nvSpPr>
-        <p:spPr>
-          <a:xfrm>
-            <a:off x="1481181" y="1738950"/>
-            <a:ext cx="832800" cy="832800"/>
-          </a:xfrm>
-          <a:prstGeom prst="ellipse">
-            <a:avLst/>
-          </a:prstGeom>
-          <a:solidFill>
-            <a:schemeClr val="accent1"/>
-          </a:solidFill>
-          <a:ln>
-            <a:noFill/>
-          </a:ln>
-        </p:spPr>
-        <p:txBody>
-          <a:bodyPr spcFirstLastPara="1" wrap="square" lIns="91425" tIns="91425" rIns="91425" bIns="91425" anchor="ctr" anchorCtr="0">
-            <a:noAutofit/>
-          </a:bodyPr>
-          <a:lstStyle/>
-          <a:p>
-            <a:pPr marL="0" lvl="0" indent="0" algn="ctr" rtl="0">
-              <a:spcBef>
-                <a:spcPts val="0"/>
-              </a:spcBef>
-              <a:spcAft>
-                <a:spcPts val="0"/>
-              </a:spcAft>
-              <a:buNone/>
-            </a:pPr>
-            <a:endParaRPr>
-              <a:latin typeface="Poppins Light"/>
-              <a:ea typeface="Poppins Light"/>
-              <a:cs typeface="Poppins Light"/>
-              <a:sym typeface="Poppins Light"/>
-            </a:endParaRPr>
-          </a:p>
-        </p:txBody>
-      </p:sp>
-      <p:sp>
-        <p:nvSpPr>
-          <p:cNvPr id="144" name="Google Shape;144;p30"/>
-          <p:cNvSpPr txBox="1"/>
-          <p:nvPr/>
-        </p:nvSpPr>
-        <p:spPr>
-          <a:xfrm>
-            <a:off x="1608081" y="1918105"/>
-            <a:ext cx="579000" cy="590400"/>
-          </a:xfrm>
-          <a:prstGeom prst="rect">
-            <a:avLst/>
-          </a:prstGeom>
-          <a:noFill/>
-          <a:ln>
-            <a:noFill/>
-          </a:ln>
-        </p:spPr>
-        <p:txBody>
-          <a:bodyPr spcFirstLastPara="1" wrap="square" lIns="91425" tIns="91425" rIns="91425" bIns="91425" anchor="ctr" anchorCtr="0">
-            <a:noAutofit/>
-          </a:bodyPr>
-          <a:lstStyle/>
-          <a:p>
-            <a:pPr marL="0" lvl="0" indent="0" algn="ctr" rtl="0">
-              <a:spcBef>
-                <a:spcPts val="0"/>
-              </a:spcBef>
-              <a:spcAft>
-                <a:spcPts val="0"/>
-              </a:spcAft>
-              <a:buClr>
-                <a:schemeClr val="dk1"/>
-              </a:buClr>
-              <a:buSzPts val="1100"/>
-              <a:buFont typeface="Arial"/>
-              <a:buNone/>
-            </a:pPr>
-            <a:r>
-              <a:rPr lang="fr" sz="4700" b="1" dirty="0">
-                <a:solidFill>
-                  <a:schemeClr val="dk1"/>
-                </a:solidFill>
-                <a:latin typeface="Spectral"/>
-                <a:ea typeface="Spectral"/>
-                <a:cs typeface="Spectral"/>
-                <a:sym typeface="Spectral"/>
-              </a:rPr>
-              <a:t>4</a:t>
-            </a:r>
-            <a:endParaRPr sz="4700" b="1" dirty="0">
-              <a:solidFill>
-                <a:schemeClr val="dk1"/>
-              </a:solidFill>
-              <a:latin typeface="Spectral"/>
-              <a:ea typeface="Spectral"/>
-              <a:cs typeface="Spectral"/>
-              <a:sym typeface="Spectral"/>
-            </a:endParaRPr>
-          </a:p>
-        </p:txBody>
-      </p:sp>
-      <p:sp>
-        <p:nvSpPr>
-          <p:cNvPr id="141" name="Google Shape;141;p30"/>
-          <p:cNvSpPr txBox="1">
-            <a:spLocks noGrp="1"/>
-          </p:cNvSpPr>
-          <p:nvPr>
-            <p:ph type="ctrTitle"/>
-          </p:nvPr>
-        </p:nvSpPr>
-        <p:spPr>
-          <a:xfrm>
-            <a:off x="2672401" y="1275850"/>
-            <a:ext cx="4346155" cy="1874910"/>
-          </a:xfrm>
-          <a:prstGeom prst="rect">
-            <a:avLst/>
-          </a:prstGeom>
-        </p:spPr>
-        <p:txBody>
-          <a:bodyPr spcFirstLastPara="1" wrap="square" lIns="91425" tIns="91425" rIns="91425" bIns="91425" anchor="ctr" anchorCtr="0">
-            <a:noAutofit/>
-          </a:bodyPr>
-          <a:lstStyle/>
-          <a:p>
-            <a:pPr marL="0" lvl="0" indent="0" algn="ctr" rtl="0">
-              <a:spcBef>
-                <a:spcPts val="0"/>
-              </a:spcBef>
-              <a:spcAft>
-                <a:spcPts val="0"/>
-              </a:spcAft>
-              <a:buNone/>
-            </a:pPr>
-            <a:r>
-              <a:rPr lang="fr" dirty="0"/>
-              <a:t>Qu’est ce que l’accessibilité numérique ?</a:t>
-            </a:r>
-            <a:endParaRPr dirty="0"/>
-          </a:p>
-        </p:txBody>
-      </p:sp>
-    </p:spTree>
-    <p:extLst>
-      <p:ext uri="{BB962C8B-B14F-4D97-AF65-F5344CB8AC3E}">
-        <p14:creationId xmlns:p14="http://schemas.microsoft.com/office/powerpoint/2010/main" val="2269439996"/>
       </p:ext>
     </p:extLst>
   </p:cSld>
@@ -12867,7 +13376,7 @@
         </p:nvSpPr>
         <p:spPr>
           <a:xfrm>
-            <a:off x="1575886" y="1911666"/>
+            <a:off x="1608081" y="1918105"/>
             <a:ext cx="579000" cy="590400"/>
           </a:xfrm>
           <a:prstGeom prst="rect">
@@ -12908,7 +13417,7 @@
                 <a:cs typeface="Spectral"/>
                 <a:sym typeface="Spectral"/>
               </a:rPr>
-              <a:t>5</a:t>
+              <a:t>4</a:t>
             </a:r>
             <a:endParaRPr sz="4700" b="1" dirty="0">
               <a:solidFill>
@@ -12934,8 +13443,8 @@
         </p:nvSpPr>
         <p:spPr>
           <a:xfrm>
-            <a:off x="2685279" y="1149860"/>
-            <a:ext cx="4346155" cy="2114011"/>
+            <a:off x="2672401" y="1275850"/>
+            <a:ext cx="4346155" cy="1874910"/>
           </a:xfrm>
           <a:prstGeom prst="rect">
             <a:avLst/>
@@ -12958,7 +13467,7 @@
             </a:pPr>
             <a:r>
               <a:rPr lang="fr" dirty="0"/>
-              <a:t>Présentation du panorama interactif</a:t>
+              <a:t>Qu’est ce que l’accessibilité numérique ?</a:t>
             </a:r>
             <a:endParaRPr dirty="0"/>
           </a:p>
@@ -12967,7 +13476,7 @@
     </p:spTree>
     <p:extLst>
       <p:ext uri="{BB962C8B-B14F-4D97-AF65-F5344CB8AC3E}">
-        <p14:creationId xmlns:p14="http://schemas.microsoft.com/office/powerpoint/2010/main" val="2407055383"/>
+        <p14:creationId xmlns:p14="http://schemas.microsoft.com/office/powerpoint/2010/main" val="2269439996"/>
       </p:ext>
     </p:extLst>
   </p:cSld>
@@ -13053,7 +13562,7 @@
         </p:nvSpPr>
         <p:spPr>
           <a:xfrm>
-            <a:off x="1608081" y="1916960"/>
+            <a:off x="1575886" y="1911666"/>
             <a:ext cx="579000" cy="590400"/>
           </a:xfrm>
           <a:prstGeom prst="rect">
@@ -13094,7 +13603,7 @@
                 <a:cs typeface="Spectral"/>
                 <a:sym typeface="Spectral"/>
               </a:rPr>
-              <a:t>6</a:t>
+              <a:t>5</a:t>
             </a:r>
             <a:endParaRPr sz="4700" b="1" dirty="0">
               <a:solidFill>
@@ -13120,8 +13629,8 @@
         </p:nvSpPr>
         <p:spPr>
           <a:xfrm>
-            <a:off x="2672400" y="1274705"/>
-            <a:ext cx="4623481" cy="1874910"/>
+            <a:off x="2685279" y="1149860"/>
+            <a:ext cx="4346155" cy="2114011"/>
           </a:xfrm>
           <a:prstGeom prst="rect">
             <a:avLst/>
@@ -13144,7 +13653,7 @@
             </a:pPr>
             <a:r>
               <a:rPr lang="fr" dirty="0"/>
-              <a:t>Amusez-vous !</a:t>
+              <a:t>Présentation du panorama interactif</a:t>
             </a:r>
             <a:endParaRPr dirty="0"/>
           </a:p>
@@ -13153,7 +13662,7 @@
     </p:spTree>
     <p:extLst>
       <p:ext uri="{BB962C8B-B14F-4D97-AF65-F5344CB8AC3E}">
-        <p14:creationId xmlns:p14="http://schemas.microsoft.com/office/powerpoint/2010/main" val="2942775072"/>
+        <p14:creationId xmlns:p14="http://schemas.microsoft.com/office/powerpoint/2010/main" val="2407055383"/>
       </p:ext>
     </p:extLst>
   </p:cSld>
@@ -13280,7 +13789,7 @@
                 <a:cs typeface="Spectral"/>
                 <a:sym typeface="Spectral"/>
               </a:rPr>
-              <a:t>7</a:t>
+              <a:t>6</a:t>
             </a:r>
             <a:endParaRPr sz="4700" b="1" dirty="0">
               <a:solidFill>
@@ -13330,16 +13839,100 @@
             </a:pPr>
             <a:r>
               <a:rPr lang="fr" dirty="0"/>
-              <a:t>Exposé de vos reflexions</a:t>
+              <a:t>Amusez-vous !</a:t>
             </a:r>
             <a:endParaRPr dirty="0"/>
+          </a:p>
+        </p:txBody>
+      </p:sp>
+      <p:pic>
+        <p:nvPicPr>
+          <p:cNvPr id="2" name="Image 1" descr="Code barre pour accéder aux ressources">
+            <a:extLst>
+              <a:ext uri="{FF2B5EF4-FFF2-40B4-BE49-F238E27FC236}">
+                <a16:creationId xmlns:a16="http://schemas.microsoft.com/office/drawing/2014/main" id="{D29D1FDE-3505-44F2-3168-A27236D0885F}"/>
+              </a:ext>
+              <a:ext uri="{C183D7F6-B498-43B3-948B-1728B52AA6E4}">
+                <adec:decorative xmlns:adec="http://schemas.microsoft.com/office/drawing/2017/decorative" val="0"/>
+              </a:ext>
+            </a:extLst>
+          </p:cNvPr>
+          <p:cNvPicPr>
+            <a:picLocks noChangeAspect="1"/>
+          </p:cNvPicPr>
+          <p:nvPr/>
+        </p:nvPicPr>
+        <p:blipFill>
+          <a:blip r:embed="rId3"/>
+          <a:srcRect l="6732" t="8225" r="6958" b="7989"/>
+          <a:stretch/>
+        </p:blipFill>
+        <p:spPr>
+          <a:xfrm>
+            <a:off x="7742522" y="131450"/>
+            <a:ext cx="1216042" cy="1180487"/>
+          </a:xfrm>
+          <a:prstGeom prst="rect">
+            <a:avLst/>
+          </a:prstGeom>
+        </p:spPr>
+      </p:pic>
+      <p:sp>
+        <p:nvSpPr>
+          <p:cNvPr id="3" name="ZoneTexte 2">
+            <a:extLst>
+              <a:ext uri="{FF2B5EF4-FFF2-40B4-BE49-F238E27FC236}">
+                <a16:creationId xmlns:a16="http://schemas.microsoft.com/office/drawing/2014/main" id="{B17EB4B2-E953-CBE2-5FB3-F9C881F1FAFD}"/>
+              </a:ext>
+            </a:extLst>
+          </p:cNvPr>
+          <p:cNvSpPr txBox="1"/>
+          <p:nvPr/>
+        </p:nvSpPr>
+        <p:spPr>
+          <a:xfrm>
+            <a:off x="7785324" y="1253259"/>
+            <a:ext cx="1130438" cy="307777"/>
+          </a:xfrm>
+          <a:prstGeom prst="rect">
+            <a:avLst/>
+          </a:prstGeom>
+          <a:noFill/>
+        </p:spPr>
+        <p:txBody>
+          <a:bodyPr wrap="square" rtlCol="0">
+            <a:spAutoFit/>
+          </a:bodyPr>
+          <a:lstStyle/>
+          <a:p>
+            <a:pPr algn="ctr"/>
+            <a:r>
+              <a:rPr lang="fr-FR" dirty="0">
+                <a:solidFill>
+                  <a:schemeClr val="accent1"/>
+                </a:solidFill>
+                <a:hlinkClick r:id="rId4">
+                  <a:extLst>
+                    <a:ext uri="{A12FA001-AC4F-418D-AE19-62706E023703}">
+                      <ahyp:hlinkClr xmlns:ahyp="http://schemas.microsoft.com/office/drawing/2018/hyperlinkcolor" val="tx"/>
+                    </a:ext>
+                  </a:extLst>
+                </a:hlinkClick>
+              </a:rPr>
+              <a:t>Ressources</a:t>
+            </a:r>
+            <a:endParaRPr lang="fr-FR" dirty="0">
+              <a:solidFill>
+                <a:schemeClr val="accent1"/>
+              </a:solidFill>
+            </a:endParaRPr>
           </a:p>
         </p:txBody>
       </p:sp>
     </p:spTree>
     <p:extLst>
       <p:ext uri="{BB962C8B-B14F-4D97-AF65-F5344CB8AC3E}">
-        <p14:creationId xmlns:p14="http://schemas.microsoft.com/office/powerpoint/2010/main" val="1633946951"/>
+        <p14:creationId xmlns:p14="http://schemas.microsoft.com/office/powerpoint/2010/main" val="2942775072"/>
       </p:ext>
     </p:extLst>
   </p:cSld>
@@ -13466,6 +14059,192 @@
                 <a:cs typeface="Spectral"/>
                 <a:sym typeface="Spectral"/>
               </a:rPr>
+              <a:t>7</a:t>
+            </a:r>
+            <a:endParaRPr sz="4700" b="1" dirty="0">
+              <a:solidFill>
+                <a:schemeClr val="dk1"/>
+              </a:solidFill>
+              <a:latin typeface="Spectral"/>
+              <a:ea typeface="Spectral"/>
+              <a:cs typeface="Spectral"/>
+              <a:sym typeface="Spectral"/>
+            </a:endParaRPr>
+          </a:p>
+        </p:txBody>
+      </p:sp>
+      <p:sp>
+        <p:nvSpPr>
+          <p:cNvPr id="141" name="Google Shape;141;p30"/>
+          <p:cNvSpPr txBox="1">
+            <a:spLocks noGrp="1"/>
+          </p:cNvSpPr>
+          <p:nvPr>
+            <p:ph type="ctrTitle"/>
+          </p:nvPr>
+        </p:nvSpPr>
+        <p:spPr>
+          <a:xfrm>
+            <a:off x="2672400" y="1274705"/>
+            <a:ext cx="4623481" cy="1874910"/>
+          </a:xfrm>
+          <a:prstGeom prst="rect">
+            <a:avLst/>
+          </a:prstGeom>
+        </p:spPr>
+        <p:txBody>
+          <a:bodyPr spcFirstLastPara="1" wrap="square" lIns="91425" tIns="91425" rIns="91425" bIns="91425" anchor="ctr" anchorCtr="0">
+            <a:noAutofit/>
+          </a:bodyPr>
+          <a:lstStyle/>
+          <a:p>
+            <a:pPr marL="0" lvl="0" indent="0" algn="ctr" rtl="0">
+              <a:spcBef>
+                <a:spcPts val="0"/>
+              </a:spcBef>
+              <a:spcAft>
+                <a:spcPts val="0"/>
+              </a:spcAft>
+              <a:buNone/>
+            </a:pPr>
+            <a:r>
+              <a:rPr lang="fr" dirty="0"/>
+              <a:t>Exposé de vos reflexions</a:t>
+            </a:r>
+            <a:endParaRPr dirty="0"/>
+          </a:p>
+        </p:txBody>
+      </p:sp>
+    </p:spTree>
+    <p:extLst>
+      <p:ext uri="{BB962C8B-B14F-4D97-AF65-F5344CB8AC3E}">
+        <p14:creationId xmlns:p14="http://schemas.microsoft.com/office/powerpoint/2010/main" val="1633946951"/>
+      </p:ext>
+    </p:extLst>
+  </p:cSld>
+  <p:clrMapOvr>
+    <a:masterClrMapping/>
+  </p:clrMapOvr>
+</p:sld>
+</file>
+
+<file path=ppt/slides/slide17.xml><?xml version="1.0" encoding="utf-8"?>
+<p:sld xmlns:a="http://schemas.openxmlformats.org/drawingml/2006/main" xmlns:r="http://schemas.openxmlformats.org/officeDocument/2006/relationships" xmlns:p="http://schemas.openxmlformats.org/presentationml/2006/main">
+  <p:cSld>
+    <p:spTree>
+      <p:nvGrpSpPr>
+        <p:cNvPr id="1" name="Shape 140"/>
+        <p:cNvGrpSpPr/>
+        <p:nvPr/>
+      </p:nvGrpSpPr>
+      <p:grpSpPr>
+        <a:xfrm>
+          <a:off x="0" y="0"/>
+          <a:ext cx="0" cy="0"/>
+          <a:chOff x="0" y="0"/>
+          <a:chExt cx="0" cy="0"/>
+        </a:xfrm>
+      </p:grpSpPr>
+      <p:sp>
+        <p:nvSpPr>
+          <p:cNvPr id="143" name="Google Shape;143;p30">
+            <a:extLst>
+              <a:ext uri="{C183D7F6-B498-43B3-948B-1728B52AA6E4}">
+                <adec:decorative xmlns:adec="http://schemas.microsoft.com/office/drawing/2017/decorative" val="1"/>
+              </a:ext>
+            </a:extLst>
+          </p:cNvPr>
+          <p:cNvSpPr/>
+          <p:nvPr/>
+        </p:nvSpPr>
+        <p:spPr>
+          <a:xfrm>
+            <a:off x="1481181" y="1738950"/>
+            <a:ext cx="832800" cy="832800"/>
+          </a:xfrm>
+          <a:prstGeom prst="ellipse">
+            <a:avLst/>
+          </a:prstGeom>
+          <a:solidFill>
+            <a:schemeClr val="accent1"/>
+          </a:solidFill>
+          <a:ln>
+            <a:noFill/>
+          </a:ln>
+        </p:spPr>
+        <p:txBody>
+          <a:bodyPr spcFirstLastPara="1" wrap="square" lIns="91425" tIns="91425" rIns="91425" bIns="91425" anchor="ctr" anchorCtr="0">
+            <a:noAutofit/>
+          </a:bodyPr>
+          <a:lstStyle/>
+          <a:p>
+            <a:pPr marL="0" lvl="0" indent="0" algn="ctr" rtl="0">
+              <a:spcBef>
+                <a:spcPts val="0"/>
+              </a:spcBef>
+              <a:spcAft>
+                <a:spcPts val="0"/>
+              </a:spcAft>
+              <a:buNone/>
+            </a:pPr>
+            <a:endParaRPr>
+              <a:latin typeface="Poppins Light"/>
+              <a:ea typeface="Poppins Light"/>
+              <a:cs typeface="Poppins Light"/>
+              <a:sym typeface="Poppins Light"/>
+            </a:endParaRPr>
+          </a:p>
+        </p:txBody>
+      </p:sp>
+      <p:sp>
+        <p:nvSpPr>
+          <p:cNvPr id="144" name="Google Shape;144;p30"/>
+          <p:cNvSpPr txBox="1"/>
+          <p:nvPr/>
+        </p:nvSpPr>
+        <p:spPr>
+          <a:xfrm>
+            <a:off x="1608081" y="1916960"/>
+            <a:ext cx="579000" cy="590400"/>
+          </a:xfrm>
+          <a:prstGeom prst="rect">
+            <a:avLst/>
+          </a:prstGeom>
+          <a:noFill/>
+          <a:ln>
+            <a:noFill/>
+          </a:ln>
+        </p:spPr>
+        <p:txBody>
+          <a:bodyPr spcFirstLastPara="1" wrap="square" lIns="91425" tIns="91425" rIns="91425" bIns="91425" anchor="ctr" anchorCtr="0">
+            <a:noAutofit/>
+          </a:bodyPr>
+          <a:lstStyle/>
+          <a:p>
+            <a:pPr marL="0" lvl="0" indent="0" algn="ctr" rtl="0">
+              <a:spcBef>
+                <a:spcPts val="0"/>
+              </a:spcBef>
+              <a:spcAft>
+                <a:spcPts val="0"/>
+              </a:spcAft>
+              <a:buClr>
+                <a:schemeClr val="dk1"/>
+              </a:buClr>
+              <a:buSzPts val="1100"/>
+              <a:buFont typeface="Arial"/>
+              <a:buNone/>
+            </a:pPr>
+            <a:r>
+              <a:rPr lang="fr" sz="4700" b="1" dirty="0">
+                <a:solidFill>
+                  <a:schemeClr val="dk1"/>
+                </a:solidFill>
+                <a:latin typeface="Spectral"/>
+                <a:ea typeface="Spectral"/>
+                <a:cs typeface="Spectral"/>
+                <a:sym typeface="Spectral"/>
+              </a:rPr>
               <a:t>8</a:t>
             </a:r>
             <a:endParaRPr sz="4700" b="1" dirty="0">
@@ -13535,7 +14314,7 @@
 </p:sld>
 </file>
 
-<file path=ppt/slides/slide17.xml><?xml version="1.0" encoding="utf-8"?>
+<file path=ppt/slides/slide18.xml><?xml version="1.0" encoding="utf-8"?>
 <p:sld xmlns:a="http://schemas.openxmlformats.org/drawingml/2006/main" xmlns:r="http://schemas.openxmlformats.org/officeDocument/2006/relationships" xmlns:p="http://schemas.openxmlformats.org/presentationml/2006/main">
   <p:cSld>
     <p:spTree>
@@ -13918,7 +14697,7 @@
             </a:pPr>
             <a:fld id="{00000000-1234-1234-1234-123412341234}" type="slidenum">
               <a:rPr lang="fr"/>
-              <a:t>17</a:t>
+              <a:t>18</a:t>
             </a:fld>
             <a:endParaRPr/>
           </a:p>
@@ -14085,7 +14864,1541 @@
 </p:sld>
 </file>
 
-<file path=ppt/slides/slide18.xml><?xml version="1.0" encoding="utf-8"?>
+<file path=ppt/slides/slide19.xml><?xml version="1.0" encoding="utf-8"?>
+<p:sld xmlns:a="http://schemas.openxmlformats.org/drawingml/2006/main" xmlns:r="http://schemas.openxmlformats.org/officeDocument/2006/relationships" xmlns:p="http://schemas.openxmlformats.org/presentationml/2006/main" showMasterSp="0">
+  <p:cSld>
+    <p:bg>
+      <p:bgPr>
+        <a:solidFill>
+          <a:srgbClr val="FFFFFF"/>
+        </a:solidFill>
+        <a:effectLst/>
+      </p:bgPr>
+    </p:bg>
+    <p:spTree>
+      <p:nvGrpSpPr>
+        <p:cNvPr id="1" name=""/>
+        <p:cNvGrpSpPr/>
+        <p:nvPr/>
+      </p:nvGrpSpPr>
+      <p:grpSpPr>
+        <a:xfrm>
+          <a:off x="0" y="0"/>
+          <a:ext cx="0" cy="0"/>
+          <a:chOff x="0" y="0"/>
+          <a:chExt cx="0" cy="0"/>
+        </a:xfrm>
+      </p:grpSpPr>
+      <p:sp>
+        <p:nvSpPr>
+          <p:cNvPr id="2" name="Rectangle : coins arrondis 1">
+            <a:extLst>
+              <a:ext uri="{FF2B5EF4-FFF2-40B4-BE49-F238E27FC236}">
+                <a16:creationId xmlns:a16="http://schemas.microsoft.com/office/drawing/2014/main" id="{0F07673C-FAFE-8DCA-9F05-16A9E66F2F25}"/>
+              </a:ext>
+            </a:extLst>
+          </p:cNvPr>
+          <p:cNvSpPr/>
+          <p:nvPr>
+            <p:custDataLst>
+              <p:tags r:id="rId2"/>
+            </p:custDataLst>
+          </p:nvPr>
+        </p:nvSpPr>
+        <p:spPr>
+          <a:xfrm>
+            <a:off x="4762500" y="322898"/>
+            <a:ext cx="4000500" cy="668654"/>
+          </a:xfrm>
+          <a:prstGeom prst="roundRect">
+            <a:avLst/>
+          </a:prstGeom>
+          <a:solidFill>
+            <a:srgbClr val="F4F4F4"/>
+          </a:solidFill>
+          <a:ln w="25400" cap="flat" cmpd="sng" algn="ctr">
+            <a:noFill/>
+            <a:prstDash val="solid"/>
+          </a:ln>
+          <a:effectLst/>
+          <a:extLst>
+            <a:ext uri="{91240B29-F687-4F45-9708-019B960494DF}">
+              <a14:hiddenLine xmlns:a14="http://schemas.microsoft.com/office/drawing/2010/main" w="25400" cap="flat" cmpd="sng" algn="ctr">
+                <a:solidFill>
+                  <a:schemeClr val="accent1">
+                    <a:shade val="15000"/>
+                  </a:schemeClr>
+                </a:solidFill>
+                <a:prstDash val="solid"/>
+              </a14:hiddenLine>
+            </a:ext>
+          </a:extLst>
+        </p:spPr>
+        <p:style>
+          <a:lnRef idx="2">
+            <a:schemeClr val="accent1">
+              <a:shade val="15000"/>
+            </a:schemeClr>
+          </a:lnRef>
+          <a:fillRef idx="1">
+            <a:schemeClr val="accent1"/>
+          </a:fillRef>
+          <a:effectRef idx="0">
+            <a:schemeClr val="accent1"/>
+          </a:effectRef>
+          <a:fontRef idx="minor">
+            <a:schemeClr val="lt1"/>
+          </a:fontRef>
+        </p:style>
+        <p:txBody>
+          <a:bodyPr lIns="317500" rIns="1143000" rtlCol="0" anchor="ctr">
+            <a:normAutofit fontScale="62500" lnSpcReduction="20000"/>
+          </a:bodyPr>
+          <a:lstStyle/>
+          <a:p>
+            <a:r>
+              <a:rPr lang="en-US" sz="2000">
+                <a:solidFill>
+                  <a:srgbClr val="5B5B5B"/>
+                </a:solidFill>
+              </a:rPr>
+              <a:t>Please download and install the Slido app on all computers you use</a:t>
+            </a:r>
+            <a:endParaRPr lang="fr-FR" sz="2000">
+              <a:solidFill>
+                <a:srgbClr val="5B5B5B"/>
+              </a:solidFill>
+            </a:endParaRPr>
+          </a:p>
+        </p:txBody>
+      </p:sp>
+      <p:pic>
+        <p:nvPicPr>
+          <p:cNvPr id="4" name="Graphique 3">
+            <a:extLst>
+              <a:ext uri="{FF2B5EF4-FFF2-40B4-BE49-F238E27FC236}">
+                <a16:creationId xmlns:a16="http://schemas.microsoft.com/office/drawing/2014/main" id="{C00828F3-5B33-62AC-C118-E31EE51B905A}"/>
+              </a:ext>
+            </a:extLst>
+          </p:cNvPr>
+          <p:cNvPicPr>
+            <a:picLocks/>
+          </p:cNvPicPr>
+          <p:nvPr>
+            <p:custDataLst>
+              <p:tags r:id="rId3"/>
+            </p:custDataLst>
+          </p:nvPr>
+        </p:nvPicPr>
+        <p:blipFill>
+          <a:blip r:embed="rId9">
+            <a:extLst>
+              <a:ext uri="{96DAC541-7B7A-43D3-8B79-37D633B846F1}">
+                <asvg:svgBlip xmlns:asvg="http://schemas.microsoft.com/office/drawing/2016/SVG/main" r:embed="rId10"/>
+              </a:ext>
+            </a:extLst>
+          </a:blip>
+          <a:stretch>
+            <a:fillRect/>
+          </a:stretch>
+        </p:blipFill>
+        <p:spPr>
+          <a:xfrm>
+            <a:off x="7976661" y="433226"/>
+            <a:ext cx="447999" cy="447999"/>
+          </a:xfrm>
+          <a:prstGeom prst="rect">
+            <a:avLst/>
+          </a:prstGeom>
+        </p:spPr>
+      </p:pic>
+      <p:pic>
+        <p:nvPicPr>
+          <p:cNvPr id="6" name="Graphique 5">
+            <a:extLst>
+              <a:ext uri="{FF2B5EF4-FFF2-40B4-BE49-F238E27FC236}">
+                <a16:creationId xmlns:a16="http://schemas.microsoft.com/office/drawing/2014/main" id="{DE606103-F02F-7F3E-103D-8D2F808A83D6}"/>
+              </a:ext>
+            </a:extLst>
+          </p:cNvPr>
+          <p:cNvPicPr>
+            <a:picLocks/>
+          </p:cNvPicPr>
+          <p:nvPr>
+            <p:custDataLst>
+              <p:tags r:id="rId4"/>
+            </p:custDataLst>
+          </p:nvPr>
+        </p:nvPicPr>
+        <p:blipFill>
+          <a:blip r:embed="rId11">
+            <a:extLst>
+              <a:ext uri="{96DAC541-7B7A-43D3-8B79-37D633B846F1}">
+                <asvg:svgBlip xmlns:asvg="http://schemas.microsoft.com/office/drawing/2016/SVG/main" r:embed="rId12"/>
+              </a:ext>
+            </a:extLst>
+          </a:blip>
+          <a:stretch>
+            <a:fillRect/>
+          </a:stretch>
+        </p:blipFill>
+        <p:spPr>
+          <a:xfrm>
+            <a:off x="2926080" y="462915"/>
+            <a:ext cx="777240" cy="388620"/>
+          </a:xfrm>
+          <a:prstGeom prst="rect">
+            <a:avLst/>
+          </a:prstGeom>
+        </p:spPr>
+      </p:pic>
+      <p:pic>
+        <p:nvPicPr>
+          <p:cNvPr id="8" name="Graphique 7">
+            <a:extLst>
+              <a:ext uri="{FF2B5EF4-FFF2-40B4-BE49-F238E27FC236}">
+                <a16:creationId xmlns:a16="http://schemas.microsoft.com/office/drawing/2014/main" id="{33BEF0C5-C4FD-DBEA-7BEB-7E51D089EFF4}"/>
+              </a:ext>
+            </a:extLst>
+          </p:cNvPr>
+          <p:cNvPicPr>
+            <a:picLocks/>
+          </p:cNvPicPr>
+          <p:nvPr>
+            <p:custDataLst>
+              <p:tags r:id="rId5"/>
+            </p:custDataLst>
+          </p:nvPr>
+        </p:nvPicPr>
+        <p:blipFill>
+          <a:blip r:embed="rId13">
+            <a:extLst>
+              <a:ext uri="{96DAC541-7B7A-43D3-8B79-37D633B846F1}">
+                <asvg:svgBlip xmlns:asvg="http://schemas.microsoft.com/office/drawing/2016/SVG/main" r:embed="rId14"/>
+              </a:ext>
+            </a:extLst>
+          </a:blip>
+          <a:stretch>
+            <a:fillRect/>
+          </a:stretch>
+        </p:blipFill>
+        <p:spPr>
+          <a:xfrm>
+            <a:off x="868680" y="1703070"/>
+            <a:ext cx="1737360" cy="1737360"/>
+          </a:xfrm>
+          <a:prstGeom prst="rect">
+            <a:avLst/>
+          </a:prstGeom>
+        </p:spPr>
+      </p:pic>
+      <p:sp>
+        <p:nvSpPr>
+          <p:cNvPr id="9" name="Rectangle 8">
+            <a:extLst>
+              <a:ext uri="{FF2B5EF4-FFF2-40B4-BE49-F238E27FC236}">
+                <a16:creationId xmlns:a16="http://schemas.microsoft.com/office/drawing/2014/main" id="{51691F42-DAED-80FE-4EB6-5221549E9FE8}"/>
+              </a:ext>
+            </a:extLst>
+          </p:cNvPr>
+          <p:cNvSpPr/>
+          <p:nvPr>
+            <p:custDataLst>
+              <p:tags r:id="rId6"/>
+            </p:custDataLst>
+          </p:nvPr>
+        </p:nvSpPr>
+        <p:spPr>
+          <a:xfrm>
+            <a:off x="2926080" y="1928813"/>
+            <a:ext cx="5486400" cy="1285875"/>
+          </a:xfrm>
+          <a:prstGeom prst="rect">
+            <a:avLst/>
+          </a:prstGeom>
+          <a:noFill/>
+          <a:ln w="25400" cap="flat" cmpd="sng" algn="ctr">
+            <a:solidFill>
+              <a:srgbClr val="FFFFFF"/>
+            </a:solidFill>
+            <a:prstDash val="solid"/>
+          </a:ln>
+          <a:effectLst/>
+          <a:extLst>
+            <a:ext uri="{909E8E84-426E-40DD-AFC4-6F175D3DCCD1}">
+              <a14:hiddenFill xmlns:a14="http://schemas.microsoft.com/office/drawing/2010/main">
+                <a:solidFill>
+                  <a:schemeClr val="accent1"/>
+                </a:solidFill>
+              </a14:hiddenFill>
+            </a:ext>
+          </a:extLst>
+        </p:spPr>
+        <p:style>
+          <a:lnRef idx="2">
+            <a:schemeClr val="accent1">
+              <a:shade val="15000"/>
+            </a:schemeClr>
+          </a:lnRef>
+          <a:fillRef idx="1">
+            <a:schemeClr val="accent1"/>
+          </a:fillRef>
+          <a:effectRef idx="0">
+            <a:schemeClr val="accent1"/>
+          </a:effectRef>
+          <a:fontRef idx="minor">
+            <a:schemeClr val="lt1"/>
+          </a:fontRef>
+        </p:style>
+        <p:txBody>
+          <a:bodyPr rtlCol="0" anchor="ctr"/>
+          <a:lstStyle/>
+          <a:p>
+            <a:r>
+              <a:rPr lang="fr-FR" sz="4000" b="1">
+                <a:solidFill>
+                  <a:srgbClr val="5B5B5B"/>
+                </a:solidFill>
+              </a:rPr>
+              <a:t>Audience Q&amp;A</a:t>
+            </a:r>
+          </a:p>
+        </p:txBody>
+      </p:sp>
+      <p:sp>
+        <p:nvSpPr>
+          <p:cNvPr id="10" name="Rectangle 9">
+            <a:extLst>
+              <a:ext uri="{FF2B5EF4-FFF2-40B4-BE49-F238E27FC236}">
+                <a16:creationId xmlns:a16="http://schemas.microsoft.com/office/drawing/2014/main" id="{47DAEF9B-9695-AC99-51F8-942E755E74C3}"/>
+              </a:ext>
+            </a:extLst>
+          </p:cNvPr>
+          <p:cNvSpPr/>
+          <p:nvPr>
+            <p:custDataLst>
+              <p:tags r:id="rId7"/>
+            </p:custDataLst>
+          </p:nvPr>
+        </p:nvSpPr>
+        <p:spPr>
+          <a:xfrm>
+            <a:off x="2926080" y="4318000"/>
+            <a:ext cx="5486400" cy="388620"/>
+          </a:xfrm>
+          <a:prstGeom prst="rect">
+            <a:avLst/>
+          </a:prstGeom>
+          <a:noFill/>
+          <a:ln w="25400" cap="flat" cmpd="sng" algn="ctr">
+            <a:noFill/>
+            <a:prstDash val="solid"/>
+          </a:ln>
+          <a:effectLst/>
+          <a:extLst>
+            <a:ext uri="{909E8E84-426E-40DD-AFC4-6F175D3DCCD1}">
+              <a14:hiddenFill xmlns:a14="http://schemas.microsoft.com/office/drawing/2010/main">
+                <a:solidFill>
+                  <a:schemeClr val="accent1"/>
+                </a:solidFill>
+              </a14:hiddenFill>
+            </a:ext>
+            <a:ext uri="{91240B29-F687-4F45-9708-019B960494DF}">
+              <a14:hiddenLine xmlns:a14="http://schemas.microsoft.com/office/drawing/2010/main" w="25400" cap="flat" cmpd="sng" algn="ctr">
+                <a:solidFill>
+                  <a:schemeClr val="accent1">
+                    <a:shade val="15000"/>
+                  </a:schemeClr>
+                </a:solidFill>
+                <a:prstDash val="solid"/>
+              </a14:hiddenLine>
+            </a:ext>
+          </a:extLst>
+        </p:spPr>
+        <p:style>
+          <a:lnRef idx="2">
+            <a:schemeClr val="accent1">
+              <a:shade val="15000"/>
+            </a:schemeClr>
+          </a:lnRef>
+          <a:fillRef idx="1">
+            <a:schemeClr val="accent1"/>
+          </a:fillRef>
+          <a:effectRef idx="0">
+            <a:schemeClr val="accent1"/>
+          </a:effectRef>
+          <a:fontRef idx="minor">
+            <a:schemeClr val="lt1"/>
+          </a:fontRef>
+        </p:style>
+        <p:txBody>
+          <a:bodyPr rtlCol="0" anchor="ctr">
+            <a:normAutofit fontScale="70000" lnSpcReduction="20000"/>
+          </a:bodyPr>
+          <a:lstStyle/>
+          <a:p>
+            <a:r>
+              <a:rPr lang="en-US" sz="2200" b="1">
+                <a:solidFill>
+                  <a:srgbClr val="5B5B5B"/>
+                </a:solidFill>
+              </a:rPr>
+              <a:t>ⓘ</a:t>
+            </a:r>
+            <a:r>
+              <a:rPr lang="en-US" sz="2000">
+                <a:solidFill>
+                  <a:srgbClr val="5B5B5B"/>
+                </a:solidFill>
+              </a:rPr>
+              <a:t> Start presenting to display the audience questions on this slide.</a:t>
+            </a:r>
+            <a:endParaRPr lang="fr-FR" sz="2000">
+              <a:solidFill>
+                <a:srgbClr val="5B5B5B"/>
+              </a:solidFill>
+            </a:endParaRPr>
+          </a:p>
+        </p:txBody>
+      </p:sp>
+    </p:spTree>
+    <p:custDataLst>
+      <p:tags r:id="rId1"/>
+    </p:custDataLst>
+    <p:extLst>
+      <p:ext uri="{BB962C8B-B14F-4D97-AF65-F5344CB8AC3E}">
+        <p14:creationId xmlns:p14="http://schemas.microsoft.com/office/powerpoint/2010/main" val="2355096470"/>
+      </p:ext>
+    </p:extLst>
+  </p:cSld>
+  <p:clrMapOvr>
+    <a:masterClrMapping/>
+  </p:clrMapOvr>
+</p:sld>
+</file>
+
+<file path=ppt/slides/slide2.xml><?xml version="1.0" encoding="utf-8"?>
+<p:sld xmlns:a="http://schemas.openxmlformats.org/drawingml/2006/main" xmlns:r="http://schemas.openxmlformats.org/officeDocument/2006/relationships" xmlns:p="http://schemas.openxmlformats.org/presentationml/2006/main">
+  <p:cSld>
+    <p:spTree>
+      <p:nvGrpSpPr>
+        <p:cNvPr id="1" name=""/>
+        <p:cNvGrpSpPr/>
+        <p:nvPr/>
+      </p:nvGrpSpPr>
+      <p:grpSpPr>
+        <a:xfrm>
+          <a:off x="0" y="0"/>
+          <a:ext cx="0" cy="0"/>
+          <a:chOff x="0" y="0"/>
+          <a:chExt cx="0" cy="0"/>
+        </a:xfrm>
+      </p:grpSpPr>
+      <p:grpSp>
+        <p:nvGrpSpPr>
+          <p:cNvPr id="7" name="Groupe 6">
+            <a:extLst>
+              <a:ext uri="{FF2B5EF4-FFF2-40B4-BE49-F238E27FC236}">
+                <a16:creationId xmlns:a16="http://schemas.microsoft.com/office/drawing/2014/main" id="{C4B5478F-1214-787A-95B8-1F7097A5F1C7}"/>
+              </a:ext>
+              <a:ext uri="{C183D7F6-B498-43B3-948B-1728B52AA6E4}">
+                <adec:decorative xmlns:adec="http://schemas.microsoft.com/office/drawing/2017/decorative" val="1"/>
+              </a:ext>
+            </a:extLst>
+          </p:cNvPr>
+          <p:cNvGrpSpPr/>
+          <p:nvPr/>
+        </p:nvGrpSpPr>
+        <p:grpSpPr>
+          <a:xfrm>
+            <a:off x="1035161" y="410758"/>
+            <a:ext cx="435600" cy="435600"/>
+            <a:chOff x="1215462" y="359243"/>
+            <a:chExt cx="435600" cy="435600"/>
+          </a:xfrm>
+        </p:grpSpPr>
+        <p:sp>
+          <p:nvSpPr>
+            <p:cNvPr id="8" name="Google Shape;134;p29">
+              <a:extLst>
+                <a:ext uri="{FF2B5EF4-FFF2-40B4-BE49-F238E27FC236}">
+                  <a16:creationId xmlns:a16="http://schemas.microsoft.com/office/drawing/2014/main" id="{215A70BE-1CE4-E076-0BE4-BBF1B8968B7F}"/>
+                </a:ext>
+              </a:extLst>
+            </p:cNvPr>
+            <p:cNvSpPr>
+              <a:spLocks/>
+            </p:cNvSpPr>
+            <p:nvPr/>
+          </p:nvSpPr>
+          <p:spPr>
+            <a:xfrm>
+              <a:off x="1215462" y="359243"/>
+              <a:ext cx="435600" cy="435600"/>
+            </a:xfrm>
+            <a:prstGeom prst="ellipse">
+              <a:avLst/>
+            </a:prstGeom>
+            <a:solidFill>
+              <a:schemeClr val="accent1"/>
+            </a:solidFill>
+            <a:ln>
+              <a:noFill/>
+            </a:ln>
+          </p:spPr>
+          <p:txBody>
+            <a:bodyPr spcFirstLastPara="1" wrap="square" lIns="91425" tIns="91425" rIns="91425" bIns="91425" anchor="ctr" anchorCtr="0">
+              <a:noAutofit/>
+            </a:bodyPr>
+            <a:lstStyle/>
+            <a:p>
+              <a:pPr marL="0" lvl="0" indent="0" algn="ctr" rtl="0">
+                <a:spcBef>
+                  <a:spcPts val="0"/>
+                </a:spcBef>
+                <a:spcAft>
+                  <a:spcPts val="0"/>
+                </a:spcAft>
+                <a:buNone/>
+              </a:pPr>
+              <a:endParaRPr>
+                <a:latin typeface="Poppins Light"/>
+                <a:ea typeface="Poppins Light"/>
+                <a:cs typeface="Poppins Light"/>
+                <a:sym typeface="Poppins Light"/>
+              </a:endParaRPr>
+            </a:p>
+          </p:txBody>
+        </p:sp>
+        <p:pic>
+          <p:nvPicPr>
+            <p:cNvPr id="9" name="Google Shape;135;p29">
+              <a:extLst>
+                <a:ext uri="{FF2B5EF4-FFF2-40B4-BE49-F238E27FC236}">
+                  <a16:creationId xmlns:a16="http://schemas.microsoft.com/office/drawing/2014/main" id="{68750199-C5C6-E1EB-4647-FE39C95B3E0E}"/>
+                </a:ext>
+              </a:extLst>
+            </p:cNvPr>
+            <p:cNvPicPr preferRelativeResize="0">
+              <a:picLocks/>
+            </p:cNvPicPr>
+            <p:nvPr/>
+          </p:nvPicPr>
+          <p:blipFill>
+            <a:blip r:embed="rId2">
+              <a:alphaModFix/>
+            </a:blip>
+            <a:stretch>
+              <a:fillRect/>
+            </a:stretch>
+          </p:blipFill>
+          <p:spPr>
+            <a:xfrm>
+              <a:off x="1328499" y="467518"/>
+              <a:ext cx="209550" cy="219075"/>
+            </a:xfrm>
+            <a:prstGeom prst="rect">
+              <a:avLst/>
+            </a:prstGeom>
+            <a:noFill/>
+            <a:ln>
+              <a:noFill/>
+            </a:ln>
+          </p:spPr>
+        </p:pic>
+      </p:grpSp>
+      <p:sp>
+        <p:nvSpPr>
+          <p:cNvPr id="6" name="Google Shape;130;p29">
+            <a:extLst>
+              <a:ext uri="{FF2B5EF4-FFF2-40B4-BE49-F238E27FC236}">
+                <a16:creationId xmlns:a16="http://schemas.microsoft.com/office/drawing/2014/main" id="{33EF47DB-A26F-E599-45F6-9328603E2673}"/>
+              </a:ext>
+            </a:extLst>
+          </p:cNvPr>
+          <p:cNvSpPr txBox="1">
+            <a:spLocks noGrp="1"/>
+          </p:cNvSpPr>
+          <p:nvPr>
+            <p:ph type="title" idx="4294967295"/>
+          </p:nvPr>
+        </p:nvSpPr>
+        <p:spPr>
+          <a:xfrm>
+            <a:off x="1559046" y="62813"/>
+            <a:ext cx="6025907" cy="1159800"/>
+          </a:xfrm>
+          <a:prstGeom prst="rect">
+            <a:avLst/>
+          </a:prstGeom>
+          <a:noFill/>
+          <a:ln>
+            <a:noFill/>
+            <a:prstDash/>
+          </a:ln>
+          <a:effectLst/>
+        </p:spPr>
+        <p:txBody>
+          <a:bodyPr rot="0" spcFirstLastPara="1" vertOverflow="overflow" horzOverflow="overflow" vert="horz" wrap="square" lIns="91425" tIns="91425" rIns="91425" bIns="91425" numCol="1" spcCol="0" rtlCol="0" fromWordArt="0" anchor="ctr" anchorCtr="0" forceAA="0" compatLnSpc="1">
+            <a:prstTxWarp prst="textNoShape">
+              <a:avLst/>
+            </a:prstTxWarp>
+            <a:noAutofit/>
+          </a:bodyPr>
+          <a:lstStyle>
+            <a:defPPr marR="0" lvl="0" algn="l" rtl="0">
+              <a:lnSpc>
+                <a:spcPct val="100000"/>
+              </a:lnSpc>
+              <a:spcBef>
+                <a:spcPts val="0"/>
+              </a:spcBef>
+              <a:spcAft>
+                <a:spcPts val="0"/>
+              </a:spcAft>
+            </a:defPPr>
+            <a:lvl1pPr marR="0" lvl="0" algn="l" rtl="0">
+              <a:lnSpc>
+                <a:spcPct val="100000"/>
+              </a:lnSpc>
+              <a:spcBef>
+                <a:spcPts val="0"/>
+              </a:spcBef>
+              <a:spcAft>
+                <a:spcPts val="0"/>
+              </a:spcAft>
+              <a:buClr>
+                <a:schemeClr val="dk1"/>
+              </a:buClr>
+              <a:buSzPts val="3600"/>
+              <a:buFont typeface="Poppins"/>
+              <a:buNone/>
+              <a:defRPr sz="3600" b="1" i="0" u="none" strike="noStrike" cap="none">
+                <a:solidFill>
+                  <a:schemeClr val="dk1"/>
+                </a:solidFill>
+                <a:latin typeface="Poppins"/>
+                <a:ea typeface="Poppins"/>
+                <a:cs typeface="Poppins"/>
+                <a:sym typeface="Poppins"/>
+              </a:defRPr>
+            </a:lvl1pPr>
+            <a:lvl2pPr marR="0" lvl="1" algn="l" rtl="0">
+              <a:lnSpc>
+                <a:spcPct val="100000"/>
+              </a:lnSpc>
+              <a:spcBef>
+                <a:spcPts val="0"/>
+              </a:spcBef>
+              <a:spcAft>
+                <a:spcPts val="0"/>
+              </a:spcAft>
+              <a:buClr>
+                <a:schemeClr val="dk1"/>
+              </a:buClr>
+              <a:buSzPts val="3600"/>
+              <a:buFont typeface="Poppins"/>
+              <a:buNone/>
+              <a:defRPr sz="3600" b="1" i="0" u="none" strike="noStrike" cap="none">
+                <a:solidFill>
+                  <a:schemeClr val="dk1"/>
+                </a:solidFill>
+                <a:latin typeface="Poppins"/>
+                <a:ea typeface="Poppins"/>
+                <a:cs typeface="Poppins"/>
+                <a:sym typeface="Poppins"/>
+              </a:defRPr>
+            </a:lvl2pPr>
+            <a:lvl3pPr marR="0" lvl="2" algn="l" rtl="0">
+              <a:lnSpc>
+                <a:spcPct val="100000"/>
+              </a:lnSpc>
+              <a:spcBef>
+                <a:spcPts val="0"/>
+              </a:spcBef>
+              <a:spcAft>
+                <a:spcPts val="0"/>
+              </a:spcAft>
+              <a:buClr>
+                <a:schemeClr val="dk1"/>
+              </a:buClr>
+              <a:buSzPts val="3600"/>
+              <a:buFont typeface="Poppins"/>
+              <a:buNone/>
+              <a:defRPr sz="3600" b="1" i="0" u="none" strike="noStrike" cap="none">
+                <a:solidFill>
+                  <a:schemeClr val="dk1"/>
+                </a:solidFill>
+                <a:latin typeface="Poppins"/>
+                <a:ea typeface="Poppins"/>
+                <a:cs typeface="Poppins"/>
+                <a:sym typeface="Poppins"/>
+              </a:defRPr>
+            </a:lvl3pPr>
+            <a:lvl4pPr marR="0" lvl="3" algn="l" rtl="0">
+              <a:lnSpc>
+                <a:spcPct val="100000"/>
+              </a:lnSpc>
+              <a:spcBef>
+                <a:spcPts val="0"/>
+              </a:spcBef>
+              <a:spcAft>
+                <a:spcPts val="0"/>
+              </a:spcAft>
+              <a:buClr>
+                <a:schemeClr val="dk1"/>
+              </a:buClr>
+              <a:buSzPts val="3600"/>
+              <a:buFont typeface="Poppins"/>
+              <a:buNone/>
+              <a:defRPr sz="3600" b="1" i="0" u="none" strike="noStrike" cap="none">
+                <a:solidFill>
+                  <a:schemeClr val="dk1"/>
+                </a:solidFill>
+                <a:latin typeface="Poppins"/>
+                <a:ea typeface="Poppins"/>
+                <a:cs typeface="Poppins"/>
+                <a:sym typeface="Poppins"/>
+              </a:defRPr>
+            </a:lvl4pPr>
+            <a:lvl5pPr marR="0" lvl="4" algn="l" rtl="0">
+              <a:lnSpc>
+                <a:spcPct val="100000"/>
+              </a:lnSpc>
+              <a:spcBef>
+                <a:spcPts val="0"/>
+              </a:spcBef>
+              <a:spcAft>
+                <a:spcPts val="0"/>
+              </a:spcAft>
+              <a:buClr>
+                <a:schemeClr val="dk1"/>
+              </a:buClr>
+              <a:buSzPts val="3600"/>
+              <a:buFont typeface="Poppins"/>
+              <a:buNone/>
+              <a:defRPr sz="3600" b="1" i="0" u="none" strike="noStrike" cap="none">
+                <a:solidFill>
+                  <a:schemeClr val="dk1"/>
+                </a:solidFill>
+                <a:latin typeface="Poppins"/>
+                <a:ea typeface="Poppins"/>
+                <a:cs typeface="Poppins"/>
+                <a:sym typeface="Poppins"/>
+              </a:defRPr>
+            </a:lvl5pPr>
+            <a:lvl6pPr marR="0" lvl="5" algn="l" rtl="0">
+              <a:lnSpc>
+                <a:spcPct val="100000"/>
+              </a:lnSpc>
+              <a:spcBef>
+                <a:spcPts val="0"/>
+              </a:spcBef>
+              <a:spcAft>
+                <a:spcPts val="0"/>
+              </a:spcAft>
+              <a:buClr>
+                <a:schemeClr val="dk1"/>
+              </a:buClr>
+              <a:buSzPts val="3600"/>
+              <a:buFont typeface="Poppins"/>
+              <a:buNone/>
+              <a:defRPr sz="3600" b="1" i="0" u="none" strike="noStrike" cap="none">
+                <a:solidFill>
+                  <a:schemeClr val="dk1"/>
+                </a:solidFill>
+                <a:latin typeface="Poppins"/>
+                <a:ea typeface="Poppins"/>
+                <a:cs typeface="Poppins"/>
+                <a:sym typeface="Poppins"/>
+              </a:defRPr>
+            </a:lvl6pPr>
+            <a:lvl7pPr marR="0" lvl="6" algn="l" rtl="0">
+              <a:lnSpc>
+                <a:spcPct val="100000"/>
+              </a:lnSpc>
+              <a:spcBef>
+                <a:spcPts val="0"/>
+              </a:spcBef>
+              <a:spcAft>
+                <a:spcPts val="0"/>
+              </a:spcAft>
+              <a:buClr>
+                <a:schemeClr val="dk1"/>
+              </a:buClr>
+              <a:buSzPts val="3600"/>
+              <a:buFont typeface="Poppins"/>
+              <a:buNone/>
+              <a:defRPr sz="3600" b="1" i="0" u="none" strike="noStrike" cap="none">
+                <a:solidFill>
+                  <a:schemeClr val="dk1"/>
+                </a:solidFill>
+                <a:latin typeface="Poppins"/>
+                <a:ea typeface="Poppins"/>
+                <a:cs typeface="Poppins"/>
+                <a:sym typeface="Poppins"/>
+              </a:defRPr>
+            </a:lvl7pPr>
+            <a:lvl8pPr marR="0" lvl="7" algn="l" rtl="0">
+              <a:lnSpc>
+                <a:spcPct val="100000"/>
+              </a:lnSpc>
+              <a:spcBef>
+                <a:spcPts val="0"/>
+              </a:spcBef>
+              <a:spcAft>
+                <a:spcPts val="0"/>
+              </a:spcAft>
+              <a:buClr>
+                <a:schemeClr val="dk1"/>
+              </a:buClr>
+              <a:buSzPts val="3600"/>
+              <a:buFont typeface="Poppins"/>
+              <a:buNone/>
+              <a:defRPr sz="3600" b="1" i="0" u="none" strike="noStrike" cap="none">
+                <a:solidFill>
+                  <a:schemeClr val="dk1"/>
+                </a:solidFill>
+                <a:latin typeface="Poppins"/>
+                <a:ea typeface="Poppins"/>
+                <a:cs typeface="Poppins"/>
+                <a:sym typeface="Poppins"/>
+              </a:defRPr>
+            </a:lvl8pPr>
+            <a:lvl9pPr marR="0" lvl="8" algn="l" rtl="0">
+              <a:lnSpc>
+                <a:spcPct val="100000"/>
+              </a:lnSpc>
+              <a:spcBef>
+                <a:spcPts val="0"/>
+              </a:spcBef>
+              <a:spcAft>
+                <a:spcPts val="0"/>
+              </a:spcAft>
+              <a:buClr>
+                <a:schemeClr val="dk1"/>
+              </a:buClr>
+              <a:buSzPts val="3600"/>
+              <a:buFont typeface="Poppins"/>
+              <a:buNone/>
+              <a:defRPr sz="3600" b="1" i="0" u="none" strike="noStrike" cap="none">
+                <a:solidFill>
+                  <a:schemeClr val="dk1"/>
+                </a:solidFill>
+                <a:latin typeface="Poppins"/>
+                <a:ea typeface="Poppins"/>
+                <a:cs typeface="Poppins"/>
+                <a:sym typeface="Poppins"/>
+              </a:defRPr>
+            </a:lvl9pPr>
+          </a:lstStyle>
+          <a:p>
+            <a:pPr marL="0" marR="0" lvl="0" indent="0" algn="l" defTabSz="914400" rtl="0" eaLnBrk="1" fontAlgn="auto" latinLnBrk="0" hangingPunct="1">
+              <a:lnSpc>
+                <a:spcPct val="100000"/>
+              </a:lnSpc>
+              <a:spcBef>
+                <a:spcPts val="0"/>
+              </a:spcBef>
+              <a:spcAft>
+                <a:spcPts val="0"/>
+              </a:spcAft>
+              <a:buClr>
+                <a:schemeClr val="dk1"/>
+              </a:buClr>
+              <a:buSzPts val="3600"/>
+              <a:buFont typeface="Poppins"/>
+              <a:buNone/>
+              <a:tabLst/>
+              <a:defRPr/>
+            </a:pPr>
+            <a:r>
+              <a:rPr kumimoji="0" lang="fr-FR" sz="4800" b="1" i="0" u="none" strike="noStrike" kern="0" cap="none" spc="0" normalizeH="0" baseline="0" noProof="0" dirty="0" err="1">
+                <a:ln>
+                  <a:noFill/>
+                </a:ln>
+                <a:solidFill>
+                  <a:schemeClr val="dk1"/>
+                </a:solidFill>
+                <a:effectLst/>
+                <a:uLnTx/>
+                <a:uFillTx/>
+                <a:latin typeface="Spectral"/>
+                <a:ea typeface="Spectral"/>
+                <a:cs typeface="Spectral"/>
+                <a:sym typeface="Spectral"/>
+              </a:rPr>
+              <a:t>Angi</a:t>
+            </a:r>
+            <a:r>
+              <a:rPr kumimoji="0" lang="fr-FR" sz="4800" b="1" i="0" u="none" strike="noStrike" kern="0" cap="none" spc="0" normalizeH="0" baseline="0" noProof="0" dirty="0">
+                <a:ln>
+                  <a:noFill/>
+                </a:ln>
+                <a:solidFill>
+                  <a:schemeClr val="dk1"/>
+                </a:solidFill>
+                <a:effectLst/>
+                <a:uLnTx/>
+                <a:uFillTx/>
+                <a:latin typeface="Spectral"/>
+                <a:ea typeface="Spectral"/>
+                <a:cs typeface="Spectral"/>
+                <a:sym typeface="Spectral"/>
+              </a:rPr>
+              <a:t> &amp; Emmanuelle</a:t>
+            </a:r>
+          </a:p>
+        </p:txBody>
+      </p:sp>
+      <p:pic>
+        <p:nvPicPr>
+          <p:cNvPr id="12" name="Image 11" descr="Yeeso">
+            <a:extLst>
+              <a:ext uri="{FF2B5EF4-FFF2-40B4-BE49-F238E27FC236}">
+                <a16:creationId xmlns:a16="http://schemas.microsoft.com/office/drawing/2014/main" id="{C115FF70-A048-0787-8E85-B814AB51923D}"/>
+              </a:ext>
+            </a:extLst>
+          </p:cNvPr>
+          <p:cNvPicPr>
+            <a:picLocks noChangeAspect="1"/>
+          </p:cNvPicPr>
+          <p:nvPr/>
+        </p:nvPicPr>
+        <p:blipFill>
+          <a:blip r:embed="rId3"/>
+          <a:stretch>
+            <a:fillRect/>
+          </a:stretch>
+        </p:blipFill>
+        <p:spPr>
+          <a:xfrm>
+            <a:off x="340540" y="1659307"/>
+            <a:ext cx="1615316" cy="538439"/>
+          </a:xfrm>
+          <a:prstGeom prst="rect">
+            <a:avLst/>
+          </a:prstGeom>
+        </p:spPr>
+      </p:pic>
+      <p:pic>
+        <p:nvPicPr>
+          <p:cNvPr id="19" name="Picture 2" descr="Compositech">
+            <a:extLst>
+              <a:ext uri="{FF2B5EF4-FFF2-40B4-BE49-F238E27FC236}">
+                <a16:creationId xmlns:a16="http://schemas.microsoft.com/office/drawing/2014/main" id="{662BEFF4-7C61-63C4-B5F7-4326A01F43A6}"/>
+              </a:ext>
+            </a:extLst>
+          </p:cNvPr>
+          <p:cNvPicPr>
+            <a:picLocks noChangeAspect="1" noChangeArrowheads="1"/>
+          </p:cNvPicPr>
+          <p:nvPr/>
+        </p:nvPicPr>
+        <p:blipFill>
+          <a:blip r:embed="rId4">
+            <a:extLst>
+              <a:ext uri="{28A0092B-C50C-407E-A947-70E740481C1C}">
+                <a14:useLocalDpi xmlns:a14="http://schemas.microsoft.com/office/drawing/2010/main" val="0"/>
+              </a:ext>
+            </a:extLst>
+          </a:blip>
+          <a:srcRect/>
+          <a:stretch>
+            <a:fillRect/>
+          </a:stretch>
+        </p:blipFill>
+        <p:spPr bwMode="auto">
+          <a:xfrm>
+            <a:off x="255257" y="2503290"/>
+            <a:ext cx="1905000" cy="752475"/>
+          </a:xfrm>
+          <a:prstGeom prst="rect">
+            <a:avLst/>
+          </a:prstGeom>
+          <a:noFill/>
+          <a:extLst>
+            <a:ext uri="{909E8E84-426E-40DD-AFC4-6F175D3DCCD1}">
+              <a14:hiddenFill xmlns:a14="http://schemas.microsoft.com/office/drawing/2010/main">
+                <a:solidFill>
+                  <a:srgbClr val="FFFFFF"/>
+                </a:solidFill>
+              </a14:hiddenFill>
+            </a:ext>
+          </a:extLst>
+        </p:spPr>
+      </p:pic>
+      <p:pic>
+        <p:nvPicPr>
+          <p:cNvPr id="20" name="Picture 6" descr="Duchess france">
+            <a:extLst>
+              <a:ext uri="{FF2B5EF4-FFF2-40B4-BE49-F238E27FC236}">
+                <a16:creationId xmlns:a16="http://schemas.microsoft.com/office/drawing/2014/main" id="{E423DA21-9345-B488-F3B5-2E73562EFFCF}"/>
+              </a:ext>
+            </a:extLst>
+          </p:cNvPr>
+          <p:cNvPicPr>
+            <a:picLocks noChangeAspect="1" noChangeArrowheads="1"/>
+          </p:cNvPicPr>
+          <p:nvPr/>
+        </p:nvPicPr>
+        <p:blipFill>
+          <a:blip r:embed="rId5">
+            <a:extLst>
+              <a:ext uri="{28A0092B-C50C-407E-A947-70E740481C1C}">
+                <a14:useLocalDpi xmlns:a14="http://schemas.microsoft.com/office/drawing/2010/main" val="0"/>
+              </a:ext>
+            </a:extLst>
+          </a:blip>
+          <a:srcRect/>
+          <a:stretch>
+            <a:fillRect/>
+          </a:stretch>
+        </p:blipFill>
+        <p:spPr bwMode="auto">
+          <a:xfrm>
+            <a:off x="183398" y="3465576"/>
+            <a:ext cx="2048717" cy="901951"/>
+          </a:xfrm>
+          <a:prstGeom prst="rect">
+            <a:avLst/>
+          </a:prstGeom>
+          <a:noFill/>
+          <a:extLst>
+            <a:ext uri="{909E8E84-426E-40DD-AFC4-6F175D3DCCD1}">
+              <a14:hiddenFill xmlns:a14="http://schemas.microsoft.com/office/drawing/2010/main">
+                <a:solidFill>
+                  <a:srgbClr val="FFFFFF"/>
+                </a:solidFill>
+              </a14:hiddenFill>
+            </a:ext>
+          </a:extLst>
+        </p:spPr>
+      </p:pic>
+      <p:pic>
+        <p:nvPicPr>
+          <p:cNvPr id="13" name="Google Shape;189;p36" descr="Portrait d'Angi">
+            <a:extLst>
+              <a:ext uri="{FF2B5EF4-FFF2-40B4-BE49-F238E27FC236}">
+                <a16:creationId xmlns:a16="http://schemas.microsoft.com/office/drawing/2014/main" id="{518A57B3-9E24-BCF9-5D1E-39EBBCA66761}"/>
+              </a:ext>
+            </a:extLst>
+          </p:cNvPr>
+          <p:cNvPicPr preferRelativeResize="0"/>
+          <p:nvPr/>
+        </p:nvPicPr>
+        <p:blipFill>
+          <a:blip r:embed="rId6"/>
+          <a:srcRect/>
+          <a:stretch/>
+        </p:blipFill>
+        <p:spPr>
+          <a:xfrm>
+            <a:off x="2235506" y="1255112"/>
+            <a:ext cx="1800000" cy="1800000"/>
+          </a:xfrm>
+          <a:prstGeom prst="ellipse">
+            <a:avLst/>
+          </a:prstGeom>
+          <a:noFill/>
+          <a:ln>
+            <a:noFill/>
+          </a:ln>
+        </p:spPr>
+      </p:pic>
+      <p:pic>
+        <p:nvPicPr>
+          <p:cNvPr id="14" name="Image 13" descr="Shodo Nantes">
+            <a:extLst>
+              <a:ext uri="{FF2B5EF4-FFF2-40B4-BE49-F238E27FC236}">
+                <a16:creationId xmlns:a16="http://schemas.microsoft.com/office/drawing/2014/main" id="{552F830C-FAA8-63BC-E08F-8CF69C0677AD}"/>
+              </a:ext>
+            </a:extLst>
+          </p:cNvPr>
+          <p:cNvPicPr>
+            <a:picLocks noChangeAspect="1"/>
+          </p:cNvPicPr>
+          <p:nvPr/>
+        </p:nvPicPr>
+        <p:blipFill>
+          <a:blip r:embed="rId7"/>
+          <a:stretch>
+            <a:fillRect/>
+          </a:stretch>
+        </p:blipFill>
+        <p:spPr>
+          <a:xfrm>
+            <a:off x="4035506" y="1336647"/>
+            <a:ext cx="1603102" cy="1603102"/>
+          </a:xfrm>
+          <a:prstGeom prst="rect">
+            <a:avLst/>
+          </a:prstGeom>
+        </p:spPr>
+      </p:pic>
+      <p:pic>
+        <p:nvPicPr>
+          <p:cNvPr id="15" name="Google Shape;189;p36" descr="Portrait d'Emmanuelle">
+            <a:extLst>
+              <a:ext uri="{FF2B5EF4-FFF2-40B4-BE49-F238E27FC236}">
+                <a16:creationId xmlns:a16="http://schemas.microsoft.com/office/drawing/2014/main" id="{8453F66A-4441-28B4-47EA-5972F55D9D3B}"/>
+              </a:ext>
+            </a:extLst>
+          </p:cNvPr>
+          <p:cNvPicPr preferRelativeResize="0"/>
+          <p:nvPr/>
+        </p:nvPicPr>
+        <p:blipFill>
+          <a:blip r:embed="rId8"/>
+          <a:srcRect t="12500" b="12500"/>
+          <a:stretch/>
+        </p:blipFill>
+        <p:spPr>
+          <a:xfrm>
+            <a:off x="2247464" y="3170475"/>
+            <a:ext cx="1800000" cy="1800000"/>
+          </a:xfrm>
+          <a:prstGeom prst="ellipse">
+            <a:avLst/>
+          </a:prstGeom>
+          <a:noFill/>
+          <a:ln>
+            <a:noFill/>
+          </a:ln>
+        </p:spPr>
+      </p:pic>
+      <p:pic>
+        <p:nvPicPr>
+          <p:cNvPr id="16" name="Image 15" descr="Shodo">
+            <a:extLst>
+              <a:ext uri="{FF2B5EF4-FFF2-40B4-BE49-F238E27FC236}">
+                <a16:creationId xmlns:a16="http://schemas.microsoft.com/office/drawing/2014/main" id="{1ACD38D7-0598-5902-140A-28E718BEA198}"/>
+              </a:ext>
+            </a:extLst>
+          </p:cNvPr>
+          <p:cNvPicPr>
+            <a:picLocks noChangeAspect="1"/>
+          </p:cNvPicPr>
+          <p:nvPr/>
+        </p:nvPicPr>
+        <p:blipFill>
+          <a:blip r:embed="rId9"/>
+          <a:stretch>
+            <a:fillRect/>
+          </a:stretch>
+        </p:blipFill>
+        <p:spPr>
+          <a:xfrm>
+            <a:off x="4307267" y="3487706"/>
+            <a:ext cx="1059581" cy="1165539"/>
+          </a:xfrm>
+          <a:prstGeom prst="rect">
+            <a:avLst/>
+          </a:prstGeom>
+        </p:spPr>
+      </p:pic>
+      <p:pic>
+        <p:nvPicPr>
+          <p:cNvPr id="17" name="Image 16" descr="TAG Contributor Strategy&#10;Deaf &amp; Hard of Hearing Working Group">
+            <a:extLst>
+              <a:ext uri="{FF2B5EF4-FFF2-40B4-BE49-F238E27FC236}">
+                <a16:creationId xmlns:a16="http://schemas.microsoft.com/office/drawing/2014/main" id="{5A7FB07D-7118-5EF6-C235-6636AF977DAF}"/>
+              </a:ext>
+            </a:extLst>
+          </p:cNvPr>
+          <p:cNvPicPr>
+            <a:picLocks noChangeAspect="1"/>
+          </p:cNvPicPr>
+          <p:nvPr/>
+        </p:nvPicPr>
+        <p:blipFill>
+          <a:blip r:embed="rId10"/>
+          <a:stretch>
+            <a:fillRect/>
+          </a:stretch>
+        </p:blipFill>
+        <p:spPr>
+          <a:xfrm>
+            <a:off x="5763935" y="3304002"/>
+            <a:ext cx="3227540" cy="658926"/>
+          </a:xfrm>
+          <a:prstGeom prst="rect">
+            <a:avLst/>
+          </a:prstGeom>
+        </p:spPr>
+      </p:pic>
+      <p:pic>
+        <p:nvPicPr>
+          <p:cNvPr id="18" name="Picture 4" descr="Women Techmakers">
+            <a:extLst>
+              <a:ext uri="{FF2B5EF4-FFF2-40B4-BE49-F238E27FC236}">
+                <a16:creationId xmlns:a16="http://schemas.microsoft.com/office/drawing/2014/main" id="{0A5CB1CE-A837-B7EA-1778-91FFF029CBA8}"/>
+              </a:ext>
+            </a:extLst>
+          </p:cNvPr>
+          <p:cNvPicPr>
+            <a:picLocks noChangeAspect="1" noChangeArrowheads="1"/>
+          </p:cNvPicPr>
+          <p:nvPr/>
+        </p:nvPicPr>
+        <p:blipFill>
+          <a:blip r:embed="rId11">
+            <a:extLst>
+              <a:ext uri="{28A0092B-C50C-407E-A947-70E740481C1C}">
+                <a14:useLocalDpi xmlns:a14="http://schemas.microsoft.com/office/drawing/2010/main" val="0"/>
+              </a:ext>
+            </a:extLst>
+          </a:blip>
+          <a:srcRect/>
+          <a:stretch>
+            <a:fillRect/>
+          </a:stretch>
+        </p:blipFill>
+        <p:spPr bwMode="auto">
+          <a:xfrm>
+            <a:off x="6257406" y="4070475"/>
+            <a:ext cx="1524533" cy="667288"/>
+          </a:xfrm>
+          <a:prstGeom prst="rect">
+            <a:avLst/>
+          </a:prstGeom>
+          <a:noFill/>
+          <a:extLst>
+            <a:ext uri="{909E8E84-426E-40DD-AFC4-6F175D3DCCD1}">
+              <a14:hiddenFill xmlns:a14="http://schemas.microsoft.com/office/drawing/2010/main">
+                <a:solidFill>
+                  <a:srgbClr val="FFFFFF"/>
+                </a:solidFill>
+              </a14:hiddenFill>
+            </a:ext>
+          </a:extLst>
+        </p:spPr>
+      </p:pic>
+      <p:sp>
+        <p:nvSpPr>
+          <p:cNvPr id="11" name="Google Shape;158;p32">
+            <a:extLst>
+              <a:ext uri="{FF2B5EF4-FFF2-40B4-BE49-F238E27FC236}">
+                <a16:creationId xmlns:a16="http://schemas.microsoft.com/office/drawing/2014/main" id="{D5FEA229-0D5E-9734-D91E-DE2D39005910}"/>
+              </a:ext>
+              <a:ext uri="{C183D7F6-B498-43B3-948B-1728B52AA6E4}">
+                <adec:decorative xmlns:adec="http://schemas.microsoft.com/office/drawing/2017/decorative" val="1"/>
+              </a:ext>
+            </a:extLst>
+          </p:cNvPr>
+          <p:cNvSpPr txBox="1">
+            <a:spLocks/>
+          </p:cNvSpPr>
+          <p:nvPr/>
+        </p:nvSpPr>
+        <p:spPr>
+          <a:xfrm>
+            <a:off x="8556625" y="4576763"/>
+            <a:ext cx="434975" cy="434975"/>
+          </a:xfrm>
+          <a:prstGeom prst="rect">
+            <a:avLst/>
+          </a:prstGeom>
+          <a:noFill/>
+          <a:ln>
+            <a:noFill/>
+            <a:prstDash/>
+          </a:ln>
+          <a:effectLst/>
+        </p:spPr>
+        <p:txBody>
+          <a:bodyPr rot="0" spcFirstLastPara="1" vertOverflow="overflow" horzOverflow="overflow" vert="horz" wrap="square" lIns="91425" tIns="91425" rIns="91425" bIns="91425" numCol="1" spcCol="0" rtlCol="0" fromWordArt="0" anchor="ctr" anchorCtr="0" forceAA="0" compatLnSpc="1">
+            <a:prstTxWarp prst="textNoShape">
+              <a:avLst/>
+            </a:prstTxWarp>
+            <a:noAutofit/>
+          </a:bodyPr>
+          <a:lstStyle>
+            <a:defPPr marR="0" lvl="0" algn="l" rtl="0">
+              <a:lnSpc>
+                <a:spcPct val="100000"/>
+              </a:lnSpc>
+              <a:spcBef>
+                <a:spcPts val="0"/>
+              </a:spcBef>
+              <a:spcAft>
+                <a:spcPts val="0"/>
+              </a:spcAft>
+            </a:defPPr>
+            <a:lvl1pPr marR="0" lvl="0" algn="l" rtl="0">
+              <a:lnSpc>
+                <a:spcPct val="100000"/>
+              </a:lnSpc>
+              <a:spcBef>
+                <a:spcPts val="0"/>
+              </a:spcBef>
+              <a:spcAft>
+                <a:spcPts val="0"/>
+              </a:spcAft>
+              <a:buClr>
+                <a:schemeClr val="dk1"/>
+              </a:buClr>
+              <a:buSzPts val="3600"/>
+              <a:buFont typeface="Poppins"/>
+              <a:buNone/>
+              <a:defRPr sz="3600" b="1" i="0" u="none" strike="noStrike" cap="none">
+                <a:solidFill>
+                  <a:schemeClr val="dk1"/>
+                </a:solidFill>
+                <a:latin typeface="Poppins"/>
+                <a:ea typeface="Poppins"/>
+                <a:cs typeface="Poppins"/>
+                <a:sym typeface="Poppins"/>
+              </a:defRPr>
+            </a:lvl1pPr>
+            <a:lvl2pPr marR="0" lvl="1" algn="l" rtl="0">
+              <a:lnSpc>
+                <a:spcPct val="100000"/>
+              </a:lnSpc>
+              <a:spcBef>
+                <a:spcPts val="0"/>
+              </a:spcBef>
+              <a:spcAft>
+                <a:spcPts val="0"/>
+              </a:spcAft>
+              <a:buClr>
+                <a:schemeClr val="dk1"/>
+              </a:buClr>
+              <a:buSzPts val="3600"/>
+              <a:buFont typeface="Poppins"/>
+              <a:buNone/>
+              <a:defRPr sz="3600" b="1" i="0" u="none" strike="noStrike" cap="none">
+                <a:solidFill>
+                  <a:schemeClr val="dk1"/>
+                </a:solidFill>
+                <a:latin typeface="Poppins"/>
+                <a:ea typeface="Poppins"/>
+                <a:cs typeface="Poppins"/>
+                <a:sym typeface="Poppins"/>
+              </a:defRPr>
+            </a:lvl2pPr>
+            <a:lvl3pPr marR="0" lvl="2" algn="l" rtl="0">
+              <a:lnSpc>
+                <a:spcPct val="100000"/>
+              </a:lnSpc>
+              <a:spcBef>
+                <a:spcPts val="0"/>
+              </a:spcBef>
+              <a:spcAft>
+                <a:spcPts val="0"/>
+              </a:spcAft>
+              <a:buClr>
+                <a:schemeClr val="dk1"/>
+              </a:buClr>
+              <a:buSzPts val="3600"/>
+              <a:buFont typeface="Poppins"/>
+              <a:buNone/>
+              <a:defRPr sz="3600" b="1" i="0" u="none" strike="noStrike" cap="none">
+                <a:solidFill>
+                  <a:schemeClr val="dk1"/>
+                </a:solidFill>
+                <a:latin typeface="Poppins"/>
+                <a:ea typeface="Poppins"/>
+                <a:cs typeface="Poppins"/>
+                <a:sym typeface="Poppins"/>
+              </a:defRPr>
+            </a:lvl3pPr>
+            <a:lvl4pPr marR="0" lvl="3" algn="l" rtl="0">
+              <a:lnSpc>
+                <a:spcPct val="100000"/>
+              </a:lnSpc>
+              <a:spcBef>
+                <a:spcPts val="0"/>
+              </a:spcBef>
+              <a:spcAft>
+                <a:spcPts val="0"/>
+              </a:spcAft>
+              <a:buClr>
+                <a:schemeClr val="dk1"/>
+              </a:buClr>
+              <a:buSzPts val="3600"/>
+              <a:buFont typeface="Poppins"/>
+              <a:buNone/>
+              <a:defRPr sz="3600" b="1" i="0" u="none" strike="noStrike" cap="none">
+                <a:solidFill>
+                  <a:schemeClr val="dk1"/>
+                </a:solidFill>
+                <a:latin typeface="Poppins"/>
+                <a:ea typeface="Poppins"/>
+                <a:cs typeface="Poppins"/>
+                <a:sym typeface="Poppins"/>
+              </a:defRPr>
+            </a:lvl4pPr>
+            <a:lvl5pPr marR="0" lvl="4" algn="l" rtl="0">
+              <a:lnSpc>
+                <a:spcPct val="100000"/>
+              </a:lnSpc>
+              <a:spcBef>
+                <a:spcPts val="0"/>
+              </a:spcBef>
+              <a:spcAft>
+                <a:spcPts val="0"/>
+              </a:spcAft>
+              <a:buClr>
+                <a:schemeClr val="dk1"/>
+              </a:buClr>
+              <a:buSzPts val="3600"/>
+              <a:buFont typeface="Poppins"/>
+              <a:buNone/>
+              <a:defRPr sz="3600" b="1" i="0" u="none" strike="noStrike" cap="none">
+                <a:solidFill>
+                  <a:schemeClr val="dk1"/>
+                </a:solidFill>
+                <a:latin typeface="Poppins"/>
+                <a:ea typeface="Poppins"/>
+                <a:cs typeface="Poppins"/>
+                <a:sym typeface="Poppins"/>
+              </a:defRPr>
+            </a:lvl5pPr>
+            <a:lvl6pPr marR="0" lvl="5" algn="l" rtl="0">
+              <a:lnSpc>
+                <a:spcPct val="100000"/>
+              </a:lnSpc>
+              <a:spcBef>
+                <a:spcPts val="0"/>
+              </a:spcBef>
+              <a:spcAft>
+                <a:spcPts val="0"/>
+              </a:spcAft>
+              <a:buClr>
+                <a:schemeClr val="dk1"/>
+              </a:buClr>
+              <a:buSzPts val="3600"/>
+              <a:buFont typeface="Poppins"/>
+              <a:buNone/>
+              <a:defRPr sz="3600" b="1" i="0" u="none" strike="noStrike" cap="none">
+                <a:solidFill>
+                  <a:schemeClr val="dk1"/>
+                </a:solidFill>
+                <a:latin typeface="Poppins"/>
+                <a:ea typeface="Poppins"/>
+                <a:cs typeface="Poppins"/>
+                <a:sym typeface="Poppins"/>
+              </a:defRPr>
+            </a:lvl6pPr>
+            <a:lvl7pPr marR="0" lvl="6" algn="l" rtl="0">
+              <a:lnSpc>
+                <a:spcPct val="100000"/>
+              </a:lnSpc>
+              <a:spcBef>
+                <a:spcPts val="0"/>
+              </a:spcBef>
+              <a:spcAft>
+                <a:spcPts val="0"/>
+              </a:spcAft>
+              <a:buClr>
+                <a:schemeClr val="dk1"/>
+              </a:buClr>
+              <a:buSzPts val="3600"/>
+              <a:buFont typeface="Poppins"/>
+              <a:buNone/>
+              <a:defRPr sz="3600" b="1" i="0" u="none" strike="noStrike" cap="none">
+                <a:solidFill>
+                  <a:schemeClr val="dk1"/>
+                </a:solidFill>
+                <a:latin typeface="Poppins"/>
+                <a:ea typeface="Poppins"/>
+                <a:cs typeface="Poppins"/>
+                <a:sym typeface="Poppins"/>
+              </a:defRPr>
+            </a:lvl7pPr>
+            <a:lvl8pPr marR="0" lvl="7" algn="l" rtl="0">
+              <a:lnSpc>
+                <a:spcPct val="100000"/>
+              </a:lnSpc>
+              <a:spcBef>
+                <a:spcPts val="0"/>
+              </a:spcBef>
+              <a:spcAft>
+                <a:spcPts val="0"/>
+              </a:spcAft>
+              <a:buClr>
+                <a:schemeClr val="dk1"/>
+              </a:buClr>
+              <a:buSzPts val="3600"/>
+              <a:buFont typeface="Poppins"/>
+              <a:buNone/>
+              <a:defRPr sz="3600" b="1" i="0" u="none" strike="noStrike" cap="none">
+                <a:solidFill>
+                  <a:schemeClr val="dk1"/>
+                </a:solidFill>
+                <a:latin typeface="Poppins"/>
+                <a:ea typeface="Poppins"/>
+                <a:cs typeface="Poppins"/>
+                <a:sym typeface="Poppins"/>
+              </a:defRPr>
+            </a:lvl8pPr>
+            <a:lvl9pPr marR="0" lvl="8" algn="l" rtl="0">
+              <a:lnSpc>
+                <a:spcPct val="100000"/>
+              </a:lnSpc>
+              <a:spcBef>
+                <a:spcPts val="0"/>
+              </a:spcBef>
+              <a:spcAft>
+                <a:spcPts val="0"/>
+              </a:spcAft>
+              <a:buClr>
+                <a:schemeClr val="dk1"/>
+              </a:buClr>
+              <a:buSzPts val="3600"/>
+              <a:buFont typeface="Poppins"/>
+              <a:buNone/>
+              <a:defRPr sz="3600" b="1" i="0" u="none" strike="noStrike" cap="none">
+                <a:solidFill>
+                  <a:schemeClr val="dk1"/>
+                </a:solidFill>
+                <a:latin typeface="Poppins"/>
+                <a:ea typeface="Poppins"/>
+                <a:cs typeface="Poppins"/>
+                <a:sym typeface="Poppins"/>
+              </a:defRPr>
+            </a:lvl9pPr>
+          </a:lstStyle>
+          <a:p>
+            <a:pPr algn="ctr">
+              <a:buClr>
+                <a:srgbClr val="000000"/>
+              </a:buClr>
+              <a:buSzTx/>
+              <a:buFont typeface="Arial"/>
+              <a:buNone/>
+              <a:defRPr/>
+            </a:pPr>
+            <a:r>
+              <a:rPr lang="fr" sz="1000" dirty="0">
+                <a:solidFill>
+                  <a:srgbClr val="FFFFFF"/>
+                </a:solidFill>
+                <a:latin typeface="Inter"/>
+                <a:ea typeface="Inter"/>
+                <a:cs typeface="Inter"/>
+                <a:sym typeface="Inter"/>
+              </a:rPr>
+              <a:t>2</a:t>
+            </a:r>
+          </a:p>
+        </p:txBody>
+      </p:sp>
+    </p:spTree>
+    <p:extLst>
+      <p:ext uri="{BB962C8B-B14F-4D97-AF65-F5344CB8AC3E}">
+        <p14:creationId xmlns:p14="http://schemas.microsoft.com/office/powerpoint/2010/main" val="3463097583"/>
+      </p:ext>
+    </p:extLst>
+  </p:cSld>
+  <p:clrMapOvr>
+    <a:masterClrMapping/>
+  </p:clrMapOvr>
+</p:sld>
+</file>
+
+<file path=ppt/slides/slide20.xml><?xml version="1.0" encoding="utf-8"?>
 <p:sld xmlns:a="http://schemas.openxmlformats.org/drawingml/2006/main" xmlns:r="http://schemas.openxmlformats.org/officeDocument/2006/relationships" xmlns:p="http://schemas.openxmlformats.org/presentationml/2006/main">
   <p:cSld>
     <p:spTree>
@@ -14823,7 +17136,7 @@
             </a:pPr>
             <a:fld id="{00000000-1234-1234-1234-123412341234}" type="slidenum">
               <a:rPr lang="fr"/>
-              <a:t>18</a:t>
+              <a:t>20</a:t>
             </a:fld>
             <a:endParaRPr/>
           </a:p>
@@ -14842,7 +17155,7 @@
 </p:sld>
 </file>
 
-<file path=ppt/slides/slide19.xml><?xml version="1.0" encoding="utf-8"?>
+<file path=ppt/slides/slide21.xml><?xml version="1.0" encoding="utf-8"?>
 <p:sld xmlns:a="http://schemas.openxmlformats.org/drawingml/2006/main" xmlns:r="http://schemas.openxmlformats.org/officeDocument/2006/relationships" xmlns:p="http://schemas.openxmlformats.org/presentationml/2006/main">
   <p:cSld>
     <p:spTree>
@@ -15525,7 +17838,7 @@
             </a:pPr>
             <a:fld id="{00000000-1234-1234-1234-123412341234}" type="slidenum">
               <a:rPr lang="fr"/>
-              <a:t>19</a:t>
+              <a:t>21</a:t>
             </a:fld>
             <a:endParaRPr/>
           </a:p>
@@ -15539,9 +17852,17 @@
 </p:sld>
 </file>
 
-<file path=ppt/slides/slide2.xml><?xml version="1.0" encoding="utf-8"?>
-<p:sld xmlns:a="http://schemas.openxmlformats.org/drawingml/2006/main" xmlns:r="http://schemas.openxmlformats.org/officeDocument/2006/relationships" xmlns:p="http://schemas.openxmlformats.org/presentationml/2006/main">
+<file path=ppt/slides/slide3.xml><?xml version="1.0" encoding="utf-8"?>
+<p:sld xmlns:a="http://schemas.openxmlformats.org/drawingml/2006/main" xmlns:r="http://schemas.openxmlformats.org/officeDocument/2006/relationships" xmlns:p="http://schemas.openxmlformats.org/presentationml/2006/main" showMasterSp="0">
   <p:cSld>
+    <p:bg>
+      <p:bgPr>
+        <a:solidFill>
+          <a:srgbClr val="FFFFFF"/>
+        </a:solidFill>
+        <a:effectLst/>
+      </p:bgPr>
+    </p:bg>
     <p:spTree>
       <p:nvGrpSpPr>
         <p:cNvPr id="1" name=""/>
@@ -15556,487 +17877,123 @@
           <a:chExt cx="0" cy="0"/>
         </a:xfrm>
       </p:grpSpPr>
-      <p:grpSp>
-        <p:nvGrpSpPr>
-          <p:cNvPr id="7" name="Groupe 6">
+      <p:sp>
+        <p:nvSpPr>
+          <p:cNvPr id="2" name="Rectangle : coins arrondis 1">
             <a:extLst>
               <a:ext uri="{FF2B5EF4-FFF2-40B4-BE49-F238E27FC236}">
-                <a16:creationId xmlns:a16="http://schemas.microsoft.com/office/drawing/2014/main" id="{C4B5478F-1214-787A-95B8-1F7097A5F1C7}"/>
-              </a:ext>
-              <a:ext uri="{C183D7F6-B498-43B3-948B-1728B52AA6E4}">
-                <adec:decorative xmlns:adec="http://schemas.microsoft.com/office/drawing/2017/decorative" val="1"/>
+                <a16:creationId xmlns:a16="http://schemas.microsoft.com/office/drawing/2014/main" id="{D8DC9023-F9B9-4455-37EF-18F0564DF79B}"/>
               </a:ext>
             </a:extLst>
           </p:cNvPr>
-          <p:cNvGrpSpPr/>
-          <p:nvPr/>
-        </p:nvGrpSpPr>
-        <p:grpSpPr>
-          <a:xfrm>
-            <a:off x="1035161" y="410758"/>
-            <a:ext cx="435600" cy="435600"/>
-            <a:chOff x="1215462" y="359243"/>
-            <a:chExt cx="435600" cy="435600"/>
-          </a:xfrm>
-        </p:grpSpPr>
-        <p:sp>
-          <p:nvSpPr>
-            <p:cNvPr id="8" name="Google Shape;134;p29">
-              <a:extLst>
-                <a:ext uri="{FF2B5EF4-FFF2-40B4-BE49-F238E27FC236}">
-                  <a16:creationId xmlns:a16="http://schemas.microsoft.com/office/drawing/2014/main" id="{215A70BE-1CE4-E076-0BE4-BBF1B8968B7F}"/>
-                </a:ext>
-              </a:extLst>
-            </p:cNvPr>
-            <p:cNvSpPr>
-              <a:spLocks/>
-            </p:cNvSpPr>
-            <p:nvPr/>
-          </p:nvSpPr>
-          <p:spPr>
-            <a:xfrm>
-              <a:off x="1215462" y="359243"/>
-              <a:ext cx="435600" cy="435600"/>
-            </a:xfrm>
-            <a:prstGeom prst="ellipse">
-              <a:avLst/>
-            </a:prstGeom>
-            <a:solidFill>
-              <a:schemeClr val="accent1"/>
-            </a:solidFill>
-            <a:ln>
-              <a:noFill/>
-            </a:ln>
-          </p:spPr>
-          <p:txBody>
-            <a:bodyPr spcFirstLastPara="1" wrap="square" lIns="91425" tIns="91425" rIns="91425" bIns="91425" anchor="ctr" anchorCtr="0">
-              <a:noAutofit/>
-            </a:bodyPr>
-            <a:lstStyle/>
-            <a:p>
-              <a:pPr marL="0" lvl="0" indent="0" algn="ctr" rtl="0">
-                <a:spcBef>
-                  <a:spcPts val="0"/>
-                </a:spcBef>
-                <a:spcAft>
-                  <a:spcPts val="0"/>
-                </a:spcAft>
-                <a:buNone/>
-              </a:pPr>
-              <a:endParaRPr>
-                <a:latin typeface="Poppins Light"/>
-                <a:ea typeface="Poppins Light"/>
-                <a:cs typeface="Poppins Light"/>
-                <a:sym typeface="Poppins Light"/>
-              </a:endParaRPr>
-            </a:p>
-          </p:txBody>
-        </p:sp>
-        <p:pic>
-          <p:nvPicPr>
-            <p:cNvPr id="9" name="Google Shape;135;p29">
-              <a:extLst>
-                <a:ext uri="{FF2B5EF4-FFF2-40B4-BE49-F238E27FC236}">
-                  <a16:creationId xmlns:a16="http://schemas.microsoft.com/office/drawing/2014/main" id="{68750199-C5C6-E1EB-4647-FE39C95B3E0E}"/>
-                </a:ext>
-              </a:extLst>
-            </p:cNvPr>
-            <p:cNvPicPr preferRelativeResize="0">
-              <a:picLocks/>
-            </p:cNvPicPr>
-            <p:nvPr/>
-          </p:nvPicPr>
-          <p:blipFill>
-            <a:blip r:embed="rId2">
-              <a:alphaModFix/>
-            </a:blip>
-            <a:stretch>
-              <a:fillRect/>
-            </a:stretch>
-          </p:blipFill>
-          <p:spPr>
-            <a:xfrm>
-              <a:off x="1328499" y="467518"/>
-              <a:ext cx="209550" cy="219075"/>
-            </a:xfrm>
-            <a:prstGeom prst="rect">
-              <a:avLst/>
-            </a:prstGeom>
-            <a:noFill/>
-            <a:ln>
-              <a:noFill/>
-            </a:ln>
-          </p:spPr>
-        </p:pic>
-      </p:grpSp>
-      <p:sp>
-        <p:nvSpPr>
-          <p:cNvPr id="6" name="Google Shape;130;p29">
-            <a:extLst>
-              <a:ext uri="{FF2B5EF4-FFF2-40B4-BE49-F238E27FC236}">
-                <a16:creationId xmlns:a16="http://schemas.microsoft.com/office/drawing/2014/main" id="{33EF47DB-A26F-E599-45F6-9328603E2673}"/>
-              </a:ext>
-            </a:extLst>
-          </p:cNvPr>
-          <p:cNvSpPr txBox="1">
-            <a:spLocks noGrp="1"/>
-          </p:cNvSpPr>
+          <p:cNvSpPr/>
           <p:nvPr>
-            <p:ph type="title" idx="4294967295"/>
+            <p:custDataLst>
+              <p:tags r:id="rId2"/>
+            </p:custDataLst>
           </p:nvPr>
         </p:nvSpPr>
         <p:spPr>
           <a:xfrm>
-            <a:off x="1559046" y="62813"/>
-            <a:ext cx="6025907" cy="1159800"/>
+            <a:off x="4762500" y="322898"/>
+            <a:ext cx="4000500" cy="668654"/>
           </a:xfrm>
-          <a:prstGeom prst="rect">
+          <a:prstGeom prst="roundRect">
             <a:avLst/>
           </a:prstGeom>
-          <a:noFill/>
-          <a:ln>
+          <a:solidFill>
+            <a:srgbClr val="F4F4F4"/>
+          </a:solidFill>
+          <a:ln w="25400" cap="flat" cmpd="sng" algn="ctr">
             <a:noFill/>
-            <a:prstDash/>
+            <a:prstDash val="solid"/>
           </a:ln>
           <a:effectLst/>
+          <a:extLst>
+            <a:ext uri="{91240B29-F687-4F45-9708-019B960494DF}">
+              <a14:hiddenLine xmlns:a14="http://schemas.microsoft.com/office/drawing/2010/main" w="25400" cap="flat" cmpd="sng" algn="ctr">
+                <a:solidFill>
+                  <a:schemeClr val="accent1">
+                    <a:shade val="15000"/>
+                  </a:schemeClr>
+                </a:solidFill>
+                <a:prstDash val="solid"/>
+              </a14:hiddenLine>
+            </a:ext>
+          </a:extLst>
         </p:spPr>
+        <p:style>
+          <a:lnRef idx="2">
+            <a:schemeClr val="accent1">
+              <a:shade val="15000"/>
+            </a:schemeClr>
+          </a:lnRef>
+          <a:fillRef idx="1">
+            <a:schemeClr val="accent1"/>
+          </a:fillRef>
+          <a:effectRef idx="0">
+            <a:schemeClr val="accent1"/>
+          </a:effectRef>
+          <a:fontRef idx="minor">
+            <a:schemeClr val="lt1"/>
+          </a:fontRef>
+        </p:style>
         <p:txBody>
-          <a:bodyPr rot="0" spcFirstLastPara="1" vertOverflow="overflow" horzOverflow="overflow" vert="horz" wrap="square" lIns="91425" tIns="91425" rIns="91425" bIns="91425" numCol="1" spcCol="0" rtlCol="0" fromWordArt="0" anchor="ctr" anchorCtr="0" forceAA="0" compatLnSpc="1">
-            <a:prstTxWarp prst="textNoShape">
-              <a:avLst/>
-            </a:prstTxWarp>
-            <a:noAutofit/>
+          <a:bodyPr lIns="317500" rIns="1143000" rtlCol="0" anchor="ctr">
+            <a:normAutofit fontScale="62500" lnSpcReduction="20000"/>
           </a:bodyPr>
-          <a:lstStyle>
-            <a:defPPr marR="0" lvl="0" algn="l" rtl="0">
-              <a:lnSpc>
-                <a:spcPct val="100000"/>
-              </a:lnSpc>
-              <a:spcBef>
-                <a:spcPts val="0"/>
-              </a:spcBef>
-              <a:spcAft>
-                <a:spcPts val="0"/>
-              </a:spcAft>
-            </a:defPPr>
-            <a:lvl1pPr marR="0" lvl="0" algn="l" rtl="0">
-              <a:lnSpc>
-                <a:spcPct val="100000"/>
-              </a:lnSpc>
-              <a:spcBef>
-                <a:spcPts val="0"/>
-              </a:spcBef>
-              <a:spcAft>
-                <a:spcPts val="0"/>
-              </a:spcAft>
-              <a:buClr>
-                <a:schemeClr val="dk1"/>
-              </a:buClr>
-              <a:buSzPts val="3600"/>
-              <a:buFont typeface="Poppins"/>
-              <a:buNone/>
-              <a:defRPr sz="3600" b="1" i="0" u="none" strike="noStrike" cap="none">
+          <a:lstStyle/>
+          <a:p>
+            <a:r>
+              <a:rPr lang="en-US" sz="2000">
                 <a:solidFill>
-                  <a:schemeClr val="dk1"/>
+                  <a:srgbClr val="5B5B5B"/>
                 </a:solidFill>
-                <a:latin typeface="Poppins"/>
-                <a:ea typeface="Poppins"/>
-                <a:cs typeface="Poppins"/>
-                <a:sym typeface="Poppins"/>
-              </a:defRPr>
-            </a:lvl1pPr>
-            <a:lvl2pPr marR="0" lvl="1" algn="l" rtl="0">
-              <a:lnSpc>
-                <a:spcPct val="100000"/>
-              </a:lnSpc>
-              <a:spcBef>
-                <a:spcPts val="0"/>
-              </a:spcBef>
-              <a:spcAft>
-                <a:spcPts val="0"/>
-              </a:spcAft>
-              <a:buClr>
-                <a:schemeClr val="dk1"/>
-              </a:buClr>
-              <a:buSzPts val="3600"/>
-              <a:buFont typeface="Poppins"/>
-              <a:buNone/>
-              <a:defRPr sz="3600" b="1" i="0" u="none" strike="noStrike" cap="none">
-                <a:solidFill>
-                  <a:schemeClr val="dk1"/>
-                </a:solidFill>
-                <a:latin typeface="Poppins"/>
-                <a:ea typeface="Poppins"/>
-                <a:cs typeface="Poppins"/>
-                <a:sym typeface="Poppins"/>
-              </a:defRPr>
-            </a:lvl2pPr>
-            <a:lvl3pPr marR="0" lvl="2" algn="l" rtl="0">
-              <a:lnSpc>
-                <a:spcPct val="100000"/>
-              </a:lnSpc>
-              <a:spcBef>
-                <a:spcPts val="0"/>
-              </a:spcBef>
-              <a:spcAft>
-                <a:spcPts val="0"/>
-              </a:spcAft>
-              <a:buClr>
-                <a:schemeClr val="dk1"/>
-              </a:buClr>
-              <a:buSzPts val="3600"/>
-              <a:buFont typeface="Poppins"/>
-              <a:buNone/>
-              <a:defRPr sz="3600" b="1" i="0" u="none" strike="noStrike" cap="none">
-                <a:solidFill>
-                  <a:schemeClr val="dk1"/>
-                </a:solidFill>
-                <a:latin typeface="Poppins"/>
-                <a:ea typeface="Poppins"/>
-                <a:cs typeface="Poppins"/>
-                <a:sym typeface="Poppins"/>
-              </a:defRPr>
-            </a:lvl3pPr>
-            <a:lvl4pPr marR="0" lvl="3" algn="l" rtl="0">
-              <a:lnSpc>
-                <a:spcPct val="100000"/>
-              </a:lnSpc>
-              <a:spcBef>
-                <a:spcPts val="0"/>
-              </a:spcBef>
-              <a:spcAft>
-                <a:spcPts val="0"/>
-              </a:spcAft>
-              <a:buClr>
-                <a:schemeClr val="dk1"/>
-              </a:buClr>
-              <a:buSzPts val="3600"/>
-              <a:buFont typeface="Poppins"/>
-              <a:buNone/>
-              <a:defRPr sz="3600" b="1" i="0" u="none" strike="noStrike" cap="none">
-                <a:solidFill>
-                  <a:schemeClr val="dk1"/>
-                </a:solidFill>
-                <a:latin typeface="Poppins"/>
-                <a:ea typeface="Poppins"/>
-                <a:cs typeface="Poppins"/>
-                <a:sym typeface="Poppins"/>
-              </a:defRPr>
-            </a:lvl4pPr>
-            <a:lvl5pPr marR="0" lvl="4" algn="l" rtl="0">
-              <a:lnSpc>
-                <a:spcPct val="100000"/>
-              </a:lnSpc>
-              <a:spcBef>
-                <a:spcPts val="0"/>
-              </a:spcBef>
-              <a:spcAft>
-                <a:spcPts val="0"/>
-              </a:spcAft>
-              <a:buClr>
-                <a:schemeClr val="dk1"/>
-              </a:buClr>
-              <a:buSzPts val="3600"/>
-              <a:buFont typeface="Poppins"/>
-              <a:buNone/>
-              <a:defRPr sz="3600" b="1" i="0" u="none" strike="noStrike" cap="none">
-                <a:solidFill>
-                  <a:schemeClr val="dk1"/>
-                </a:solidFill>
-                <a:latin typeface="Poppins"/>
-                <a:ea typeface="Poppins"/>
-                <a:cs typeface="Poppins"/>
-                <a:sym typeface="Poppins"/>
-              </a:defRPr>
-            </a:lvl5pPr>
-            <a:lvl6pPr marR="0" lvl="5" algn="l" rtl="0">
-              <a:lnSpc>
-                <a:spcPct val="100000"/>
-              </a:lnSpc>
-              <a:spcBef>
-                <a:spcPts val="0"/>
-              </a:spcBef>
-              <a:spcAft>
-                <a:spcPts val="0"/>
-              </a:spcAft>
-              <a:buClr>
-                <a:schemeClr val="dk1"/>
-              </a:buClr>
-              <a:buSzPts val="3600"/>
-              <a:buFont typeface="Poppins"/>
-              <a:buNone/>
-              <a:defRPr sz="3600" b="1" i="0" u="none" strike="noStrike" cap="none">
-                <a:solidFill>
-                  <a:schemeClr val="dk1"/>
-                </a:solidFill>
-                <a:latin typeface="Poppins"/>
-                <a:ea typeface="Poppins"/>
-                <a:cs typeface="Poppins"/>
-                <a:sym typeface="Poppins"/>
-              </a:defRPr>
-            </a:lvl6pPr>
-            <a:lvl7pPr marR="0" lvl="6" algn="l" rtl="0">
-              <a:lnSpc>
-                <a:spcPct val="100000"/>
-              </a:lnSpc>
-              <a:spcBef>
-                <a:spcPts val="0"/>
-              </a:spcBef>
-              <a:spcAft>
-                <a:spcPts val="0"/>
-              </a:spcAft>
-              <a:buClr>
-                <a:schemeClr val="dk1"/>
-              </a:buClr>
-              <a:buSzPts val="3600"/>
-              <a:buFont typeface="Poppins"/>
-              <a:buNone/>
-              <a:defRPr sz="3600" b="1" i="0" u="none" strike="noStrike" cap="none">
-                <a:solidFill>
-                  <a:schemeClr val="dk1"/>
-                </a:solidFill>
-                <a:latin typeface="Poppins"/>
-                <a:ea typeface="Poppins"/>
-                <a:cs typeface="Poppins"/>
-                <a:sym typeface="Poppins"/>
-              </a:defRPr>
-            </a:lvl7pPr>
-            <a:lvl8pPr marR="0" lvl="7" algn="l" rtl="0">
-              <a:lnSpc>
-                <a:spcPct val="100000"/>
-              </a:lnSpc>
-              <a:spcBef>
-                <a:spcPts val="0"/>
-              </a:spcBef>
-              <a:spcAft>
-                <a:spcPts val="0"/>
-              </a:spcAft>
-              <a:buClr>
-                <a:schemeClr val="dk1"/>
-              </a:buClr>
-              <a:buSzPts val="3600"/>
-              <a:buFont typeface="Poppins"/>
-              <a:buNone/>
-              <a:defRPr sz="3600" b="1" i="0" u="none" strike="noStrike" cap="none">
-                <a:solidFill>
-                  <a:schemeClr val="dk1"/>
-                </a:solidFill>
-                <a:latin typeface="Poppins"/>
-                <a:ea typeface="Poppins"/>
-                <a:cs typeface="Poppins"/>
-                <a:sym typeface="Poppins"/>
-              </a:defRPr>
-            </a:lvl8pPr>
-            <a:lvl9pPr marR="0" lvl="8" algn="l" rtl="0">
-              <a:lnSpc>
-                <a:spcPct val="100000"/>
-              </a:lnSpc>
-              <a:spcBef>
-                <a:spcPts val="0"/>
-              </a:spcBef>
-              <a:spcAft>
-                <a:spcPts val="0"/>
-              </a:spcAft>
-              <a:buClr>
-                <a:schemeClr val="dk1"/>
-              </a:buClr>
-              <a:buSzPts val="3600"/>
-              <a:buFont typeface="Poppins"/>
-              <a:buNone/>
-              <a:defRPr sz="3600" b="1" i="0" u="none" strike="noStrike" cap="none">
-                <a:solidFill>
-                  <a:schemeClr val="dk1"/>
-                </a:solidFill>
-                <a:latin typeface="Poppins"/>
-                <a:ea typeface="Poppins"/>
-                <a:cs typeface="Poppins"/>
-                <a:sym typeface="Poppins"/>
-              </a:defRPr>
-            </a:lvl9pPr>
-          </a:lstStyle>
-          <a:p>
-            <a:pPr marL="0" marR="0" lvl="0" indent="0" algn="l" defTabSz="914400" rtl="0" eaLnBrk="1" fontAlgn="auto" latinLnBrk="0" hangingPunct="1">
-              <a:lnSpc>
-                <a:spcPct val="100000"/>
-              </a:lnSpc>
-              <a:spcBef>
-                <a:spcPts val="0"/>
-              </a:spcBef>
-              <a:spcAft>
-                <a:spcPts val="0"/>
-              </a:spcAft>
-              <a:buClr>
-                <a:schemeClr val="dk1"/>
-              </a:buClr>
-              <a:buSzPts val="3600"/>
-              <a:buFont typeface="Poppins"/>
-              <a:buNone/>
-              <a:tabLst/>
-              <a:defRPr/>
-            </a:pPr>
-            <a:r>
-              <a:rPr kumimoji="0" lang="fr-FR" sz="4800" b="1" i="0" u="none" strike="noStrike" kern="0" cap="none" spc="0" normalizeH="0" baseline="0" noProof="0" dirty="0" err="1">
-                <a:ln>
-                  <a:noFill/>
-                </a:ln>
-                <a:solidFill>
-                  <a:schemeClr val="dk1"/>
-                </a:solidFill>
-                <a:effectLst/>
-                <a:uLnTx/>
-                <a:uFillTx/>
-                <a:latin typeface="Spectral"/>
-                <a:ea typeface="Spectral"/>
-                <a:cs typeface="Spectral"/>
-                <a:sym typeface="Spectral"/>
               </a:rPr>
-              <a:t>Angi</a:t>
+              <a:t>Please download and install the Slido app on all computers you use</a:t>
             </a:r>
-            <a:r>
-              <a:rPr kumimoji="0" lang="fr-FR" sz="4800" b="1" i="0" u="none" strike="noStrike" kern="0" cap="none" spc="0" normalizeH="0" baseline="0" noProof="0" dirty="0">
-                <a:ln>
-                  <a:noFill/>
-                </a:ln>
-                <a:solidFill>
-                  <a:schemeClr val="dk1"/>
-                </a:solidFill>
-                <a:effectLst/>
-                <a:uLnTx/>
-                <a:uFillTx/>
-                <a:latin typeface="Spectral"/>
-                <a:ea typeface="Spectral"/>
-                <a:cs typeface="Spectral"/>
-                <a:sym typeface="Spectral"/>
-              </a:rPr>
-              <a:t> &amp; Emmanuelle</a:t>
-            </a:r>
+            <a:endParaRPr lang="fr-FR" sz="2000">
+              <a:solidFill>
+                <a:srgbClr val="5B5B5B"/>
+              </a:solidFill>
+            </a:endParaRPr>
           </a:p>
         </p:txBody>
       </p:sp>
       <p:pic>
         <p:nvPicPr>
-          <p:cNvPr id="12" name="Image 11" descr="Yeeso">
+          <p:cNvPr id="4" name="Graphique 3">
             <a:extLst>
               <a:ext uri="{FF2B5EF4-FFF2-40B4-BE49-F238E27FC236}">
-                <a16:creationId xmlns:a16="http://schemas.microsoft.com/office/drawing/2014/main" id="{C115FF70-A048-0787-8E85-B814AB51923D}"/>
+                <a16:creationId xmlns:a16="http://schemas.microsoft.com/office/drawing/2014/main" id="{19F467B8-352E-AE04-A9E6-56612C751A0B}"/>
               </a:ext>
             </a:extLst>
           </p:cNvPr>
           <p:cNvPicPr>
-            <a:picLocks noChangeAspect="1"/>
+            <a:picLocks/>
           </p:cNvPicPr>
-          <p:nvPr/>
+          <p:nvPr>
+            <p:custDataLst>
+              <p:tags r:id="rId3"/>
+            </p:custDataLst>
+          </p:nvPr>
         </p:nvPicPr>
         <p:blipFill>
-          <a:blip r:embed="rId3"/>
+          <a:blip r:embed="rId9">
+            <a:extLst>
+              <a:ext uri="{96DAC541-7B7A-43D3-8B79-37D633B846F1}">
+                <asvg:svgBlip xmlns:asvg="http://schemas.microsoft.com/office/drawing/2016/SVG/main" r:embed="rId10"/>
+              </a:ext>
+            </a:extLst>
+          </a:blip>
           <a:stretch>
             <a:fillRect/>
           </a:stretch>
         </p:blipFill>
         <p:spPr>
           <a:xfrm>
-            <a:off x="340540" y="1659307"/>
-            <a:ext cx="1615316" cy="538439"/>
+            <a:off x="7976661" y="433226"/>
+            <a:ext cx="447999" cy="447999"/>
           </a:xfrm>
           <a:prstGeom prst="rect">
             <a:avLst/>
@@ -16045,153 +18002,38 @@
       </p:pic>
       <p:pic>
         <p:nvPicPr>
-          <p:cNvPr id="19" name="Picture 2" descr="Compositech">
+          <p:cNvPr id="6" name="Graphique 5">
             <a:extLst>
               <a:ext uri="{FF2B5EF4-FFF2-40B4-BE49-F238E27FC236}">
-                <a16:creationId xmlns:a16="http://schemas.microsoft.com/office/drawing/2014/main" id="{662BEFF4-7C61-63C4-B5F7-4326A01F43A6}"/>
+                <a16:creationId xmlns:a16="http://schemas.microsoft.com/office/drawing/2014/main" id="{FF3237B9-C029-C9A7-B802-8B32FD246078}"/>
               </a:ext>
             </a:extLst>
           </p:cNvPr>
           <p:cNvPicPr>
-            <a:picLocks noChangeAspect="1" noChangeArrowheads="1"/>
+            <a:picLocks/>
           </p:cNvPicPr>
-          <p:nvPr/>
+          <p:nvPr>
+            <p:custDataLst>
+              <p:tags r:id="rId4"/>
+            </p:custDataLst>
+          </p:nvPr>
         </p:nvPicPr>
         <p:blipFill>
-          <a:blip r:embed="rId4">
+          <a:blip r:embed="rId11">
             <a:extLst>
-              <a:ext uri="{28A0092B-C50C-407E-A947-70E740481C1C}">
-                <a14:useLocalDpi xmlns:a14="http://schemas.microsoft.com/office/drawing/2010/main" val="0"/>
+              <a:ext uri="{96DAC541-7B7A-43D3-8B79-37D633B846F1}">
+                <asvg:svgBlip xmlns:asvg="http://schemas.microsoft.com/office/drawing/2016/SVG/main" r:embed="rId12"/>
               </a:ext>
             </a:extLst>
           </a:blip>
-          <a:srcRect/>
-          <a:stretch>
-            <a:fillRect/>
-          </a:stretch>
-        </p:blipFill>
-        <p:spPr bwMode="auto">
-          <a:xfrm>
-            <a:off x="255257" y="2503290"/>
-            <a:ext cx="1905000" cy="752475"/>
-          </a:xfrm>
-          <a:prstGeom prst="rect">
-            <a:avLst/>
-          </a:prstGeom>
-          <a:noFill/>
-          <a:extLst>
-            <a:ext uri="{909E8E84-426E-40DD-AFC4-6F175D3DCCD1}">
-              <a14:hiddenFill xmlns:a14="http://schemas.microsoft.com/office/drawing/2010/main">
-                <a:solidFill>
-                  <a:srgbClr val="FFFFFF"/>
-                </a:solidFill>
-              </a14:hiddenFill>
-            </a:ext>
-          </a:extLst>
-        </p:spPr>
-      </p:pic>
-      <p:pic>
-        <p:nvPicPr>
-          <p:cNvPr id="20" name="Picture 6" descr="Duchess france">
-            <a:extLst>
-              <a:ext uri="{FF2B5EF4-FFF2-40B4-BE49-F238E27FC236}">
-                <a16:creationId xmlns:a16="http://schemas.microsoft.com/office/drawing/2014/main" id="{E423DA21-9345-B488-F3B5-2E73562EFFCF}"/>
-              </a:ext>
-            </a:extLst>
-          </p:cNvPr>
-          <p:cNvPicPr>
-            <a:picLocks noChangeAspect="1" noChangeArrowheads="1"/>
-          </p:cNvPicPr>
-          <p:nvPr/>
-        </p:nvPicPr>
-        <p:blipFill>
-          <a:blip r:embed="rId5">
-            <a:extLst>
-              <a:ext uri="{28A0092B-C50C-407E-A947-70E740481C1C}">
-                <a14:useLocalDpi xmlns:a14="http://schemas.microsoft.com/office/drawing/2010/main" val="0"/>
-              </a:ext>
-            </a:extLst>
-          </a:blip>
-          <a:srcRect/>
-          <a:stretch>
-            <a:fillRect/>
-          </a:stretch>
-        </p:blipFill>
-        <p:spPr bwMode="auto">
-          <a:xfrm>
-            <a:off x="183398" y="3465576"/>
-            <a:ext cx="2048717" cy="901951"/>
-          </a:xfrm>
-          <a:prstGeom prst="rect">
-            <a:avLst/>
-          </a:prstGeom>
-          <a:noFill/>
-          <a:extLst>
-            <a:ext uri="{909E8E84-426E-40DD-AFC4-6F175D3DCCD1}">
-              <a14:hiddenFill xmlns:a14="http://schemas.microsoft.com/office/drawing/2010/main">
-                <a:solidFill>
-                  <a:srgbClr val="FFFFFF"/>
-                </a:solidFill>
-              </a14:hiddenFill>
-            </a:ext>
-          </a:extLst>
-        </p:spPr>
-      </p:pic>
-      <p:pic>
-        <p:nvPicPr>
-          <p:cNvPr id="13" name="Google Shape;189;p36" descr="Portrait d'Angi">
-            <a:extLst>
-              <a:ext uri="{FF2B5EF4-FFF2-40B4-BE49-F238E27FC236}">
-                <a16:creationId xmlns:a16="http://schemas.microsoft.com/office/drawing/2014/main" id="{518A57B3-9E24-BCF9-5D1E-39EBBCA66761}"/>
-              </a:ext>
-            </a:extLst>
-          </p:cNvPr>
-          <p:cNvPicPr preferRelativeResize="0"/>
-          <p:nvPr/>
-        </p:nvPicPr>
-        <p:blipFill>
-          <a:blip r:embed="rId6"/>
-          <a:srcRect/>
-          <a:stretch/>
-        </p:blipFill>
-        <p:spPr>
-          <a:xfrm>
-            <a:off x="2235506" y="1255112"/>
-            <a:ext cx="1800000" cy="1800000"/>
-          </a:xfrm>
-          <a:prstGeom prst="ellipse">
-            <a:avLst/>
-          </a:prstGeom>
-          <a:noFill/>
-          <a:ln>
-            <a:noFill/>
-          </a:ln>
-        </p:spPr>
-      </p:pic>
-      <p:pic>
-        <p:nvPicPr>
-          <p:cNvPr id="14" name="Image 13" descr="Shodo Nantes">
-            <a:extLst>
-              <a:ext uri="{FF2B5EF4-FFF2-40B4-BE49-F238E27FC236}">
-                <a16:creationId xmlns:a16="http://schemas.microsoft.com/office/drawing/2014/main" id="{552F830C-FAA8-63BC-E08F-8CF69C0677AD}"/>
-              </a:ext>
-            </a:extLst>
-          </p:cNvPr>
-          <p:cNvPicPr>
-            <a:picLocks noChangeAspect="1"/>
-          </p:cNvPicPr>
-          <p:nvPr/>
-        </p:nvPicPr>
-        <p:blipFill>
-          <a:blip r:embed="rId7"/>
           <a:stretch>
             <a:fillRect/>
           </a:stretch>
         </p:blipFill>
         <p:spPr>
           <a:xfrm>
-            <a:off x="4035506" y="1336647"/>
-            <a:ext cx="1603102" cy="1603102"/>
+            <a:off x="2926080" y="462915"/>
+            <a:ext cx="777240" cy="388620"/>
           </a:xfrm>
           <a:prstGeom prst="rect">
             <a:avLst/>
@@ -16200,457 +18042,220 @@
       </p:pic>
       <p:pic>
         <p:nvPicPr>
-          <p:cNvPr id="15" name="Google Shape;189;p36" descr="Portrait d'Emmanuelle">
+          <p:cNvPr id="8" name="Graphique 7">
             <a:extLst>
               <a:ext uri="{FF2B5EF4-FFF2-40B4-BE49-F238E27FC236}">
-                <a16:creationId xmlns:a16="http://schemas.microsoft.com/office/drawing/2014/main" id="{8453F66A-4441-28B4-47EA-5972F55D9D3B}"/>
-              </a:ext>
-            </a:extLst>
-          </p:cNvPr>
-          <p:cNvPicPr preferRelativeResize="0"/>
-          <p:nvPr/>
-        </p:nvPicPr>
-        <p:blipFill>
-          <a:blip r:embed="rId8"/>
-          <a:srcRect t="12500" b="12500"/>
-          <a:stretch/>
-        </p:blipFill>
-        <p:spPr>
-          <a:xfrm>
-            <a:off x="2247464" y="3170475"/>
-            <a:ext cx="1800000" cy="1800000"/>
-          </a:xfrm>
-          <a:prstGeom prst="ellipse">
-            <a:avLst/>
-          </a:prstGeom>
-          <a:noFill/>
-          <a:ln>
-            <a:noFill/>
-          </a:ln>
-        </p:spPr>
-      </p:pic>
-      <p:pic>
-        <p:nvPicPr>
-          <p:cNvPr id="16" name="Image 15" descr="Shodo">
-            <a:extLst>
-              <a:ext uri="{FF2B5EF4-FFF2-40B4-BE49-F238E27FC236}">
-                <a16:creationId xmlns:a16="http://schemas.microsoft.com/office/drawing/2014/main" id="{1ACD38D7-0598-5902-140A-28E718BEA198}"/>
+                <a16:creationId xmlns:a16="http://schemas.microsoft.com/office/drawing/2014/main" id="{E8315D38-3805-81BD-6694-5A08EBD78FAB}"/>
               </a:ext>
             </a:extLst>
           </p:cNvPr>
           <p:cNvPicPr>
-            <a:picLocks noChangeAspect="1"/>
+            <a:picLocks/>
           </p:cNvPicPr>
-          <p:nvPr/>
+          <p:nvPr>
+            <p:custDataLst>
+              <p:tags r:id="rId5"/>
+            </p:custDataLst>
+          </p:nvPr>
         </p:nvPicPr>
         <p:blipFill>
-          <a:blip r:embed="rId9"/>
+          <a:blip r:embed="rId13">
+            <a:extLst>
+              <a:ext uri="{96DAC541-7B7A-43D3-8B79-37D633B846F1}">
+                <asvg:svgBlip xmlns:asvg="http://schemas.microsoft.com/office/drawing/2016/SVG/main" r:embed="rId14"/>
+              </a:ext>
+            </a:extLst>
+          </a:blip>
           <a:stretch>
             <a:fillRect/>
           </a:stretch>
         </p:blipFill>
         <p:spPr>
           <a:xfrm>
-            <a:off x="4307267" y="3487706"/>
-            <a:ext cx="1059581" cy="1165539"/>
+            <a:off x="868680" y="1703070"/>
+            <a:ext cx="1737360" cy="1737360"/>
           </a:xfrm>
           <a:prstGeom prst="rect">
             <a:avLst/>
           </a:prstGeom>
         </p:spPr>
       </p:pic>
-      <p:pic>
-        <p:nvPicPr>
-          <p:cNvPr id="17" name="Image 16" descr="TAG Contributor Strategy&#10;Deaf &amp; Hard of Hearing Working Group">
+      <p:sp>
+        <p:nvSpPr>
+          <p:cNvPr id="9" name="Rectangle 8">
             <a:extLst>
               <a:ext uri="{FF2B5EF4-FFF2-40B4-BE49-F238E27FC236}">
-                <a16:creationId xmlns:a16="http://schemas.microsoft.com/office/drawing/2014/main" id="{5A7FB07D-7118-5EF6-C235-6636AF977DAF}"/>
+                <a16:creationId xmlns:a16="http://schemas.microsoft.com/office/drawing/2014/main" id="{F14A3891-C17A-8D0C-D0E4-50F187EB6091}"/>
               </a:ext>
             </a:extLst>
           </p:cNvPr>
-          <p:cNvPicPr>
-            <a:picLocks noChangeAspect="1"/>
-          </p:cNvPicPr>
-          <p:nvPr/>
-        </p:nvPicPr>
-        <p:blipFill>
-          <a:blip r:embed="rId10"/>
-          <a:stretch>
-            <a:fillRect/>
-          </a:stretch>
-        </p:blipFill>
+          <p:cNvSpPr/>
+          <p:nvPr>
+            <p:custDataLst>
+              <p:tags r:id="rId6"/>
+            </p:custDataLst>
+          </p:nvPr>
+        </p:nvSpPr>
         <p:spPr>
           <a:xfrm>
-            <a:off x="5763935" y="3304002"/>
-            <a:ext cx="3227540" cy="658926"/>
-          </a:xfrm>
-          <a:prstGeom prst="rect">
-            <a:avLst/>
-          </a:prstGeom>
-        </p:spPr>
-      </p:pic>
-      <p:pic>
-        <p:nvPicPr>
-          <p:cNvPr id="18" name="Picture 4" descr="Women Techmakers">
-            <a:extLst>
-              <a:ext uri="{FF2B5EF4-FFF2-40B4-BE49-F238E27FC236}">
-                <a16:creationId xmlns:a16="http://schemas.microsoft.com/office/drawing/2014/main" id="{0A5CB1CE-A837-B7EA-1778-91FFF029CBA8}"/>
-              </a:ext>
-            </a:extLst>
-          </p:cNvPr>
-          <p:cNvPicPr>
-            <a:picLocks noChangeAspect="1" noChangeArrowheads="1"/>
-          </p:cNvPicPr>
-          <p:nvPr/>
-        </p:nvPicPr>
-        <p:blipFill>
-          <a:blip r:embed="rId11">
-            <a:extLst>
-              <a:ext uri="{28A0092B-C50C-407E-A947-70E740481C1C}">
-                <a14:useLocalDpi xmlns:a14="http://schemas.microsoft.com/office/drawing/2010/main" val="0"/>
-              </a:ext>
-            </a:extLst>
-          </a:blip>
-          <a:srcRect/>
-          <a:stretch>
-            <a:fillRect/>
-          </a:stretch>
-        </p:blipFill>
-        <p:spPr bwMode="auto">
-          <a:xfrm>
-            <a:off x="6257406" y="4070475"/>
-            <a:ext cx="1524533" cy="667288"/>
+            <a:off x="2926080" y="1928813"/>
+            <a:ext cx="5486400" cy="1285875"/>
           </a:xfrm>
           <a:prstGeom prst="rect">
             <a:avLst/>
           </a:prstGeom>
           <a:noFill/>
+          <a:ln w="25400" cap="flat" cmpd="sng" algn="ctr">
+            <a:solidFill>
+              <a:srgbClr val="FFFFFF"/>
+            </a:solidFill>
+            <a:prstDash val="solid"/>
+          </a:ln>
+          <a:effectLst/>
           <a:extLst>
             <a:ext uri="{909E8E84-426E-40DD-AFC4-6F175D3DCCD1}">
               <a14:hiddenFill xmlns:a14="http://schemas.microsoft.com/office/drawing/2010/main">
                 <a:solidFill>
-                  <a:srgbClr val="FFFFFF"/>
+                  <a:schemeClr val="accent1"/>
                 </a:solidFill>
               </a14:hiddenFill>
             </a:ext>
           </a:extLst>
         </p:spPr>
-      </p:pic>
+        <p:style>
+          <a:lnRef idx="2">
+            <a:schemeClr val="accent1">
+              <a:shade val="15000"/>
+            </a:schemeClr>
+          </a:lnRef>
+          <a:fillRef idx="1">
+            <a:schemeClr val="accent1"/>
+          </a:fillRef>
+          <a:effectRef idx="0">
+            <a:schemeClr val="accent1"/>
+          </a:effectRef>
+          <a:fontRef idx="minor">
+            <a:schemeClr val="lt1"/>
+          </a:fontRef>
+        </p:style>
+        <p:txBody>
+          <a:bodyPr rtlCol="0" anchor="ctr"/>
+          <a:lstStyle/>
+          <a:p>
+            <a:r>
+              <a:rPr lang="fr-FR" sz="4000" b="1">
+                <a:solidFill>
+                  <a:srgbClr val="5B5B5B"/>
+                </a:solidFill>
+              </a:rPr>
+              <a:t>Audience Q&amp;A</a:t>
+            </a:r>
+          </a:p>
+        </p:txBody>
+      </p:sp>
       <p:sp>
         <p:nvSpPr>
-          <p:cNvPr id="11" name="Google Shape;158;p32">
+          <p:cNvPr id="10" name="Rectangle 9">
             <a:extLst>
               <a:ext uri="{FF2B5EF4-FFF2-40B4-BE49-F238E27FC236}">
-                <a16:creationId xmlns:a16="http://schemas.microsoft.com/office/drawing/2014/main" id="{D5FEA229-0D5E-9734-D91E-DE2D39005910}"/>
-              </a:ext>
-              <a:ext uri="{C183D7F6-B498-43B3-948B-1728B52AA6E4}">
-                <adec:decorative xmlns:adec="http://schemas.microsoft.com/office/drawing/2017/decorative" val="1"/>
+                <a16:creationId xmlns:a16="http://schemas.microsoft.com/office/drawing/2014/main" id="{ACD5FE1C-77C2-ADF1-FDD1-D6376516A176}"/>
               </a:ext>
             </a:extLst>
           </p:cNvPr>
-          <p:cNvSpPr txBox="1">
-            <a:spLocks/>
-          </p:cNvSpPr>
-          <p:nvPr/>
+          <p:cNvSpPr/>
+          <p:nvPr>
+            <p:custDataLst>
+              <p:tags r:id="rId7"/>
+            </p:custDataLst>
+          </p:nvPr>
         </p:nvSpPr>
         <p:spPr>
           <a:xfrm>
-            <a:off x="8556625" y="4576763"/>
-            <a:ext cx="434975" cy="434975"/>
+            <a:off x="2926080" y="4318000"/>
+            <a:ext cx="5486400" cy="388620"/>
           </a:xfrm>
           <a:prstGeom prst="rect">
             <a:avLst/>
           </a:prstGeom>
           <a:noFill/>
-          <a:ln>
+          <a:ln w="25400" cap="flat" cmpd="sng" algn="ctr">
             <a:noFill/>
-            <a:prstDash/>
+            <a:prstDash val="solid"/>
           </a:ln>
           <a:effectLst/>
+          <a:extLst>
+            <a:ext uri="{909E8E84-426E-40DD-AFC4-6F175D3DCCD1}">
+              <a14:hiddenFill xmlns:a14="http://schemas.microsoft.com/office/drawing/2010/main">
+                <a:solidFill>
+                  <a:schemeClr val="accent1"/>
+                </a:solidFill>
+              </a14:hiddenFill>
+            </a:ext>
+            <a:ext uri="{91240B29-F687-4F45-9708-019B960494DF}">
+              <a14:hiddenLine xmlns:a14="http://schemas.microsoft.com/office/drawing/2010/main" w="25400" cap="flat" cmpd="sng" algn="ctr">
+                <a:solidFill>
+                  <a:schemeClr val="accent1">
+                    <a:shade val="15000"/>
+                  </a:schemeClr>
+                </a:solidFill>
+                <a:prstDash val="solid"/>
+              </a14:hiddenLine>
+            </a:ext>
+          </a:extLst>
         </p:spPr>
+        <p:style>
+          <a:lnRef idx="2">
+            <a:schemeClr val="accent1">
+              <a:shade val="15000"/>
+            </a:schemeClr>
+          </a:lnRef>
+          <a:fillRef idx="1">
+            <a:schemeClr val="accent1"/>
+          </a:fillRef>
+          <a:effectRef idx="0">
+            <a:schemeClr val="accent1"/>
+          </a:effectRef>
+          <a:fontRef idx="minor">
+            <a:schemeClr val="lt1"/>
+          </a:fontRef>
+        </p:style>
         <p:txBody>
-          <a:bodyPr rot="0" spcFirstLastPara="1" vertOverflow="overflow" horzOverflow="overflow" vert="horz" wrap="square" lIns="91425" tIns="91425" rIns="91425" bIns="91425" numCol="1" spcCol="0" rtlCol="0" fromWordArt="0" anchor="ctr" anchorCtr="0" forceAA="0" compatLnSpc="1">
-            <a:prstTxWarp prst="textNoShape">
-              <a:avLst/>
-            </a:prstTxWarp>
-            <a:noAutofit/>
+          <a:bodyPr rtlCol="0" anchor="ctr">
+            <a:normAutofit fontScale="70000" lnSpcReduction="20000"/>
           </a:bodyPr>
-          <a:lstStyle>
-            <a:defPPr marR="0" lvl="0" algn="l" rtl="0">
-              <a:lnSpc>
-                <a:spcPct val="100000"/>
-              </a:lnSpc>
-              <a:spcBef>
-                <a:spcPts val="0"/>
-              </a:spcBef>
-              <a:spcAft>
-                <a:spcPts val="0"/>
-              </a:spcAft>
-            </a:defPPr>
-            <a:lvl1pPr marR="0" lvl="0" algn="l" rtl="0">
-              <a:lnSpc>
-                <a:spcPct val="100000"/>
-              </a:lnSpc>
-              <a:spcBef>
-                <a:spcPts val="0"/>
-              </a:spcBef>
-              <a:spcAft>
-                <a:spcPts val="0"/>
-              </a:spcAft>
-              <a:buClr>
-                <a:schemeClr val="dk1"/>
-              </a:buClr>
-              <a:buSzPts val="3600"/>
-              <a:buFont typeface="Poppins"/>
-              <a:buNone/>
-              <a:defRPr sz="3600" b="1" i="0" u="none" strike="noStrike" cap="none">
+          <a:lstStyle/>
+          <a:p>
+            <a:r>
+              <a:rPr lang="en-US" sz="2200" b="1">
                 <a:solidFill>
-                  <a:schemeClr val="dk1"/>
+                  <a:srgbClr val="5B5B5B"/>
                 </a:solidFill>
-                <a:latin typeface="Poppins"/>
-                <a:ea typeface="Poppins"/>
-                <a:cs typeface="Poppins"/>
-                <a:sym typeface="Poppins"/>
-              </a:defRPr>
-            </a:lvl1pPr>
-            <a:lvl2pPr marR="0" lvl="1" algn="l" rtl="0">
-              <a:lnSpc>
-                <a:spcPct val="100000"/>
-              </a:lnSpc>
-              <a:spcBef>
-                <a:spcPts val="0"/>
-              </a:spcBef>
-              <a:spcAft>
-                <a:spcPts val="0"/>
-              </a:spcAft>
-              <a:buClr>
-                <a:schemeClr val="dk1"/>
-              </a:buClr>
-              <a:buSzPts val="3600"/>
-              <a:buFont typeface="Poppins"/>
-              <a:buNone/>
-              <a:defRPr sz="3600" b="1" i="0" u="none" strike="noStrike" cap="none">
+              </a:rPr>
+              <a:t>ⓘ</a:t>
+            </a:r>
+            <a:r>
+              <a:rPr lang="en-US" sz="2000">
                 <a:solidFill>
-                  <a:schemeClr val="dk1"/>
+                  <a:srgbClr val="5B5B5B"/>
                 </a:solidFill>
-                <a:latin typeface="Poppins"/>
-                <a:ea typeface="Poppins"/>
-                <a:cs typeface="Poppins"/>
-                <a:sym typeface="Poppins"/>
-              </a:defRPr>
-            </a:lvl2pPr>
-            <a:lvl3pPr marR="0" lvl="2" algn="l" rtl="0">
-              <a:lnSpc>
-                <a:spcPct val="100000"/>
-              </a:lnSpc>
-              <a:spcBef>
-                <a:spcPts val="0"/>
-              </a:spcBef>
-              <a:spcAft>
-                <a:spcPts val="0"/>
-              </a:spcAft>
-              <a:buClr>
-                <a:schemeClr val="dk1"/>
-              </a:buClr>
-              <a:buSzPts val="3600"/>
-              <a:buFont typeface="Poppins"/>
-              <a:buNone/>
-              <a:defRPr sz="3600" b="1" i="0" u="none" strike="noStrike" cap="none">
-                <a:solidFill>
-                  <a:schemeClr val="dk1"/>
-                </a:solidFill>
-                <a:latin typeface="Poppins"/>
-                <a:ea typeface="Poppins"/>
-                <a:cs typeface="Poppins"/>
-                <a:sym typeface="Poppins"/>
-              </a:defRPr>
-            </a:lvl3pPr>
-            <a:lvl4pPr marR="0" lvl="3" algn="l" rtl="0">
-              <a:lnSpc>
-                <a:spcPct val="100000"/>
-              </a:lnSpc>
-              <a:spcBef>
-                <a:spcPts val="0"/>
-              </a:spcBef>
-              <a:spcAft>
-                <a:spcPts val="0"/>
-              </a:spcAft>
-              <a:buClr>
-                <a:schemeClr val="dk1"/>
-              </a:buClr>
-              <a:buSzPts val="3600"/>
-              <a:buFont typeface="Poppins"/>
-              <a:buNone/>
-              <a:defRPr sz="3600" b="1" i="0" u="none" strike="noStrike" cap="none">
-                <a:solidFill>
-                  <a:schemeClr val="dk1"/>
-                </a:solidFill>
-                <a:latin typeface="Poppins"/>
-                <a:ea typeface="Poppins"/>
-                <a:cs typeface="Poppins"/>
-                <a:sym typeface="Poppins"/>
-              </a:defRPr>
-            </a:lvl4pPr>
-            <a:lvl5pPr marR="0" lvl="4" algn="l" rtl="0">
-              <a:lnSpc>
-                <a:spcPct val="100000"/>
-              </a:lnSpc>
-              <a:spcBef>
-                <a:spcPts val="0"/>
-              </a:spcBef>
-              <a:spcAft>
-                <a:spcPts val="0"/>
-              </a:spcAft>
-              <a:buClr>
-                <a:schemeClr val="dk1"/>
-              </a:buClr>
-              <a:buSzPts val="3600"/>
-              <a:buFont typeface="Poppins"/>
-              <a:buNone/>
-              <a:defRPr sz="3600" b="1" i="0" u="none" strike="noStrike" cap="none">
-                <a:solidFill>
-                  <a:schemeClr val="dk1"/>
-                </a:solidFill>
-                <a:latin typeface="Poppins"/>
-                <a:ea typeface="Poppins"/>
-                <a:cs typeface="Poppins"/>
-                <a:sym typeface="Poppins"/>
-              </a:defRPr>
-            </a:lvl5pPr>
-            <a:lvl6pPr marR="0" lvl="5" algn="l" rtl="0">
-              <a:lnSpc>
-                <a:spcPct val="100000"/>
-              </a:lnSpc>
-              <a:spcBef>
-                <a:spcPts val="0"/>
-              </a:spcBef>
-              <a:spcAft>
-                <a:spcPts val="0"/>
-              </a:spcAft>
-              <a:buClr>
-                <a:schemeClr val="dk1"/>
-              </a:buClr>
-              <a:buSzPts val="3600"/>
-              <a:buFont typeface="Poppins"/>
-              <a:buNone/>
-              <a:defRPr sz="3600" b="1" i="0" u="none" strike="noStrike" cap="none">
-                <a:solidFill>
-                  <a:schemeClr val="dk1"/>
-                </a:solidFill>
-                <a:latin typeface="Poppins"/>
-                <a:ea typeface="Poppins"/>
-                <a:cs typeface="Poppins"/>
-                <a:sym typeface="Poppins"/>
-              </a:defRPr>
-            </a:lvl6pPr>
-            <a:lvl7pPr marR="0" lvl="6" algn="l" rtl="0">
-              <a:lnSpc>
-                <a:spcPct val="100000"/>
-              </a:lnSpc>
-              <a:spcBef>
-                <a:spcPts val="0"/>
-              </a:spcBef>
-              <a:spcAft>
-                <a:spcPts val="0"/>
-              </a:spcAft>
-              <a:buClr>
-                <a:schemeClr val="dk1"/>
-              </a:buClr>
-              <a:buSzPts val="3600"/>
-              <a:buFont typeface="Poppins"/>
-              <a:buNone/>
-              <a:defRPr sz="3600" b="1" i="0" u="none" strike="noStrike" cap="none">
-                <a:solidFill>
-                  <a:schemeClr val="dk1"/>
-                </a:solidFill>
-                <a:latin typeface="Poppins"/>
-                <a:ea typeface="Poppins"/>
-                <a:cs typeface="Poppins"/>
-                <a:sym typeface="Poppins"/>
-              </a:defRPr>
-            </a:lvl7pPr>
-            <a:lvl8pPr marR="0" lvl="7" algn="l" rtl="0">
-              <a:lnSpc>
-                <a:spcPct val="100000"/>
-              </a:lnSpc>
-              <a:spcBef>
-                <a:spcPts val="0"/>
-              </a:spcBef>
-              <a:spcAft>
-                <a:spcPts val="0"/>
-              </a:spcAft>
-              <a:buClr>
-                <a:schemeClr val="dk1"/>
-              </a:buClr>
-              <a:buSzPts val="3600"/>
-              <a:buFont typeface="Poppins"/>
-              <a:buNone/>
-              <a:defRPr sz="3600" b="1" i="0" u="none" strike="noStrike" cap="none">
-                <a:solidFill>
-                  <a:schemeClr val="dk1"/>
-                </a:solidFill>
-                <a:latin typeface="Poppins"/>
-                <a:ea typeface="Poppins"/>
-                <a:cs typeface="Poppins"/>
-                <a:sym typeface="Poppins"/>
-              </a:defRPr>
-            </a:lvl8pPr>
-            <a:lvl9pPr marR="0" lvl="8" algn="l" rtl="0">
-              <a:lnSpc>
-                <a:spcPct val="100000"/>
-              </a:lnSpc>
-              <a:spcBef>
-                <a:spcPts val="0"/>
-              </a:spcBef>
-              <a:spcAft>
-                <a:spcPts val="0"/>
-              </a:spcAft>
-              <a:buClr>
-                <a:schemeClr val="dk1"/>
-              </a:buClr>
-              <a:buSzPts val="3600"/>
-              <a:buFont typeface="Poppins"/>
-              <a:buNone/>
-              <a:defRPr sz="3600" b="1" i="0" u="none" strike="noStrike" cap="none">
-                <a:solidFill>
-                  <a:schemeClr val="dk1"/>
-                </a:solidFill>
-                <a:latin typeface="Poppins"/>
-                <a:ea typeface="Poppins"/>
-                <a:cs typeface="Poppins"/>
-                <a:sym typeface="Poppins"/>
-              </a:defRPr>
-            </a:lvl9pPr>
-          </a:lstStyle>
-          <a:p>
-            <a:pPr algn="ctr">
-              <a:buClr>
-                <a:srgbClr val="000000"/>
-              </a:buClr>
-              <a:buSzTx/>
-              <a:buFont typeface="Arial"/>
-              <a:buNone/>
-              <a:defRPr/>
-            </a:pPr>
-            <a:r>
-              <a:rPr lang="fr" sz="1000" dirty="0">
-                <a:solidFill>
-                  <a:srgbClr val="FFFFFF"/>
-                </a:solidFill>
-                <a:latin typeface="Inter"/>
-                <a:ea typeface="Inter"/>
-                <a:cs typeface="Inter"/>
-                <a:sym typeface="Inter"/>
               </a:rPr>
-              <a:t>2</a:t>
+              <a:t> Start presenting to display the audience questions on this slide.</a:t>
             </a:r>
+            <a:endParaRPr lang="fr-FR" sz="2000">
+              <a:solidFill>
+                <a:srgbClr val="5B5B5B"/>
+              </a:solidFill>
+            </a:endParaRPr>
           </a:p>
         </p:txBody>
       </p:sp>
     </p:spTree>
+    <p:custDataLst>
+      <p:tags r:id="rId1"/>
+    </p:custDataLst>
     <p:extLst>
       <p:ext uri="{BB962C8B-B14F-4D97-AF65-F5344CB8AC3E}">
-        <p14:creationId xmlns:p14="http://schemas.microsoft.com/office/powerpoint/2010/main" val="3463097583"/>
+        <p14:creationId xmlns:p14="http://schemas.microsoft.com/office/powerpoint/2010/main" val="4057597139"/>
       </p:ext>
     </p:extLst>
   </p:cSld>
@@ -16660,7 +18265,7 @@
 </p:sld>
 </file>
 
-<file path=ppt/slides/slide3.xml><?xml version="1.0" encoding="utf-8"?>
+<file path=ppt/slides/slide4.xml><?xml version="1.0" encoding="utf-8"?>
 <p:sld xmlns:a="http://schemas.openxmlformats.org/drawingml/2006/main" xmlns:r="http://schemas.openxmlformats.org/officeDocument/2006/relationships" xmlns:p="http://schemas.openxmlformats.org/presentationml/2006/main">
   <p:cSld>
     <p:spTree>
@@ -16922,7 +18527,7 @@
             </a:pPr>
             <a:fld id="{00000000-1234-1234-1234-123412341234}" type="slidenum">
               <a:rPr lang="fr"/>
-              <a:t>3</a:t>
+              <a:t>4</a:t>
             </a:fld>
             <a:endParaRPr dirty="0"/>
           </a:p>
@@ -16932,192 +18537,6 @@
     <p:extLst>
       <p:ext uri="{BB962C8B-B14F-4D97-AF65-F5344CB8AC3E}">
         <p14:creationId xmlns:p14="http://schemas.microsoft.com/office/powerpoint/2010/main" val="3971718477"/>
-      </p:ext>
-    </p:extLst>
-  </p:cSld>
-  <p:clrMapOvr>
-    <a:masterClrMapping/>
-  </p:clrMapOvr>
-</p:sld>
-</file>
-
-<file path=ppt/slides/slide4.xml><?xml version="1.0" encoding="utf-8"?>
-<p:sld xmlns:a="http://schemas.openxmlformats.org/drawingml/2006/main" xmlns:r="http://schemas.openxmlformats.org/officeDocument/2006/relationships" xmlns:p="http://schemas.openxmlformats.org/presentationml/2006/main">
-  <p:cSld>
-    <p:spTree>
-      <p:nvGrpSpPr>
-        <p:cNvPr id="1" name="Shape 140"/>
-        <p:cNvGrpSpPr/>
-        <p:nvPr/>
-      </p:nvGrpSpPr>
-      <p:grpSpPr>
-        <a:xfrm>
-          <a:off x="0" y="0"/>
-          <a:ext cx="0" cy="0"/>
-          <a:chOff x="0" y="0"/>
-          <a:chExt cx="0" cy="0"/>
-        </a:xfrm>
-      </p:grpSpPr>
-      <p:sp>
-        <p:nvSpPr>
-          <p:cNvPr id="143" name="Google Shape;143;p30">
-            <a:extLst>
-              <a:ext uri="{C183D7F6-B498-43B3-948B-1728B52AA6E4}">
-                <adec:decorative xmlns:adec="http://schemas.microsoft.com/office/drawing/2017/decorative" val="1"/>
-              </a:ext>
-            </a:extLst>
-          </p:cNvPr>
-          <p:cNvSpPr/>
-          <p:nvPr/>
-        </p:nvSpPr>
-        <p:spPr>
-          <a:xfrm>
-            <a:off x="1481181" y="1738950"/>
-            <a:ext cx="832800" cy="832800"/>
-          </a:xfrm>
-          <a:prstGeom prst="ellipse">
-            <a:avLst/>
-          </a:prstGeom>
-          <a:solidFill>
-            <a:schemeClr val="accent1"/>
-          </a:solidFill>
-          <a:ln>
-            <a:noFill/>
-          </a:ln>
-        </p:spPr>
-        <p:txBody>
-          <a:bodyPr spcFirstLastPara="1" wrap="square" lIns="91425" tIns="91425" rIns="91425" bIns="91425" anchor="ctr" anchorCtr="0">
-            <a:noAutofit/>
-          </a:bodyPr>
-          <a:lstStyle/>
-          <a:p>
-            <a:pPr marL="0" lvl="0" indent="0" algn="ctr" rtl="0">
-              <a:spcBef>
-                <a:spcPts val="0"/>
-              </a:spcBef>
-              <a:spcAft>
-                <a:spcPts val="0"/>
-              </a:spcAft>
-              <a:buNone/>
-            </a:pPr>
-            <a:endParaRPr>
-              <a:latin typeface="Poppins Light"/>
-              <a:ea typeface="Poppins Light"/>
-              <a:cs typeface="Poppins Light"/>
-              <a:sym typeface="Poppins Light"/>
-            </a:endParaRPr>
-          </a:p>
-        </p:txBody>
-      </p:sp>
-      <p:sp>
-        <p:nvSpPr>
-          <p:cNvPr id="144" name="Google Shape;144;p30"/>
-          <p:cNvSpPr txBox="1"/>
-          <p:nvPr/>
-        </p:nvSpPr>
-        <p:spPr>
-          <a:xfrm>
-            <a:off x="1608081" y="1905226"/>
-            <a:ext cx="579000" cy="590400"/>
-          </a:xfrm>
-          <a:prstGeom prst="rect">
-            <a:avLst/>
-          </a:prstGeom>
-          <a:noFill/>
-          <a:ln>
-            <a:noFill/>
-          </a:ln>
-        </p:spPr>
-        <p:txBody>
-          <a:bodyPr spcFirstLastPara="1" wrap="square" lIns="91425" tIns="91425" rIns="91425" bIns="91425" anchor="ctr" anchorCtr="0">
-            <a:noAutofit/>
-          </a:bodyPr>
-          <a:lstStyle/>
-          <a:p>
-            <a:pPr marL="0" lvl="0" indent="0" algn="ctr" rtl="0">
-              <a:spcBef>
-                <a:spcPts val="0"/>
-              </a:spcBef>
-              <a:spcAft>
-                <a:spcPts val="0"/>
-              </a:spcAft>
-              <a:buClr>
-                <a:schemeClr val="dk1"/>
-              </a:buClr>
-              <a:buSzPts val="1100"/>
-              <a:buFont typeface="Arial"/>
-              <a:buNone/>
-            </a:pPr>
-            <a:r>
-              <a:rPr lang="fr" sz="4700" b="1" dirty="0">
-                <a:solidFill>
-                  <a:schemeClr val="dk1"/>
-                </a:solidFill>
-                <a:latin typeface="Spectral"/>
-                <a:ea typeface="Spectral"/>
-                <a:cs typeface="Spectral"/>
-                <a:sym typeface="Spectral"/>
-              </a:rPr>
-              <a:t>2</a:t>
-            </a:r>
-            <a:endParaRPr sz="4700" b="1" dirty="0">
-              <a:solidFill>
-                <a:schemeClr val="dk1"/>
-              </a:solidFill>
-              <a:latin typeface="Spectral"/>
-              <a:ea typeface="Spectral"/>
-              <a:cs typeface="Spectral"/>
-              <a:sym typeface="Spectral"/>
-            </a:endParaRPr>
-          </a:p>
-        </p:txBody>
-      </p:sp>
-      <p:sp>
-        <p:nvSpPr>
-          <p:cNvPr id="141" name="Google Shape;141;p30"/>
-          <p:cNvSpPr txBox="1">
-            <a:spLocks noGrp="1"/>
-          </p:cNvSpPr>
-          <p:nvPr>
-            <p:ph type="ctrTitle"/>
-          </p:nvPr>
-        </p:nvSpPr>
-        <p:spPr>
-          <a:xfrm>
-            <a:off x="2653082" y="1262971"/>
-            <a:ext cx="4346155" cy="1874910"/>
-          </a:xfrm>
-          <a:prstGeom prst="rect">
-            <a:avLst/>
-          </a:prstGeom>
-        </p:spPr>
-        <p:txBody>
-          <a:bodyPr spcFirstLastPara="1" wrap="square" lIns="91425" tIns="91425" rIns="91425" bIns="91425" anchor="ctr" anchorCtr="0">
-            <a:noAutofit/>
-          </a:bodyPr>
-          <a:lstStyle/>
-          <a:p>
-            <a:pPr marL="0" lvl="0" indent="0" algn="ctr" rtl="0">
-              <a:spcBef>
-                <a:spcPts val="0"/>
-              </a:spcBef>
-              <a:spcAft>
-                <a:spcPts val="0"/>
-              </a:spcAft>
-              <a:buNone/>
-            </a:pPr>
-            <a:r>
-              <a:rPr lang="fr" dirty="0"/>
-              <a:t>Objectifs de l’atelier</a:t>
-            </a:r>
-            <a:endParaRPr dirty="0"/>
-          </a:p>
-        </p:txBody>
-      </p:sp>
-    </p:spTree>
-    <p:extLst>
-      <p:ext uri="{BB962C8B-B14F-4D97-AF65-F5344CB8AC3E}">
-        <p14:creationId xmlns:p14="http://schemas.microsoft.com/office/powerpoint/2010/main" val="567388033"/>
       </p:ext>
     </p:extLst>
   </p:cSld>
@@ -17203,6 +18622,192 @@
         </p:nvSpPr>
         <p:spPr>
           <a:xfrm>
+            <a:off x="1608081" y="1905226"/>
+            <a:ext cx="579000" cy="590400"/>
+          </a:xfrm>
+          <a:prstGeom prst="rect">
+            <a:avLst/>
+          </a:prstGeom>
+          <a:noFill/>
+          <a:ln>
+            <a:noFill/>
+          </a:ln>
+        </p:spPr>
+        <p:txBody>
+          <a:bodyPr spcFirstLastPara="1" wrap="square" lIns="91425" tIns="91425" rIns="91425" bIns="91425" anchor="ctr" anchorCtr="0">
+            <a:noAutofit/>
+          </a:bodyPr>
+          <a:lstStyle/>
+          <a:p>
+            <a:pPr marL="0" lvl="0" indent="0" algn="ctr" rtl="0">
+              <a:spcBef>
+                <a:spcPts val="0"/>
+              </a:spcBef>
+              <a:spcAft>
+                <a:spcPts val="0"/>
+              </a:spcAft>
+              <a:buClr>
+                <a:schemeClr val="dk1"/>
+              </a:buClr>
+              <a:buSzPts val="1100"/>
+              <a:buFont typeface="Arial"/>
+              <a:buNone/>
+            </a:pPr>
+            <a:r>
+              <a:rPr lang="fr" sz="4700" b="1" dirty="0">
+                <a:solidFill>
+                  <a:schemeClr val="dk1"/>
+                </a:solidFill>
+                <a:latin typeface="Spectral"/>
+                <a:ea typeface="Spectral"/>
+                <a:cs typeface="Spectral"/>
+                <a:sym typeface="Spectral"/>
+              </a:rPr>
+              <a:t>2</a:t>
+            </a:r>
+            <a:endParaRPr sz="4700" b="1" dirty="0">
+              <a:solidFill>
+                <a:schemeClr val="dk1"/>
+              </a:solidFill>
+              <a:latin typeface="Spectral"/>
+              <a:ea typeface="Spectral"/>
+              <a:cs typeface="Spectral"/>
+              <a:sym typeface="Spectral"/>
+            </a:endParaRPr>
+          </a:p>
+        </p:txBody>
+      </p:sp>
+      <p:sp>
+        <p:nvSpPr>
+          <p:cNvPr id="141" name="Google Shape;141;p30"/>
+          <p:cNvSpPr txBox="1">
+            <a:spLocks noGrp="1"/>
+          </p:cNvSpPr>
+          <p:nvPr>
+            <p:ph type="ctrTitle"/>
+          </p:nvPr>
+        </p:nvSpPr>
+        <p:spPr>
+          <a:xfrm>
+            <a:off x="2653082" y="1262971"/>
+            <a:ext cx="4346155" cy="1874910"/>
+          </a:xfrm>
+          <a:prstGeom prst="rect">
+            <a:avLst/>
+          </a:prstGeom>
+        </p:spPr>
+        <p:txBody>
+          <a:bodyPr spcFirstLastPara="1" wrap="square" lIns="91425" tIns="91425" rIns="91425" bIns="91425" anchor="ctr" anchorCtr="0">
+            <a:noAutofit/>
+          </a:bodyPr>
+          <a:lstStyle/>
+          <a:p>
+            <a:pPr marL="0" lvl="0" indent="0" algn="ctr" rtl="0">
+              <a:spcBef>
+                <a:spcPts val="0"/>
+              </a:spcBef>
+              <a:spcAft>
+                <a:spcPts val="0"/>
+              </a:spcAft>
+              <a:buNone/>
+            </a:pPr>
+            <a:r>
+              <a:rPr lang="fr" dirty="0"/>
+              <a:t>Objectifs de l’atelier</a:t>
+            </a:r>
+            <a:endParaRPr dirty="0"/>
+          </a:p>
+        </p:txBody>
+      </p:sp>
+    </p:spTree>
+    <p:extLst>
+      <p:ext uri="{BB962C8B-B14F-4D97-AF65-F5344CB8AC3E}">
+        <p14:creationId xmlns:p14="http://schemas.microsoft.com/office/powerpoint/2010/main" val="567388033"/>
+      </p:ext>
+    </p:extLst>
+  </p:cSld>
+  <p:clrMapOvr>
+    <a:masterClrMapping/>
+  </p:clrMapOvr>
+</p:sld>
+</file>
+
+<file path=ppt/slides/slide6.xml><?xml version="1.0" encoding="utf-8"?>
+<p:sld xmlns:a="http://schemas.openxmlformats.org/drawingml/2006/main" xmlns:r="http://schemas.openxmlformats.org/officeDocument/2006/relationships" xmlns:p="http://schemas.openxmlformats.org/presentationml/2006/main">
+  <p:cSld>
+    <p:spTree>
+      <p:nvGrpSpPr>
+        <p:cNvPr id="1" name="Shape 140"/>
+        <p:cNvGrpSpPr/>
+        <p:nvPr/>
+      </p:nvGrpSpPr>
+      <p:grpSpPr>
+        <a:xfrm>
+          <a:off x="0" y="0"/>
+          <a:ext cx="0" cy="0"/>
+          <a:chOff x="0" y="0"/>
+          <a:chExt cx="0" cy="0"/>
+        </a:xfrm>
+      </p:grpSpPr>
+      <p:sp>
+        <p:nvSpPr>
+          <p:cNvPr id="143" name="Google Shape;143;p30">
+            <a:extLst>
+              <a:ext uri="{C183D7F6-B498-43B3-948B-1728B52AA6E4}">
+                <adec:decorative xmlns:adec="http://schemas.microsoft.com/office/drawing/2017/decorative" val="1"/>
+              </a:ext>
+            </a:extLst>
+          </p:cNvPr>
+          <p:cNvSpPr/>
+          <p:nvPr/>
+        </p:nvSpPr>
+        <p:spPr>
+          <a:xfrm>
+            <a:off x="1481181" y="1738950"/>
+            <a:ext cx="832800" cy="832800"/>
+          </a:xfrm>
+          <a:prstGeom prst="ellipse">
+            <a:avLst/>
+          </a:prstGeom>
+          <a:solidFill>
+            <a:schemeClr val="accent1"/>
+          </a:solidFill>
+          <a:ln>
+            <a:noFill/>
+          </a:ln>
+        </p:spPr>
+        <p:txBody>
+          <a:bodyPr spcFirstLastPara="1" wrap="square" lIns="91425" tIns="91425" rIns="91425" bIns="91425" anchor="ctr" anchorCtr="0">
+            <a:noAutofit/>
+          </a:bodyPr>
+          <a:lstStyle/>
+          <a:p>
+            <a:pPr marL="0" lvl="0" indent="0" algn="ctr" rtl="0">
+              <a:spcBef>
+                <a:spcPts val="0"/>
+              </a:spcBef>
+              <a:spcAft>
+                <a:spcPts val="0"/>
+              </a:spcAft>
+              <a:buNone/>
+            </a:pPr>
+            <a:endParaRPr>
+              <a:latin typeface="Poppins Light"/>
+              <a:ea typeface="Poppins Light"/>
+              <a:cs typeface="Poppins Light"/>
+              <a:sym typeface="Poppins Light"/>
+            </a:endParaRPr>
+          </a:p>
+        </p:txBody>
+      </p:sp>
+      <p:sp>
+        <p:nvSpPr>
+          <p:cNvPr id="144" name="Google Shape;144;p30"/>
+          <p:cNvSpPr txBox="1"/>
+          <p:nvPr/>
+        </p:nvSpPr>
+        <p:spPr>
+          <a:xfrm>
             <a:off x="1608081" y="1918105"/>
             <a:ext cx="579000" cy="590400"/>
           </a:xfrm>
@@ -17313,7 +18918,7 @@
 </p:sld>
 </file>
 
-<file path=ppt/slides/slide6.xml><?xml version="1.0" encoding="utf-8"?>
+<file path=ppt/slides/slide7.xml><?xml version="1.0" encoding="utf-8"?>
 <p:sld xmlns:a="http://schemas.openxmlformats.org/drawingml/2006/main" xmlns:r="http://schemas.openxmlformats.org/officeDocument/2006/relationships" xmlns:p="http://schemas.openxmlformats.org/presentationml/2006/main">
   <p:cSld>
     <p:spTree>
@@ -18862,7 +20467,7 @@
             </a:pPr>
             <a:fld id="{00000000-1234-1234-1234-123412341234}" type="slidenum">
               <a:rPr lang="fr"/>
-              <a:t>6</a:t>
+              <a:t>7</a:t>
             </a:fld>
             <a:endParaRPr/>
           </a:p>
@@ -19136,7 +20741,7 @@
 </p:sld>
 </file>
 
-<file path=ppt/slides/slide7.xml><?xml version="1.0" encoding="utf-8"?>
+<file path=ppt/slides/slide8.xml><?xml version="1.0" encoding="utf-8"?>
 <p:sld xmlns:a="http://schemas.openxmlformats.org/drawingml/2006/main" xmlns:r="http://schemas.openxmlformats.org/officeDocument/2006/relationships" xmlns:p="http://schemas.openxmlformats.org/presentationml/2006/main">
   <p:cSld>
     <p:spTree>
@@ -19231,7 +20836,7 @@
             </a:pPr>
             <a:fld id="{00000000-1234-1234-1234-123412341234}" type="slidenum">
               <a:rPr lang="fr"/>
-              <a:t>7</a:t>
+              <a:t>8</a:t>
             </a:fld>
             <a:endParaRPr/>
           </a:p>
@@ -19250,7 +20855,7 @@
 </p:sld>
 </file>
 
-<file path=ppt/slides/slide8.xml><?xml version="1.0" encoding="utf-8"?>
+<file path=ppt/slides/slide9.xml><?xml version="1.0" encoding="utf-8"?>
 <p:sld xmlns:a="http://schemas.openxmlformats.org/drawingml/2006/main" xmlns:r="http://schemas.openxmlformats.org/officeDocument/2006/relationships" xmlns:p="http://schemas.openxmlformats.org/presentationml/2006/main">
   <p:cSld>
     <p:spTree>
@@ -20799,7 +22404,7 @@
             </a:pPr>
             <a:fld id="{00000000-1234-1234-1234-123412341234}" type="slidenum">
               <a:rPr lang="fr"/>
-              <a:t>8</a:t>
+              <a:t>9</a:t>
             </a:fld>
             <a:endParaRPr/>
           </a:p>
@@ -20903,7 +22508,7 @@
                                           </p:stCondLst>
                                         </p:cTn>
                                         <p:tgtEl>
-                                          <p:spTgt spid="15"/>
+                                          <p:spTgt spid="22"/>
                                         </p:tgtEl>
                                         <p:attrNameLst>
                                           <p:attrName>style.visibility</p:attrName>
@@ -20930,7 +22535,7 @@
                                           </p:stCondLst>
                                         </p:cTn>
                                         <p:tgtEl>
-                                          <p:spTgt spid="22"/>
+                                          <p:spTgt spid="15"/>
                                         </p:tgtEl>
                                         <p:attrNameLst>
                                           <p:attrName>style.visibility</p:attrName>
@@ -20975,7 +22580,7 @@
                                           </p:stCondLst>
                                         </p:cTn>
                                         <p:tgtEl>
-                                          <p:spTgt spid="16"/>
+                                          <p:spTgt spid="17"/>
                                         </p:tgtEl>
                                         <p:attrNameLst>
                                           <p:attrName>style.visibility</p:attrName>
@@ -21002,7 +22607,7 @@
                                           </p:stCondLst>
                                         </p:cTn>
                                         <p:tgtEl>
-                                          <p:spTgt spid="15"/>
+                                          <p:spTgt spid="22"/>
                                         </p:tgtEl>
                                         <p:attrNameLst>
                                           <p:attrName>style.visibility</p:attrName>
@@ -21029,7 +22634,7 @@
                                           </p:stCondLst>
                                         </p:cTn>
                                         <p:tgtEl>
-                                          <p:spTgt spid="22"/>
+                                          <p:spTgt spid="15"/>
                                         </p:tgtEl>
                                         <p:attrNameLst>
                                           <p:attrName>style.visibility</p:attrName>
@@ -21073,694 +22678,101 @@
 </p:sld>
 </file>
 
-<file path=ppt/slides/slide9.xml><?xml version="1.0" encoding="utf-8"?>
-<p:sld xmlns:a="http://schemas.openxmlformats.org/drawingml/2006/main" xmlns:r="http://schemas.openxmlformats.org/officeDocument/2006/relationships" xmlns:p="http://schemas.openxmlformats.org/presentationml/2006/main">
-  <p:cSld>
-    <p:spTree>
-      <p:nvGrpSpPr>
-        <p:cNvPr id="1" name="Shape 270"/>
-        <p:cNvGrpSpPr/>
-        <p:nvPr/>
-      </p:nvGrpSpPr>
-      <p:grpSpPr>
-        <a:xfrm>
-          <a:off x="0" y="0"/>
-          <a:ext cx="0" cy="0"/>
-          <a:chOff x="0" y="0"/>
-          <a:chExt cx="0" cy="0"/>
-        </a:xfrm>
-      </p:grpSpPr>
-      <p:grpSp>
-        <p:nvGrpSpPr>
-          <p:cNvPr id="278" name="Google Shape;278;p44">
-            <a:extLst>
-              <a:ext uri="{C183D7F6-B498-43B3-948B-1728B52AA6E4}">
-                <adec:decorative xmlns:adec="http://schemas.microsoft.com/office/drawing/2017/decorative" val="1"/>
-              </a:ext>
-            </a:extLst>
-          </p:cNvPr>
-          <p:cNvGrpSpPr/>
-          <p:nvPr/>
-        </p:nvGrpSpPr>
-        <p:grpSpPr>
-          <a:xfrm>
-            <a:off x="1315674" y="987477"/>
-            <a:ext cx="435600" cy="435600"/>
-            <a:chOff x="1756363" y="1443138"/>
-            <a:chExt cx="435600" cy="435600"/>
-          </a:xfrm>
-        </p:grpSpPr>
-        <p:sp>
-          <p:nvSpPr>
-            <p:cNvPr id="279" name="Google Shape;279;p44"/>
-            <p:cNvSpPr/>
-            <p:nvPr/>
-          </p:nvSpPr>
-          <p:spPr>
-            <a:xfrm>
-              <a:off x="1756363" y="1443138"/>
-              <a:ext cx="435600" cy="435600"/>
-            </a:xfrm>
-            <a:prstGeom prst="ellipse">
-              <a:avLst/>
-            </a:prstGeom>
-            <a:solidFill>
-              <a:schemeClr val="accent1"/>
-            </a:solidFill>
-            <a:ln>
-              <a:noFill/>
-            </a:ln>
-          </p:spPr>
-          <p:txBody>
-            <a:bodyPr spcFirstLastPara="1" wrap="square" lIns="91425" tIns="91425" rIns="91425" bIns="91425" anchor="ctr" anchorCtr="0">
-              <a:noAutofit/>
-            </a:bodyPr>
-            <a:lstStyle/>
-            <a:p>
-              <a:pPr marL="0" lvl="0" indent="0" algn="ctr" rtl="0">
-                <a:spcBef>
-                  <a:spcPts val="0"/>
-                </a:spcBef>
-                <a:spcAft>
-                  <a:spcPts val="0"/>
-                </a:spcAft>
-                <a:buNone/>
-              </a:pPr>
-              <a:endParaRPr>
-                <a:latin typeface="Poppins Light"/>
-                <a:ea typeface="Poppins Light"/>
-                <a:cs typeface="Poppins Light"/>
-                <a:sym typeface="Poppins Light"/>
-              </a:endParaRPr>
-            </a:p>
-          </p:txBody>
-        </p:sp>
-        <p:pic>
-          <p:nvPicPr>
-            <p:cNvPr id="280" name="Google Shape;280;p44"/>
-            <p:cNvPicPr preferRelativeResize="0"/>
-            <p:nvPr/>
-          </p:nvPicPr>
-          <p:blipFill>
-            <a:blip r:embed="rId3">
-              <a:alphaModFix/>
-            </a:blip>
-            <a:stretch>
-              <a:fillRect/>
-            </a:stretch>
-          </p:blipFill>
-          <p:spPr>
-            <a:xfrm>
-              <a:off x="1869400" y="1551413"/>
-              <a:ext cx="209550" cy="219075"/>
-            </a:xfrm>
-            <a:prstGeom prst="rect">
-              <a:avLst/>
-            </a:prstGeom>
-            <a:noFill/>
-            <a:ln>
-              <a:noFill/>
-            </a:ln>
-          </p:spPr>
-        </p:pic>
-      </p:grpSp>
-      <p:sp>
-        <p:nvSpPr>
-          <p:cNvPr id="271" name="Google Shape;271;p44"/>
-          <p:cNvSpPr txBox="1">
-            <a:spLocks noGrp="1"/>
-          </p:cNvSpPr>
-          <p:nvPr>
-            <p:ph type="ctrTitle" idx="4294967295"/>
-          </p:nvPr>
-        </p:nvSpPr>
-        <p:spPr>
-          <a:xfrm>
-            <a:off x="1995986" y="681614"/>
-            <a:ext cx="4365000" cy="894900"/>
-          </a:xfrm>
-          <a:prstGeom prst="rect">
-            <a:avLst/>
-          </a:prstGeom>
-        </p:spPr>
-        <p:txBody>
-          <a:bodyPr spcFirstLastPara="1" wrap="square" lIns="91425" tIns="91425" rIns="91425" bIns="91425" anchor="b" anchorCtr="0">
-            <a:noAutofit/>
-          </a:bodyPr>
-          <a:lstStyle/>
-          <a:p>
-            <a:pPr marL="0" lvl="0" indent="0" algn="l" rtl="0">
-              <a:spcBef>
-                <a:spcPts val="0"/>
-              </a:spcBef>
-              <a:spcAft>
-                <a:spcPts val="0"/>
-              </a:spcAft>
-              <a:buNone/>
-            </a:pPr>
-            <a:r>
-              <a:rPr lang="fr" sz="4200" dirty="0">
-                <a:latin typeface="Spectral"/>
-                <a:ea typeface="Spectral"/>
-                <a:cs typeface="Spectral"/>
-                <a:sym typeface="Spectral"/>
-              </a:rPr>
-              <a:t>12 millions</a:t>
-            </a:r>
-            <a:endParaRPr sz="4200" dirty="0">
-              <a:latin typeface="Spectral"/>
-              <a:ea typeface="Spectral"/>
-              <a:cs typeface="Spectral"/>
-              <a:sym typeface="Spectral"/>
-            </a:endParaRPr>
-          </a:p>
-        </p:txBody>
-      </p:sp>
-      <p:sp>
-        <p:nvSpPr>
-          <p:cNvPr id="272" name="Google Shape;272;p44"/>
-          <p:cNvSpPr txBox="1">
-            <a:spLocks noGrp="1"/>
-          </p:cNvSpPr>
-          <p:nvPr>
-            <p:ph type="subTitle" idx="4294967295"/>
-          </p:nvPr>
-        </p:nvSpPr>
-        <p:spPr>
-          <a:xfrm>
-            <a:off x="1995986" y="1292522"/>
-            <a:ext cx="4365000" cy="463200"/>
-          </a:xfrm>
-          <a:prstGeom prst="rect">
-            <a:avLst/>
-          </a:prstGeom>
-        </p:spPr>
-        <p:txBody>
-          <a:bodyPr spcFirstLastPara="1" wrap="square" lIns="91425" tIns="91425" rIns="91425" bIns="91425" anchor="t" anchorCtr="0">
-            <a:noAutofit/>
-          </a:bodyPr>
-          <a:lstStyle/>
-          <a:p>
-            <a:pPr marL="0" lvl="0" indent="0" algn="l" rtl="0">
-              <a:spcBef>
-                <a:spcPts val="600"/>
-              </a:spcBef>
-              <a:spcAft>
-                <a:spcPts val="0"/>
-              </a:spcAft>
-              <a:buNone/>
-            </a:pPr>
-            <a:r>
-              <a:rPr lang="fr-FR" sz="1400" dirty="0">
-                <a:latin typeface="Inter Light"/>
-                <a:ea typeface="Inter Light"/>
-                <a:cs typeface="Inter Light"/>
-                <a:sym typeface="Inter Light"/>
-              </a:rPr>
-              <a:t>d</a:t>
-            </a:r>
-            <a:r>
-              <a:rPr lang="fr" sz="1400" dirty="0">
-                <a:latin typeface="Inter Light"/>
-                <a:ea typeface="Inter Light"/>
-                <a:cs typeface="Inter Light"/>
-                <a:sym typeface="Inter Light"/>
-              </a:rPr>
-              <a:t>e personnes handicapées en France</a:t>
-            </a:r>
-            <a:endParaRPr sz="1400" dirty="0">
-              <a:latin typeface="Inter Light"/>
-              <a:ea typeface="Inter Light"/>
-              <a:cs typeface="Inter Light"/>
-              <a:sym typeface="Inter Light"/>
-            </a:endParaRPr>
-          </a:p>
-        </p:txBody>
-      </p:sp>
-      <p:grpSp>
-        <p:nvGrpSpPr>
-          <p:cNvPr id="281" name="Google Shape;281;p44">
-            <a:extLst>
-              <a:ext uri="{C183D7F6-B498-43B3-948B-1728B52AA6E4}">
-                <adec:decorative xmlns:adec="http://schemas.microsoft.com/office/drawing/2017/decorative" val="1"/>
-              </a:ext>
-            </a:extLst>
-          </p:cNvPr>
-          <p:cNvGrpSpPr/>
-          <p:nvPr/>
-        </p:nvGrpSpPr>
-        <p:grpSpPr>
-          <a:xfrm>
-            <a:off x="1315674" y="2315302"/>
-            <a:ext cx="435600" cy="435600"/>
-            <a:chOff x="1756363" y="1443138"/>
-            <a:chExt cx="435600" cy="435600"/>
-          </a:xfrm>
-        </p:grpSpPr>
-        <p:sp>
-          <p:nvSpPr>
-            <p:cNvPr id="282" name="Google Shape;282;p44"/>
-            <p:cNvSpPr/>
-            <p:nvPr/>
-          </p:nvSpPr>
-          <p:spPr>
-            <a:xfrm>
-              <a:off x="1756363" y="1443138"/>
-              <a:ext cx="435600" cy="435600"/>
-            </a:xfrm>
-            <a:prstGeom prst="ellipse">
-              <a:avLst/>
-            </a:prstGeom>
-            <a:solidFill>
-              <a:schemeClr val="accent1"/>
-            </a:solidFill>
-            <a:ln>
-              <a:noFill/>
-            </a:ln>
-          </p:spPr>
-          <p:txBody>
-            <a:bodyPr spcFirstLastPara="1" wrap="square" lIns="91425" tIns="91425" rIns="91425" bIns="91425" anchor="ctr" anchorCtr="0">
-              <a:noAutofit/>
-            </a:bodyPr>
-            <a:lstStyle/>
-            <a:p>
-              <a:pPr marL="0" lvl="0" indent="0" algn="ctr" rtl="0">
-                <a:spcBef>
-                  <a:spcPts val="0"/>
-                </a:spcBef>
-                <a:spcAft>
-                  <a:spcPts val="0"/>
-                </a:spcAft>
-                <a:buNone/>
-              </a:pPr>
-              <a:endParaRPr>
-                <a:latin typeface="Poppins Light"/>
-                <a:ea typeface="Poppins Light"/>
-                <a:cs typeface="Poppins Light"/>
-                <a:sym typeface="Poppins Light"/>
-              </a:endParaRPr>
-            </a:p>
-          </p:txBody>
-        </p:sp>
-        <p:pic>
-          <p:nvPicPr>
-            <p:cNvPr id="283" name="Google Shape;283;p44"/>
-            <p:cNvPicPr preferRelativeResize="0"/>
-            <p:nvPr/>
-          </p:nvPicPr>
-          <p:blipFill>
-            <a:blip r:embed="rId3">
-              <a:alphaModFix/>
-            </a:blip>
-            <a:stretch>
-              <a:fillRect/>
-            </a:stretch>
-          </p:blipFill>
-          <p:spPr>
-            <a:xfrm>
-              <a:off x="1869400" y="1551413"/>
-              <a:ext cx="209550" cy="219075"/>
-            </a:xfrm>
-            <a:prstGeom prst="rect">
-              <a:avLst/>
-            </a:prstGeom>
-            <a:noFill/>
-            <a:ln>
-              <a:noFill/>
-            </a:ln>
-          </p:spPr>
-        </p:pic>
-      </p:grpSp>
-      <p:sp>
-        <p:nvSpPr>
-          <p:cNvPr id="275" name="Google Shape;275;p44"/>
-          <p:cNvSpPr txBox="1">
-            <a:spLocks noGrp="1"/>
-          </p:cNvSpPr>
-          <p:nvPr>
-            <p:ph type="ctrTitle" idx="4294967295"/>
-          </p:nvPr>
-        </p:nvSpPr>
-        <p:spPr>
-          <a:xfrm>
-            <a:off x="1995986" y="1996061"/>
-            <a:ext cx="5769978" cy="894900"/>
-          </a:xfrm>
-          <a:prstGeom prst="rect">
-            <a:avLst/>
-          </a:prstGeom>
-        </p:spPr>
-        <p:txBody>
-          <a:bodyPr spcFirstLastPara="1" wrap="square" lIns="91425" tIns="91425" rIns="91425" bIns="91425" anchor="b" anchorCtr="0">
-            <a:noAutofit/>
-          </a:bodyPr>
-          <a:lstStyle/>
-          <a:p>
-            <a:pPr marL="0" lvl="0" indent="0" algn="l" rtl="0">
-              <a:spcBef>
-                <a:spcPts val="0"/>
-              </a:spcBef>
-              <a:spcAft>
-                <a:spcPts val="0"/>
-              </a:spcAft>
-              <a:buNone/>
-            </a:pPr>
-            <a:r>
-              <a:rPr lang="fr" sz="4200" dirty="0">
-                <a:latin typeface="Spectral"/>
-                <a:ea typeface="Spectral"/>
-                <a:cs typeface="Spectral"/>
-                <a:sym typeface="Spectral"/>
-              </a:rPr>
-              <a:t>5 familles de handicap</a:t>
-            </a:r>
-            <a:endParaRPr sz="4200" dirty="0">
-              <a:latin typeface="Spectral"/>
-              <a:ea typeface="Spectral"/>
-              <a:cs typeface="Spectral"/>
-              <a:sym typeface="Spectral"/>
-            </a:endParaRPr>
-          </a:p>
-        </p:txBody>
-      </p:sp>
-      <p:sp>
-        <p:nvSpPr>
-          <p:cNvPr id="276" name="Google Shape;276;p44"/>
-          <p:cNvSpPr txBox="1">
-            <a:spLocks noGrp="1"/>
-          </p:cNvSpPr>
-          <p:nvPr>
-            <p:ph type="subTitle" idx="4294967295"/>
-          </p:nvPr>
-        </p:nvSpPr>
-        <p:spPr>
-          <a:xfrm>
-            <a:off x="1995986" y="2606968"/>
-            <a:ext cx="4365000" cy="463200"/>
-          </a:xfrm>
-          <a:prstGeom prst="rect">
-            <a:avLst/>
-          </a:prstGeom>
-        </p:spPr>
-        <p:txBody>
-          <a:bodyPr spcFirstLastPara="1" wrap="square" lIns="91425" tIns="91425" rIns="91425" bIns="91425" anchor="t" anchorCtr="0">
-            <a:noAutofit/>
-          </a:bodyPr>
-          <a:lstStyle/>
-          <a:p>
-            <a:pPr marL="0" lvl="0" indent="0" algn="l" rtl="0">
-              <a:spcBef>
-                <a:spcPts val="600"/>
-              </a:spcBef>
-              <a:spcAft>
-                <a:spcPts val="0"/>
-              </a:spcAft>
-              <a:buNone/>
-            </a:pPr>
-            <a:r>
-              <a:rPr lang="fr-FR" sz="1400" dirty="0">
-                <a:latin typeface="Inter Light"/>
-                <a:ea typeface="Inter Light"/>
-                <a:cs typeface="Inter Light"/>
-                <a:sym typeface="Inter Light"/>
-              </a:rPr>
-              <a:t>Cognitif, mental, moteur, psychique et sensoriel</a:t>
-            </a:r>
-            <a:endParaRPr sz="1400" dirty="0">
-              <a:latin typeface="Inter Light"/>
-              <a:ea typeface="Inter Light"/>
-              <a:cs typeface="Inter Light"/>
-              <a:sym typeface="Inter Light"/>
-            </a:endParaRPr>
-          </a:p>
-        </p:txBody>
-      </p:sp>
-      <p:grpSp>
-        <p:nvGrpSpPr>
-          <p:cNvPr id="284" name="Google Shape;284;p44">
-            <a:extLst>
-              <a:ext uri="{C183D7F6-B498-43B3-948B-1728B52AA6E4}">
-                <adec:decorative xmlns:adec="http://schemas.microsoft.com/office/drawing/2017/decorative" val="1"/>
-              </a:ext>
-            </a:extLst>
-          </p:cNvPr>
-          <p:cNvGrpSpPr/>
-          <p:nvPr/>
-        </p:nvGrpSpPr>
-        <p:grpSpPr>
-          <a:xfrm>
-            <a:off x="1315674" y="3643127"/>
-            <a:ext cx="435600" cy="435600"/>
-            <a:chOff x="1756363" y="1443138"/>
-            <a:chExt cx="435600" cy="435600"/>
-          </a:xfrm>
-        </p:grpSpPr>
-        <p:sp>
-          <p:nvSpPr>
-            <p:cNvPr id="285" name="Google Shape;285;p44"/>
-            <p:cNvSpPr/>
-            <p:nvPr/>
-          </p:nvSpPr>
-          <p:spPr>
-            <a:xfrm>
-              <a:off x="1756363" y="1443138"/>
-              <a:ext cx="435600" cy="435600"/>
-            </a:xfrm>
-            <a:prstGeom prst="ellipse">
-              <a:avLst/>
-            </a:prstGeom>
-            <a:solidFill>
-              <a:schemeClr val="accent1"/>
-            </a:solidFill>
-            <a:ln>
-              <a:noFill/>
-            </a:ln>
-          </p:spPr>
-          <p:txBody>
-            <a:bodyPr spcFirstLastPara="1" wrap="square" lIns="91425" tIns="91425" rIns="91425" bIns="91425" anchor="ctr" anchorCtr="0">
-              <a:noAutofit/>
-            </a:bodyPr>
-            <a:lstStyle/>
-            <a:p>
-              <a:pPr marL="0" lvl="0" indent="0" algn="ctr" rtl="0">
-                <a:spcBef>
-                  <a:spcPts val="0"/>
-                </a:spcBef>
-                <a:spcAft>
-                  <a:spcPts val="0"/>
-                </a:spcAft>
-                <a:buNone/>
-              </a:pPr>
-              <a:endParaRPr>
-                <a:latin typeface="Poppins Light"/>
-                <a:ea typeface="Poppins Light"/>
-                <a:cs typeface="Poppins Light"/>
-                <a:sym typeface="Poppins Light"/>
-              </a:endParaRPr>
-            </a:p>
-          </p:txBody>
-        </p:sp>
-        <p:pic>
-          <p:nvPicPr>
-            <p:cNvPr id="286" name="Google Shape;286;p44"/>
-            <p:cNvPicPr preferRelativeResize="0"/>
-            <p:nvPr/>
-          </p:nvPicPr>
-          <p:blipFill>
-            <a:blip r:embed="rId3">
-              <a:alphaModFix/>
-            </a:blip>
-            <a:stretch>
-              <a:fillRect/>
-            </a:stretch>
-          </p:blipFill>
-          <p:spPr>
-            <a:xfrm>
-              <a:off x="1869400" y="1551413"/>
-              <a:ext cx="209550" cy="219075"/>
-            </a:xfrm>
-            <a:prstGeom prst="rect">
-              <a:avLst/>
-            </a:prstGeom>
-            <a:noFill/>
-            <a:ln>
-              <a:noFill/>
-            </a:ln>
-          </p:spPr>
-        </p:pic>
-      </p:grpSp>
-      <p:sp>
-        <p:nvSpPr>
-          <p:cNvPr id="273" name="Google Shape;273;p44"/>
-          <p:cNvSpPr txBox="1">
-            <a:spLocks noGrp="1"/>
-          </p:cNvSpPr>
-          <p:nvPr>
-            <p:ph type="ctrTitle" idx="4294967295"/>
-          </p:nvPr>
-        </p:nvSpPr>
-        <p:spPr>
-          <a:xfrm>
-            <a:off x="1995986" y="3310507"/>
-            <a:ext cx="5995358" cy="894900"/>
-          </a:xfrm>
-          <a:prstGeom prst="rect">
-            <a:avLst/>
-          </a:prstGeom>
-        </p:spPr>
-        <p:txBody>
-          <a:bodyPr spcFirstLastPara="1" wrap="square" lIns="91425" tIns="91425" rIns="91425" bIns="91425" anchor="b" anchorCtr="0">
-            <a:noAutofit/>
-          </a:bodyPr>
-          <a:lstStyle/>
-          <a:p>
-            <a:pPr marL="0" lvl="0" indent="0" algn="l" rtl="0">
-              <a:spcBef>
-                <a:spcPts val="0"/>
-              </a:spcBef>
-              <a:spcAft>
-                <a:spcPts val="0"/>
-              </a:spcAft>
-              <a:buNone/>
-            </a:pPr>
-            <a:r>
-              <a:rPr lang="fr-FR" sz="4200" dirty="0">
-                <a:latin typeface="Spectral"/>
-                <a:ea typeface="Spectral"/>
-                <a:cs typeface="Spectral"/>
-                <a:sym typeface="Spectral"/>
-              </a:rPr>
-              <a:t>95,9%</a:t>
-            </a:r>
-            <a:endParaRPr sz="4200" dirty="0">
-              <a:latin typeface="Spectral"/>
-              <a:ea typeface="Spectral"/>
-              <a:cs typeface="Spectral"/>
-              <a:sym typeface="Spectral"/>
-            </a:endParaRPr>
-          </a:p>
-        </p:txBody>
-      </p:sp>
-      <p:sp>
-        <p:nvSpPr>
-          <p:cNvPr id="274" name="Google Shape;274;p44"/>
-          <p:cNvSpPr txBox="1">
-            <a:spLocks noGrp="1"/>
-          </p:cNvSpPr>
-          <p:nvPr>
-            <p:ph type="subTitle" idx="4294967295"/>
-          </p:nvPr>
-        </p:nvSpPr>
-        <p:spPr>
-          <a:xfrm>
-            <a:off x="1995986" y="3921414"/>
-            <a:ext cx="5995358" cy="463200"/>
-          </a:xfrm>
-          <a:prstGeom prst="rect">
-            <a:avLst/>
-          </a:prstGeom>
-        </p:spPr>
-        <p:txBody>
-          <a:bodyPr spcFirstLastPara="1" wrap="square" lIns="91425" tIns="91425" rIns="91425" bIns="91425" anchor="t" anchorCtr="0">
-            <a:noAutofit/>
-          </a:bodyPr>
-          <a:lstStyle/>
-          <a:p>
-            <a:pPr marL="0" lvl="0" indent="0" algn="l" rtl="0">
-              <a:spcBef>
-                <a:spcPts val="600"/>
-              </a:spcBef>
-              <a:spcAft>
-                <a:spcPts val="0"/>
-              </a:spcAft>
-              <a:buNone/>
-            </a:pPr>
-            <a:r>
-              <a:rPr lang="fr-FR" sz="1400" dirty="0">
-                <a:latin typeface="Inter Light"/>
-                <a:ea typeface="Inter Light"/>
-                <a:cs typeface="Inter Light"/>
-                <a:sym typeface="Inter Light"/>
-              </a:rPr>
-              <a:t>D</a:t>
-            </a:r>
-            <a:r>
-              <a:rPr lang="fr" sz="1400" dirty="0">
-                <a:latin typeface="Inter Light"/>
-                <a:ea typeface="Inter Light"/>
-                <a:cs typeface="Inter Light"/>
-                <a:sym typeface="Inter Light"/>
-              </a:rPr>
-              <a:t>es sites webs sont inaccessibles selon le rapport WebAIM en 2023</a:t>
-            </a:r>
-            <a:endParaRPr sz="1400" dirty="0">
-              <a:latin typeface="Inter Light"/>
-              <a:ea typeface="Inter Light"/>
-              <a:cs typeface="Inter Light"/>
-              <a:sym typeface="Inter Light"/>
-            </a:endParaRPr>
-          </a:p>
-        </p:txBody>
-      </p:sp>
-      <p:sp>
-        <p:nvSpPr>
-          <p:cNvPr id="277" name="Google Shape;277;p44">
-            <a:extLst>
-              <a:ext uri="{C183D7F6-B498-43B3-948B-1728B52AA6E4}">
-                <adec:decorative xmlns:adec="http://schemas.microsoft.com/office/drawing/2017/decorative" val="1"/>
-              </a:ext>
-            </a:extLst>
-          </p:cNvPr>
-          <p:cNvSpPr txBox="1">
-            <a:spLocks noGrp="1"/>
-          </p:cNvSpPr>
-          <p:nvPr>
-            <p:ph type="sldNum" idx="12"/>
-          </p:nvPr>
-        </p:nvSpPr>
-        <p:spPr>
-          <a:xfrm>
-            <a:off x="8555875" y="4576450"/>
-            <a:ext cx="435600" cy="435600"/>
-          </a:xfrm>
-          <a:prstGeom prst="rect">
-            <a:avLst/>
-          </a:prstGeom>
-        </p:spPr>
-        <p:txBody>
-          <a:bodyPr spcFirstLastPara="1" wrap="square" lIns="91425" tIns="91425" rIns="91425" bIns="91425" anchor="ctr" anchorCtr="0">
-            <a:noAutofit/>
-          </a:bodyPr>
-          <a:lstStyle/>
-          <a:p>
-            <a:pPr marL="0" lvl="0" indent="0" algn="ctr" rtl="0">
-              <a:spcBef>
-                <a:spcPts val="0"/>
-              </a:spcBef>
-              <a:spcAft>
-                <a:spcPts val="0"/>
-              </a:spcAft>
-              <a:buNone/>
-            </a:pPr>
-            <a:fld id="{00000000-1234-1234-1234-123412341234}" type="slidenum">
-              <a:rPr lang="fr"/>
-              <a:t>9</a:t>
-            </a:fld>
-            <a:endParaRPr/>
-          </a:p>
-        </p:txBody>
-      </p:sp>
-    </p:spTree>
-    <p:extLst>
-      <p:ext uri="{BB962C8B-B14F-4D97-AF65-F5344CB8AC3E}">
-        <p14:creationId xmlns:p14="http://schemas.microsoft.com/office/powerpoint/2010/main" val="1664587476"/>
-      </p:ext>
-    </p:extLst>
-  </p:cSld>
-  <p:clrMapOvr>
-    <a:masterClrMapping/>
-  </p:clrMapOvr>
-</p:sld>
+<file path=ppt/tags/tag1.xml><?xml version="1.0" encoding="utf-8"?>
+<p:tagLst xmlns:a="http://schemas.openxmlformats.org/drawingml/2006/main" xmlns:r="http://schemas.openxmlformats.org/officeDocument/2006/relationships" xmlns:p="http://schemas.openxmlformats.org/presentationml/2006/main">
+  <p:tag name="SLIDO_APP_VERSION" val="1.13.0.5724"/>
+  <p:tag name="SLIDO_PRESENTATION_ID" val="fc5b2e4f-329e-479a-b646-0c3926ea81b6"/>
+  <p:tag name="SLIDO_EVENT_UUID" val="13ff604e-6440-4d8e-990b-2c2997b9272e"/>
+  <p:tag name="SLIDO_EVENT_SECTION_UUID" val="3dd64b9c-fc63-4ce1-9f1f-d40a4fdd328a"/>
+</p:tagLst>
+</file>
+
+<file path=ppt/tags/tag10.xml><?xml version="1.0" encoding="utf-8"?>
+<p:tagLst xmlns:a="http://schemas.openxmlformats.org/drawingml/2006/main" xmlns:r="http://schemas.openxmlformats.org/officeDocument/2006/relationships" xmlns:p="http://schemas.openxmlformats.org/presentationml/2006/main">
+  <p:tag name="SLIDO_ELEMENT" val="reminder"/>
+</p:tagLst>
+</file>
+
+<file path=ppt/tags/tag11.xml><?xml version="1.0" encoding="utf-8"?>
+<p:tagLst xmlns:a="http://schemas.openxmlformats.org/drawingml/2006/main" xmlns:r="http://schemas.openxmlformats.org/officeDocument/2006/relationships" xmlns:p="http://schemas.openxmlformats.org/presentationml/2006/main">
+  <p:tag name="SLIDO_ELEMENT" val="dotty"/>
+</p:tagLst>
+</file>
+
+<file path=ppt/tags/tag12.xml><?xml version="1.0" encoding="utf-8"?>
+<p:tagLst xmlns:a="http://schemas.openxmlformats.org/drawingml/2006/main" xmlns:r="http://schemas.openxmlformats.org/officeDocument/2006/relationships" xmlns:p="http://schemas.openxmlformats.org/presentationml/2006/main">
+  <p:tag name="SLIDO_ELEMENT" val="logo"/>
+</p:tagLst>
+</file>
+
+<file path=ppt/tags/tag13.xml><?xml version="1.0" encoding="utf-8"?>
+<p:tagLst xmlns:a="http://schemas.openxmlformats.org/drawingml/2006/main" xmlns:r="http://schemas.openxmlformats.org/officeDocument/2006/relationships" xmlns:p="http://schemas.openxmlformats.org/presentationml/2006/main">
+  <p:tag name="SLIDO_ELEMENT" val="interaction_image"/>
+  <p:tag name="INTERACTION_TYPE" val="QA"/>
+</p:tagLst>
+</file>
+
+<file path=ppt/tags/tag14.xml><?xml version="1.0" encoding="utf-8"?>
+<p:tagLst xmlns:a="http://schemas.openxmlformats.org/drawingml/2006/main" xmlns:r="http://schemas.openxmlformats.org/officeDocument/2006/relationships" xmlns:p="http://schemas.openxmlformats.org/presentationml/2006/main">
+  <p:tag name="SLIDO_ELEMENT" val="title"/>
+</p:tagLst>
+</file>
+
+<file path=ppt/tags/tag15.xml><?xml version="1.0" encoding="utf-8"?>
+<p:tagLst xmlns:a="http://schemas.openxmlformats.org/drawingml/2006/main" xmlns:r="http://schemas.openxmlformats.org/officeDocument/2006/relationships" xmlns:p="http://schemas.openxmlformats.org/presentationml/2006/main">
+  <p:tag name="SLIDO_ELEMENT" val="footer"/>
+</p:tagLst>
+</file>
+
+<file path=ppt/tags/tag2.xml><?xml version="1.0" encoding="utf-8"?>
+<p:tagLst xmlns:a="http://schemas.openxmlformats.org/drawingml/2006/main" xmlns:r="http://schemas.openxmlformats.org/officeDocument/2006/relationships" xmlns:p="http://schemas.openxmlformats.org/presentationml/2006/main">
+  <p:tag name="SLIDO_METADATA" val="eyJUaW1lc3RhbXAiOjE3MjcyNzY4MzJ9"/>
+  <p:tag name="SLIDO_TYPE" val="SlidoQA"/>
+</p:tagLst>
+</file>
+
+<file path=ppt/tags/tag3.xml><?xml version="1.0" encoding="utf-8"?>
+<p:tagLst xmlns:a="http://schemas.openxmlformats.org/drawingml/2006/main" xmlns:r="http://schemas.openxmlformats.org/officeDocument/2006/relationships" xmlns:p="http://schemas.openxmlformats.org/presentationml/2006/main">
+  <p:tag name="SLIDO_ELEMENT" val="reminder"/>
+</p:tagLst>
+</file>
+
+<file path=ppt/tags/tag4.xml><?xml version="1.0" encoding="utf-8"?>
+<p:tagLst xmlns:a="http://schemas.openxmlformats.org/drawingml/2006/main" xmlns:r="http://schemas.openxmlformats.org/officeDocument/2006/relationships" xmlns:p="http://schemas.openxmlformats.org/presentationml/2006/main">
+  <p:tag name="SLIDO_ELEMENT" val="dotty"/>
+</p:tagLst>
+</file>
+
+<file path=ppt/tags/tag5.xml><?xml version="1.0" encoding="utf-8"?>
+<p:tagLst xmlns:a="http://schemas.openxmlformats.org/drawingml/2006/main" xmlns:r="http://schemas.openxmlformats.org/officeDocument/2006/relationships" xmlns:p="http://schemas.openxmlformats.org/presentationml/2006/main">
+  <p:tag name="SLIDO_ELEMENT" val="logo"/>
+</p:tagLst>
+</file>
+
+<file path=ppt/tags/tag6.xml><?xml version="1.0" encoding="utf-8"?>
+<p:tagLst xmlns:a="http://schemas.openxmlformats.org/drawingml/2006/main" xmlns:r="http://schemas.openxmlformats.org/officeDocument/2006/relationships" xmlns:p="http://schemas.openxmlformats.org/presentationml/2006/main">
+  <p:tag name="SLIDO_ELEMENT" val="interaction_image"/>
+  <p:tag name="INTERACTION_TYPE" val="QA"/>
+</p:tagLst>
+</file>
+
+<file path=ppt/tags/tag7.xml><?xml version="1.0" encoding="utf-8"?>
+<p:tagLst xmlns:a="http://schemas.openxmlformats.org/drawingml/2006/main" xmlns:r="http://schemas.openxmlformats.org/officeDocument/2006/relationships" xmlns:p="http://schemas.openxmlformats.org/presentationml/2006/main">
+  <p:tag name="SLIDO_ELEMENT" val="title"/>
+</p:tagLst>
+</file>
+
+<file path=ppt/tags/tag8.xml><?xml version="1.0" encoding="utf-8"?>
+<p:tagLst xmlns:a="http://schemas.openxmlformats.org/drawingml/2006/main" xmlns:r="http://schemas.openxmlformats.org/officeDocument/2006/relationships" xmlns:p="http://schemas.openxmlformats.org/presentationml/2006/main">
+  <p:tag name="SLIDO_ELEMENT" val="footer"/>
+</p:tagLst>
+</file>
+
+<file path=ppt/tags/tag9.xml><?xml version="1.0" encoding="utf-8"?>
+<p:tagLst xmlns:a="http://schemas.openxmlformats.org/drawingml/2006/main" xmlns:r="http://schemas.openxmlformats.org/officeDocument/2006/relationships" xmlns:p="http://schemas.openxmlformats.org/presentationml/2006/main">
+  <p:tag name="SLIDO_METADATA" val="eyJUaW1lc3RhbXAiOjE3MjcyNzY4NDF9"/>
+  <p:tag name="SLIDO_TYPE" val="SlidoQA"/>
+</p:tagLst>
 </file>
 
 <file path=ppt/theme/theme1.xml><?xml version="1.0" encoding="utf-8"?>
